--- a/lections/cpp_craft_lec_7_pre.pptx
+++ b/lections/cpp_craft_lec_7_pre.pptx
@@ -532,7 +532,7 @@
     </p:spTree>
     <p:extLst>
       <p:ext uri="{BB962C8B-B14F-4D97-AF65-F5344CB8AC3E}">
-        <p14:creationId xmlns:p14="http://schemas.microsoft.com/office/powerpoint/2010/main" xmlns="" val="402960394"/>
+        <p14:creationId xmlns="" xmlns:p14="http://schemas.microsoft.com/office/powerpoint/2010/main" val="402960394"/>
       </p:ext>
     </p:extLst>
   </p:cSld>
@@ -710,7 +710,7 @@
     </p:spTree>
     <p:extLst>
       <p:ext uri="{BB962C8B-B14F-4D97-AF65-F5344CB8AC3E}">
-        <p14:creationId xmlns:p14="http://schemas.microsoft.com/office/powerpoint/2010/main" xmlns="" val="1596205665"/>
+        <p14:creationId xmlns="" xmlns:p14="http://schemas.microsoft.com/office/powerpoint/2010/main" val="1596205665"/>
       </p:ext>
     </p:extLst>
   </p:cSld>
@@ -3693,11 +3693,7 @@
             </a:r>
             <a:r>
               <a:rPr lang="en-US" dirty="0" smtClean="0"/>
-              <a:t>Craft: </a:t>
-            </a:r>
-            <a:r>
-              <a:rPr lang="en-US" dirty="0" smtClean="0"/>
-              <a:t>#7</a:t>
+              <a:t>Craft: #7</a:t>
             </a:r>
             <a:endParaRPr lang="en-US" dirty="0"/>
           </a:p>
@@ -3742,7 +3738,6 @@
               <a:rPr lang="ru-RU" dirty="0" smtClean="0"/>
               <a:t>Балансировка нагрузки</a:t>
             </a:r>
-            <a:endParaRPr lang="ru-RU" dirty="0" smtClean="0"/>
           </a:p>
         </p:txBody>
       </p:sp>
@@ -3849,10 +3844,6 @@
               </a:rPr>
               <a:t>#define _CRTDBG_MAP_ALLOC </a:t>
             </a:r>
-            <a:endParaRPr lang="en-US" sz="2000" dirty="0" smtClean="0">
-              <a:latin typeface="Consolas" pitchFamily="49" charset="0"/>
-              <a:cs typeface="Consolas" pitchFamily="49" charset="0"/>
-            </a:endParaRPr>
           </a:p>
           <a:p>
             <a:r>
@@ -3860,14 +3851,7 @@
                 <a:latin typeface="Consolas" pitchFamily="49" charset="0"/>
                 <a:cs typeface="Consolas" pitchFamily="49" charset="0"/>
               </a:rPr>
-              <a:t>#</a:t>
-            </a:r>
-            <a:r>
-              <a:rPr lang="en-US" sz="2000" dirty="0" smtClean="0">
-                <a:latin typeface="Consolas" pitchFamily="49" charset="0"/>
-                <a:cs typeface="Consolas" pitchFamily="49" charset="0"/>
-              </a:rPr>
-              <a:t>include &lt;</a:t>
+              <a:t>#include &lt;</a:t>
             </a:r>
             <a:r>
               <a:rPr lang="en-US" sz="2000" dirty="0" err="1" smtClean="0">
@@ -3883,10 +3867,6 @@
               </a:rPr>
               <a:t>&gt; </a:t>
             </a:r>
-            <a:endParaRPr lang="en-US" sz="2000" dirty="0" smtClean="0">
-              <a:latin typeface="Consolas" pitchFamily="49" charset="0"/>
-              <a:cs typeface="Consolas" pitchFamily="49" charset="0"/>
-            </a:endParaRPr>
           </a:p>
           <a:p>
             <a:r>
@@ -3894,14 +3874,7 @@
                 <a:latin typeface="Consolas" pitchFamily="49" charset="0"/>
                 <a:cs typeface="Consolas" pitchFamily="49" charset="0"/>
               </a:rPr>
-              <a:t>#</a:t>
-            </a:r>
-            <a:r>
-              <a:rPr lang="en-US" sz="2000" dirty="0" smtClean="0">
-                <a:latin typeface="Consolas" pitchFamily="49" charset="0"/>
-                <a:cs typeface="Consolas" pitchFamily="49" charset="0"/>
-              </a:rPr>
-              <a:t>include &lt;</a:t>
+              <a:t>#include &lt;</a:t>
             </a:r>
             <a:r>
               <a:rPr lang="en-US" sz="2000" dirty="0" err="1" smtClean="0">
@@ -3978,21 +3951,7 @@
                 <a:latin typeface="Consolas" pitchFamily="49" charset="0"/>
                 <a:cs typeface="Consolas" pitchFamily="49" charset="0"/>
               </a:rPr>
-              <a:t> ( _</a:t>
-            </a:r>
-            <a:r>
-              <a:rPr lang="en-US" sz="2000" dirty="0" smtClean="0">
-                <a:latin typeface="Consolas" pitchFamily="49" charset="0"/>
-                <a:cs typeface="Consolas" pitchFamily="49" charset="0"/>
-              </a:rPr>
-              <a:t>CRTDBG_ALLOC_MEM_DF | 			_CRTDBG_LEAK_CHECK_DF </a:t>
-            </a:r>
-            <a:r>
-              <a:rPr lang="en-US" sz="2000" dirty="0" smtClean="0">
-                <a:latin typeface="Consolas" pitchFamily="49" charset="0"/>
-                <a:cs typeface="Consolas" pitchFamily="49" charset="0"/>
-              </a:rPr>
-              <a:t>);</a:t>
+              <a:t> ( _CRTDBG_ALLOC_MEM_DF | 			_CRTDBG_LEAK_CHECK_DF );</a:t>
             </a:r>
           </a:p>
           <a:p>
@@ -4086,13 +4045,7 @@
               <a:rPr lang="en-US" dirty="0" smtClean="0">
                 <a:hlinkClick r:id="rId2"/>
               </a:rPr>
-              <a:t>http://</a:t>
-            </a:r>
-            <a:r>
-              <a:rPr lang="en-US" dirty="0" smtClean="0">
-                <a:hlinkClick r:id="rId2"/>
-              </a:rPr>
-              <a:t>msdn.microsoft.com/en-us/library/x98tx3cf%28v=vs.90%29.aspx</a:t>
+              <a:t>http://msdn.microsoft.com/en-us/library/x98tx3cf%28v=vs.90%29.aspx</a:t>
             </a:r>
             <a:endParaRPr lang="en-US" dirty="0" smtClean="0"/>
           </a:p>
@@ -4317,6 +4270,80 @@
           </a:p>
         </p:txBody>
       </p:sp>
+      <p:sp>
+        <p:nvSpPr>
+          <p:cNvPr id="4" name="Прямоугольник 5"/>
+          <p:cNvSpPr/>
+          <p:nvPr/>
+        </p:nvSpPr>
+        <p:spPr>
+          <a:xfrm>
+            <a:off x="1676400" y="6096000"/>
+            <a:ext cx="7162800" cy="369332"/>
+          </a:xfrm>
+          <a:prstGeom prst="rect">
+            <a:avLst/>
+          </a:prstGeom>
+        </p:spPr>
+        <p:txBody>
+          <a:bodyPr wrap="square">
+            <a:spAutoFit/>
+          </a:bodyPr>
+          <a:lstStyle/>
+          <a:p>
+            <a:pPr algn="r"/>
+            <a:r>
+              <a:rPr lang="en-US" smtClean="0">
+                <a:hlinkClick r:id="rId2"/>
+              </a:rPr>
+              <a:t>http://</a:t>
+            </a:r>
+            <a:r>
+              <a:rPr lang="en-US" smtClean="0">
+                <a:hlinkClick r:id="rId2"/>
+              </a:rPr>
+              <a:t>habrahabr.ru/post/82514</a:t>
+            </a:r>
+            <a:r>
+              <a:rPr lang="en-US" smtClean="0">
+                <a:hlinkClick r:id="rId2"/>
+              </a:rPr>
+              <a:t>/</a:t>
+            </a:r>
+            <a:endParaRPr lang="en-US" dirty="0" smtClean="0"/>
+          </a:p>
+        </p:txBody>
+      </p:sp>
+      <p:cxnSp>
+        <p:nvCxnSpPr>
+          <p:cNvPr id="5" name="Прямая соединительная линия 6"/>
+          <p:cNvCxnSpPr/>
+          <p:nvPr/>
+        </p:nvCxnSpPr>
+        <p:spPr>
+          <a:xfrm>
+            <a:off x="3581400" y="6019800"/>
+            <a:ext cx="5181600" cy="0"/>
+          </a:xfrm>
+          <a:prstGeom prst="line">
+            <a:avLst/>
+          </a:prstGeom>
+        </p:spPr>
+        <p:style>
+          <a:lnRef idx="1">
+            <a:schemeClr val="accent1"/>
+          </a:lnRef>
+          <a:fillRef idx="0">
+            <a:schemeClr val="accent1"/>
+          </a:fillRef>
+          <a:effectRef idx="0">
+            <a:schemeClr val="accent1"/>
+          </a:effectRef>
+          <a:fontRef idx="minor">
+            <a:schemeClr val="tx1"/>
+          </a:fontRef>
+        </p:style>
+      </p:cxnSp>
     </p:spTree>
   </p:cSld>
   <p:clrMapOvr>
@@ -4488,13 +4515,7 @@
               <a:rPr lang="en-US" dirty="0" smtClean="0">
                 <a:hlinkClick r:id="rId2"/>
               </a:rPr>
-              <a:t>https://vld.codeplex.com</a:t>
-            </a:r>
-            <a:r>
-              <a:rPr lang="en-US" dirty="0" smtClean="0">
-                <a:hlinkClick r:id="rId2"/>
-              </a:rPr>
-              <a:t>/</a:t>
+              <a:t>https://vld.codeplex.com/</a:t>
             </a:r>
             <a:endParaRPr lang="en-US" dirty="0" smtClean="0"/>
           </a:p>
@@ -4607,11 +4628,7 @@
             </a:pPr>
             <a:r>
               <a:rPr lang="en-US" dirty="0" smtClean="0"/>
-              <a:t>#include </a:t>
-            </a:r>
-            <a:r>
-              <a:rPr lang="en-US" dirty="0" smtClean="0"/>
-              <a:t>"</a:t>
+              <a:t>#include "</a:t>
             </a:r>
             <a:r>
               <a:rPr lang="en-US" dirty="0" err="1" smtClean="0"/>
@@ -4782,9 +4799,9 @@
             </a:r>
             <a:r>
               <a:rPr lang="en-US" smtClean="0"/>
-              <a:t>MSVC.</a:t>
-            </a:r>
-            <a:endParaRPr lang="en-US"/>
+              <a:t>MSVC*</a:t>
+            </a:r>
+            <a:endParaRPr lang="en-US" dirty="0"/>
           </a:p>
         </p:txBody>
       </p:sp>

--- a/lections/cpp_craft_lec_7_pre.pptx
+++ b/lections/cpp_craft_lec_7_pre.pptx
@@ -5,10 +5,10 @@
     <p:sldMasterId id="2147483648" r:id="rId1"/>
   </p:sldMasterIdLst>
   <p:notesMasterIdLst>
-    <p:notesMasterId r:id="rId8"/>
+    <p:notesMasterId r:id="rId32"/>
   </p:notesMasterIdLst>
   <p:handoutMasterIdLst>
-    <p:handoutMasterId r:id="rId9"/>
+    <p:handoutMasterId r:id="rId33"/>
   </p:handoutMasterIdLst>
   <p:sldIdLst>
     <p:sldId id="257" r:id="rId2"/>
@@ -17,6 +17,30 @@
     <p:sldId id="260" r:id="rId5"/>
     <p:sldId id="261" r:id="rId6"/>
     <p:sldId id="262" r:id="rId7"/>
+    <p:sldId id="263" r:id="rId8"/>
+    <p:sldId id="264" r:id="rId9"/>
+    <p:sldId id="265" r:id="rId10"/>
+    <p:sldId id="266" r:id="rId11"/>
+    <p:sldId id="267" r:id="rId12"/>
+    <p:sldId id="271" r:id="rId13"/>
+    <p:sldId id="272" r:id="rId14"/>
+    <p:sldId id="273" r:id="rId15"/>
+    <p:sldId id="274" r:id="rId16"/>
+    <p:sldId id="268" r:id="rId17"/>
+    <p:sldId id="269" r:id="rId18"/>
+    <p:sldId id="270" r:id="rId19"/>
+    <p:sldId id="275" r:id="rId20"/>
+    <p:sldId id="276" r:id="rId21"/>
+    <p:sldId id="277" r:id="rId22"/>
+    <p:sldId id="278" r:id="rId23"/>
+    <p:sldId id="279" r:id="rId24"/>
+    <p:sldId id="280" r:id="rId25"/>
+    <p:sldId id="281" r:id="rId26"/>
+    <p:sldId id="282" r:id="rId27"/>
+    <p:sldId id="283" r:id="rId28"/>
+    <p:sldId id="284" r:id="rId29"/>
+    <p:sldId id="285" r:id="rId30"/>
+    <p:sldId id="286" r:id="rId31"/>
   </p:sldIdLst>
   <p:sldSz cx="9144000" cy="6858000" type="screen4x3"/>
   <p:notesSz cx="6858000" cy="9144000"/>
@@ -118,6 +142,2534 @@
 </p:presentation>
 </file>
 
+<file path=ppt/diagrams/colors1.xml><?xml version="1.0" encoding="utf-8"?>
+<dgm:colorsDef xmlns:dgm="http://schemas.openxmlformats.org/drawingml/2006/diagram" xmlns:a="http://schemas.openxmlformats.org/drawingml/2006/main" uniqueId="urn:microsoft.com/office/officeart/2005/8/colors/accent1_2">
+  <dgm:title val=""/>
+  <dgm:desc val=""/>
+  <dgm:catLst>
+    <dgm:cat type="accent1" pri="11200"/>
+  </dgm:catLst>
+  <dgm:styleLbl name="node0">
+    <dgm:fillClrLst meth="repeat">
+      <a:schemeClr val="accent1"/>
+    </dgm:fillClrLst>
+    <dgm:linClrLst meth="repeat">
+      <a:schemeClr val="lt1"/>
+    </dgm:linClrLst>
+    <dgm:effectClrLst/>
+    <dgm:txLinClrLst/>
+    <dgm:txFillClrLst/>
+    <dgm:txEffectClrLst/>
+  </dgm:styleLbl>
+  <dgm:styleLbl name="alignNode1">
+    <dgm:fillClrLst meth="repeat">
+      <a:schemeClr val="accent1"/>
+    </dgm:fillClrLst>
+    <dgm:linClrLst meth="repeat">
+      <a:schemeClr val="accent1"/>
+    </dgm:linClrLst>
+    <dgm:effectClrLst/>
+    <dgm:txLinClrLst/>
+    <dgm:txFillClrLst/>
+    <dgm:txEffectClrLst/>
+  </dgm:styleLbl>
+  <dgm:styleLbl name="node1">
+    <dgm:fillClrLst meth="repeat">
+      <a:schemeClr val="accent1"/>
+    </dgm:fillClrLst>
+    <dgm:linClrLst meth="repeat">
+      <a:schemeClr val="lt1"/>
+    </dgm:linClrLst>
+    <dgm:effectClrLst/>
+    <dgm:txLinClrLst/>
+    <dgm:txFillClrLst/>
+    <dgm:txEffectClrLst/>
+  </dgm:styleLbl>
+  <dgm:styleLbl name="lnNode1">
+    <dgm:fillClrLst meth="repeat">
+      <a:schemeClr val="accent1"/>
+    </dgm:fillClrLst>
+    <dgm:linClrLst meth="repeat">
+      <a:schemeClr val="lt1"/>
+    </dgm:linClrLst>
+    <dgm:effectClrLst/>
+    <dgm:txLinClrLst/>
+    <dgm:txFillClrLst/>
+    <dgm:txEffectClrLst/>
+  </dgm:styleLbl>
+  <dgm:styleLbl name="vennNode1">
+    <dgm:fillClrLst meth="repeat">
+      <a:schemeClr val="accent1">
+        <a:alpha val="50000"/>
+      </a:schemeClr>
+    </dgm:fillClrLst>
+    <dgm:linClrLst meth="repeat">
+      <a:schemeClr val="lt1"/>
+    </dgm:linClrLst>
+    <dgm:effectClrLst/>
+    <dgm:txLinClrLst/>
+    <dgm:txFillClrLst/>
+    <dgm:txEffectClrLst/>
+  </dgm:styleLbl>
+  <dgm:styleLbl name="node2">
+    <dgm:fillClrLst meth="repeat">
+      <a:schemeClr val="accent1"/>
+    </dgm:fillClrLst>
+    <dgm:linClrLst meth="repeat">
+      <a:schemeClr val="lt1"/>
+    </dgm:linClrLst>
+    <dgm:effectClrLst/>
+    <dgm:txLinClrLst/>
+    <dgm:txFillClrLst/>
+    <dgm:txEffectClrLst/>
+  </dgm:styleLbl>
+  <dgm:styleLbl name="node3">
+    <dgm:fillClrLst meth="repeat">
+      <a:schemeClr val="accent1"/>
+    </dgm:fillClrLst>
+    <dgm:linClrLst meth="repeat">
+      <a:schemeClr val="lt1"/>
+    </dgm:linClrLst>
+    <dgm:effectClrLst/>
+    <dgm:txLinClrLst/>
+    <dgm:txFillClrLst/>
+    <dgm:txEffectClrLst/>
+  </dgm:styleLbl>
+  <dgm:styleLbl name="node4">
+    <dgm:fillClrLst meth="repeat">
+      <a:schemeClr val="accent1"/>
+    </dgm:fillClrLst>
+    <dgm:linClrLst meth="repeat">
+      <a:schemeClr val="lt1"/>
+    </dgm:linClrLst>
+    <dgm:effectClrLst/>
+    <dgm:txLinClrLst/>
+    <dgm:txFillClrLst/>
+    <dgm:txEffectClrLst/>
+  </dgm:styleLbl>
+  <dgm:styleLbl name="fgImgPlace1">
+    <dgm:fillClrLst meth="repeat">
+      <a:schemeClr val="accent1">
+        <a:tint val="50000"/>
+      </a:schemeClr>
+    </dgm:fillClrLst>
+    <dgm:linClrLst meth="repeat">
+      <a:schemeClr val="lt1"/>
+    </dgm:linClrLst>
+    <dgm:effectClrLst/>
+    <dgm:txLinClrLst/>
+    <dgm:txFillClrLst meth="repeat">
+      <a:schemeClr val="lt1"/>
+    </dgm:txFillClrLst>
+    <dgm:txEffectClrLst/>
+  </dgm:styleLbl>
+  <dgm:styleLbl name="alignImgPlace1">
+    <dgm:fillClrLst meth="repeat">
+      <a:schemeClr val="accent1">
+        <a:tint val="50000"/>
+      </a:schemeClr>
+    </dgm:fillClrLst>
+    <dgm:linClrLst meth="repeat">
+      <a:schemeClr val="lt1"/>
+    </dgm:linClrLst>
+    <dgm:effectClrLst/>
+    <dgm:txLinClrLst/>
+    <dgm:txFillClrLst meth="repeat">
+      <a:schemeClr val="lt1"/>
+    </dgm:txFillClrLst>
+    <dgm:txEffectClrLst/>
+  </dgm:styleLbl>
+  <dgm:styleLbl name="bgImgPlace1">
+    <dgm:fillClrLst meth="repeat">
+      <a:schemeClr val="accent1">
+        <a:tint val="50000"/>
+      </a:schemeClr>
+    </dgm:fillClrLst>
+    <dgm:linClrLst meth="repeat">
+      <a:schemeClr val="lt1"/>
+    </dgm:linClrLst>
+    <dgm:effectClrLst/>
+    <dgm:txLinClrLst/>
+    <dgm:txFillClrLst meth="repeat">
+      <a:schemeClr val="lt1"/>
+    </dgm:txFillClrLst>
+    <dgm:txEffectClrLst/>
+  </dgm:styleLbl>
+  <dgm:styleLbl name="sibTrans2D1">
+    <dgm:fillClrLst meth="repeat">
+      <a:schemeClr val="accent1">
+        <a:tint val="60000"/>
+      </a:schemeClr>
+    </dgm:fillClrLst>
+    <dgm:linClrLst meth="repeat">
+      <a:schemeClr val="accent1">
+        <a:tint val="60000"/>
+      </a:schemeClr>
+    </dgm:linClrLst>
+    <dgm:effectClrLst/>
+    <dgm:txLinClrLst/>
+    <dgm:txFillClrLst/>
+    <dgm:txEffectClrLst/>
+  </dgm:styleLbl>
+  <dgm:styleLbl name="fgSibTrans2D1">
+    <dgm:fillClrLst meth="repeat">
+      <a:schemeClr val="accent1">
+        <a:tint val="60000"/>
+      </a:schemeClr>
+    </dgm:fillClrLst>
+    <dgm:linClrLst meth="repeat">
+      <a:schemeClr val="accent1">
+        <a:tint val="60000"/>
+      </a:schemeClr>
+    </dgm:linClrLst>
+    <dgm:effectClrLst/>
+    <dgm:txLinClrLst/>
+    <dgm:txFillClrLst/>
+    <dgm:txEffectClrLst/>
+  </dgm:styleLbl>
+  <dgm:styleLbl name="bgSibTrans2D1">
+    <dgm:fillClrLst meth="repeat">
+      <a:schemeClr val="accent1">
+        <a:tint val="60000"/>
+      </a:schemeClr>
+    </dgm:fillClrLst>
+    <dgm:linClrLst meth="repeat">
+      <a:schemeClr val="accent1">
+        <a:tint val="60000"/>
+      </a:schemeClr>
+    </dgm:linClrLst>
+    <dgm:effectClrLst/>
+    <dgm:txLinClrLst/>
+    <dgm:txFillClrLst/>
+    <dgm:txEffectClrLst/>
+  </dgm:styleLbl>
+  <dgm:styleLbl name="sibTrans1D1">
+    <dgm:fillClrLst meth="repeat">
+      <a:schemeClr val="accent1"/>
+    </dgm:fillClrLst>
+    <dgm:linClrLst meth="repeat">
+      <a:schemeClr val="accent1"/>
+    </dgm:linClrLst>
+    <dgm:effectClrLst/>
+    <dgm:txLinClrLst/>
+    <dgm:txFillClrLst meth="repeat">
+      <a:schemeClr val="tx1"/>
+    </dgm:txFillClrLst>
+    <dgm:txEffectClrLst/>
+  </dgm:styleLbl>
+  <dgm:styleLbl name="callout">
+    <dgm:fillClrLst meth="repeat">
+      <a:schemeClr val="accent1"/>
+    </dgm:fillClrLst>
+    <dgm:linClrLst meth="repeat">
+      <a:schemeClr val="accent1">
+        <a:tint val="50000"/>
+      </a:schemeClr>
+    </dgm:linClrLst>
+    <dgm:effectClrLst/>
+    <dgm:txLinClrLst/>
+    <dgm:txFillClrLst meth="repeat">
+      <a:schemeClr val="tx1"/>
+    </dgm:txFillClrLst>
+    <dgm:txEffectClrLst/>
+  </dgm:styleLbl>
+  <dgm:styleLbl name="asst0">
+    <dgm:fillClrLst meth="repeat">
+      <a:schemeClr val="accent1"/>
+    </dgm:fillClrLst>
+    <dgm:linClrLst meth="repeat">
+      <a:schemeClr val="lt1"/>
+    </dgm:linClrLst>
+    <dgm:effectClrLst/>
+    <dgm:txLinClrLst/>
+    <dgm:txFillClrLst/>
+    <dgm:txEffectClrLst/>
+  </dgm:styleLbl>
+  <dgm:styleLbl name="asst1">
+    <dgm:fillClrLst meth="repeat">
+      <a:schemeClr val="accent1"/>
+    </dgm:fillClrLst>
+    <dgm:linClrLst meth="repeat">
+      <a:schemeClr val="lt1"/>
+    </dgm:linClrLst>
+    <dgm:effectClrLst/>
+    <dgm:txLinClrLst/>
+    <dgm:txFillClrLst/>
+    <dgm:txEffectClrLst/>
+  </dgm:styleLbl>
+  <dgm:styleLbl name="asst2">
+    <dgm:fillClrLst meth="repeat">
+      <a:schemeClr val="accent1"/>
+    </dgm:fillClrLst>
+    <dgm:linClrLst meth="repeat">
+      <a:schemeClr val="lt1"/>
+    </dgm:linClrLst>
+    <dgm:effectClrLst/>
+    <dgm:txLinClrLst/>
+    <dgm:txFillClrLst/>
+    <dgm:txEffectClrLst/>
+  </dgm:styleLbl>
+  <dgm:styleLbl name="asst3">
+    <dgm:fillClrLst meth="repeat">
+      <a:schemeClr val="accent1"/>
+    </dgm:fillClrLst>
+    <dgm:linClrLst meth="repeat">
+      <a:schemeClr val="lt1"/>
+    </dgm:linClrLst>
+    <dgm:effectClrLst/>
+    <dgm:txLinClrLst/>
+    <dgm:txFillClrLst/>
+    <dgm:txEffectClrLst/>
+  </dgm:styleLbl>
+  <dgm:styleLbl name="asst4">
+    <dgm:fillClrLst meth="repeat">
+      <a:schemeClr val="accent1"/>
+    </dgm:fillClrLst>
+    <dgm:linClrLst meth="repeat">
+      <a:schemeClr val="lt1"/>
+    </dgm:linClrLst>
+    <dgm:effectClrLst/>
+    <dgm:txLinClrLst/>
+    <dgm:txFillClrLst/>
+    <dgm:txEffectClrLst/>
+  </dgm:styleLbl>
+  <dgm:styleLbl name="parChTrans2D1">
+    <dgm:fillClrLst meth="repeat">
+      <a:schemeClr val="accent1">
+        <a:tint val="60000"/>
+      </a:schemeClr>
+    </dgm:fillClrLst>
+    <dgm:linClrLst meth="repeat">
+      <a:schemeClr val="accent1">
+        <a:tint val="60000"/>
+      </a:schemeClr>
+    </dgm:linClrLst>
+    <dgm:effectClrLst/>
+    <dgm:txLinClrLst/>
+    <dgm:txFillClrLst meth="repeat">
+      <a:schemeClr val="lt1"/>
+    </dgm:txFillClrLst>
+    <dgm:txEffectClrLst/>
+  </dgm:styleLbl>
+  <dgm:styleLbl name="parChTrans2D2">
+    <dgm:fillClrLst meth="repeat">
+      <a:schemeClr val="accent1"/>
+    </dgm:fillClrLst>
+    <dgm:linClrLst meth="repeat">
+      <a:schemeClr val="accent1"/>
+    </dgm:linClrLst>
+    <dgm:effectClrLst/>
+    <dgm:txLinClrLst/>
+    <dgm:txFillClrLst meth="repeat">
+      <a:schemeClr val="lt1"/>
+    </dgm:txFillClrLst>
+    <dgm:txEffectClrLst/>
+  </dgm:styleLbl>
+  <dgm:styleLbl name="parChTrans2D3">
+    <dgm:fillClrLst meth="repeat">
+      <a:schemeClr val="accent1"/>
+    </dgm:fillClrLst>
+    <dgm:linClrLst meth="repeat">
+      <a:schemeClr val="accent1"/>
+    </dgm:linClrLst>
+    <dgm:effectClrLst/>
+    <dgm:txLinClrLst/>
+    <dgm:txFillClrLst meth="repeat">
+      <a:schemeClr val="lt1"/>
+    </dgm:txFillClrLst>
+    <dgm:txEffectClrLst/>
+  </dgm:styleLbl>
+  <dgm:styleLbl name="parChTrans2D4">
+    <dgm:fillClrLst meth="repeat">
+      <a:schemeClr val="accent1"/>
+    </dgm:fillClrLst>
+    <dgm:linClrLst meth="repeat">
+      <a:schemeClr val="accent1"/>
+    </dgm:linClrLst>
+    <dgm:effectClrLst/>
+    <dgm:txLinClrLst/>
+    <dgm:txFillClrLst meth="repeat">
+      <a:schemeClr val="lt1"/>
+    </dgm:txFillClrLst>
+    <dgm:txEffectClrLst/>
+  </dgm:styleLbl>
+  <dgm:styleLbl name="parChTrans1D1">
+    <dgm:fillClrLst meth="repeat">
+      <a:schemeClr val="accent1"/>
+    </dgm:fillClrLst>
+    <dgm:linClrLst meth="repeat">
+      <a:schemeClr val="accent1">
+        <a:shade val="60000"/>
+      </a:schemeClr>
+    </dgm:linClrLst>
+    <dgm:effectClrLst/>
+    <dgm:txLinClrLst/>
+    <dgm:txFillClrLst meth="repeat">
+      <a:schemeClr val="tx1"/>
+    </dgm:txFillClrLst>
+    <dgm:txEffectClrLst/>
+  </dgm:styleLbl>
+  <dgm:styleLbl name="parChTrans1D2">
+    <dgm:fillClrLst meth="repeat">
+      <a:schemeClr val="accent1"/>
+    </dgm:fillClrLst>
+    <dgm:linClrLst meth="repeat">
+      <a:schemeClr val="accent1">
+        <a:shade val="60000"/>
+      </a:schemeClr>
+    </dgm:linClrLst>
+    <dgm:effectClrLst/>
+    <dgm:txLinClrLst/>
+    <dgm:txFillClrLst meth="repeat">
+      <a:schemeClr val="tx1"/>
+    </dgm:txFillClrLst>
+    <dgm:txEffectClrLst/>
+  </dgm:styleLbl>
+  <dgm:styleLbl name="parChTrans1D3">
+    <dgm:fillClrLst meth="repeat">
+      <a:schemeClr val="accent1"/>
+    </dgm:fillClrLst>
+    <dgm:linClrLst meth="repeat">
+      <a:schemeClr val="accent1">
+        <a:shade val="80000"/>
+      </a:schemeClr>
+    </dgm:linClrLst>
+    <dgm:effectClrLst/>
+    <dgm:txLinClrLst/>
+    <dgm:txFillClrLst meth="repeat">
+      <a:schemeClr val="tx1"/>
+    </dgm:txFillClrLst>
+    <dgm:txEffectClrLst/>
+  </dgm:styleLbl>
+  <dgm:styleLbl name="parChTrans1D4">
+    <dgm:fillClrLst meth="repeat">
+      <a:schemeClr val="accent1"/>
+    </dgm:fillClrLst>
+    <dgm:linClrLst meth="repeat">
+      <a:schemeClr val="accent1">
+        <a:shade val="80000"/>
+      </a:schemeClr>
+    </dgm:linClrLst>
+    <dgm:effectClrLst/>
+    <dgm:txLinClrLst/>
+    <dgm:txFillClrLst meth="repeat">
+      <a:schemeClr val="tx1"/>
+    </dgm:txFillClrLst>
+    <dgm:txEffectClrLst/>
+  </dgm:styleLbl>
+  <dgm:styleLbl name="fgAcc1">
+    <dgm:fillClrLst meth="repeat">
+      <a:schemeClr val="lt1">
+        <a:alpha val="90000"/>
+      </a:schemeClr>
+    </dgm:fillClrLst>
+    <dgm:linClrLst meth="repeat">
+      <a:schemeClr val="accent1"/>
+    </dgm:linClrLst>
+    <dgm:effectClrLst/>
+    <dgm:txLinClrLst/>
+    <dgm:txFillClrLst meth="repeat">
+      <a:schemeClr val="dk1"/>
+    </dgm:txFillClrLst>
+    <dgm:txEffectClrLst/>
+  </dgm:styleLbl>
+  <dgm:styleLbl name="conFgAcc1">
+    <dgm:fillClrLst meth="repeat">
+      <a:schemeClr val="lt1">
+        <a:alpha val="90000"/>
+      </a:schemeClr>
+    </dgm:fillClrLst>
+    <dgm:linClrLst meth="repeat">
+      <a:schemeClr val="accent1"/>
+    </dgm:linClrLst>
+    <dgm:effectClrLst/>
+    <dgm:txLinClrLst/>
+    <dgm:txFillClrLst meth="repeat">
+      <a:schemeClr val="dk1"/>
+    </dgm:txFillClrLst>
+    <dgm:txEffectClrLst/>
+  </dgm:styleLbl>
+  <dgm:styleLbl name="alignAcc1">
+    <dgm:fillClrLst meth="repeat">
+      <a:schemeClr val="lt1">
+        <a:alpha val="90000"/>
+      </a:schemeClr>
+    </dgm:fillClrLst>
+    <dgm:linClrLst meth="repeat">
+      <a:schemeClr val="accent1"/>
+    </dgm:linClrLst>
+    <dgm:effectClrLst/>
+    <dgm:txLinClrLst/>
+    <dgm:txFillClrLst meth="repeat">
+      <a:schemeClr val="dk1"/>
+    </dgm:txFillClrLst>
+    <dgm:txEffectClrLst/>
+  </dgm:styleLbl>
+  <dgm:styleLbl name="trAlignAcc1">
+    <dgm:fillClrLst meth="repeat">
+      <a:schemeClr val="lt1">
+        <a:alpha val="40000"/>
+      </a:schemeClr>
+    </dgm:fillClrLst>
+    <dgm:linClrLst meth="repeat">
+      <a:schemeClr val="accent1"/>
+    </dgm:linClrLst>
+    <dgm:effectClrLst/>
+    <dgm:txLinClrLst/>
+    <dgm:txFillClrLst meth="repeat">
+      <a:schemeClr val="dk1"/>
+    </dgm:txFillClrLst>
+    <dgm:txEffectClrLst/>
+  </dgm:styleLbl>
+  <dgm:styleLbl name="bgAcc1">
+    <dgm:fillClrLst meth="repeat">
+      <a:schemeClr val="lt1">
+        <a:alpha val="90000"/>
+      </a:schemeClr>
+    </dgm:fillClrLst>
+    <dgm:linClrLst meth="repeat">
+      <a:schemeClr val="accent1"/>
+    </dgm:linClrLst>
+    <dgm:effectClrLst/>
+    <dgm:txLinClrLst/>
+    <dgm:txFillClrLst meth="repeat">
+      <a:schemeClr val="dk1"/>
+    </dgm:txFillClrLst>
+    <dgm:txEffectClrLst/>
+  </dgm:styleLbl>
+  <dgm:styleLbl name="solidFgAcc1">
+    <dgm:fillClrLst meth="repeat">
+      <a:schemeClr val="lt1"/>
+    </dgm:fillClrLst>
+    <dgm:linClrLst meth="repeat">
+      <a:schemeClr val="accent1"/>
+    </dgm:linClrLst>
+    <dgm:effectClrLst/>
+    <dgm:txLinClrLst/>
+    <dgm:txFillClrLst meth="repeat">
+      <a:schemeClr val="dk1"/>
+    </dgm:txFillClrLst>
+    <dgm:txEffectClrLst/>
+  </dgm:styleLbl>
+  <dgm:styleLbl name="solidAlignAcc1">
+    <dgm:fillClrLst meth="repeat">
+      <a:schemeClr val="lt1"/>
+    </dgm:fillClrLst>
+    <dgm:linClrLst meth="repeat">
+      <a:schemeClr val="accent1"/>
+    </dgm:linClrLst>
+    <dgm:effectClrLst/>
+    <dgm:txLinClrLst/>
+    <dgm:txFillClrLst meth="repeat">
+      <a:schemeClr val="dk1"/>
+    </dgm:txFillClrLst>
+    <dgm:txEffectClrLst/>
+  </dgm:styleLbl>
+  <dgm:styleLbl name="solidBgAcc1">
+    <dgm:fillClrLst meth="repeat">
+      <a:schemeClr val="lt1"/>
+    </dgm:fillClrLst>
+    <dgm:linClrLst meth="repeat">
+      <a:schemeClr val="accent1"/>
+    </dgm:linClrLst>
+    <dgm:effectClrLst/>
+    <dgm:txLinClrLst/>
+    <dgm:txFillClrLst meth="repeat">
+      <a:schemeClr val="dk1"/>
+    </dgm:txFillClrLst>
+    <dgm:txEffectClrLst/>
+  </dgm:styleLbl>
+  <dgm:styleLbl name="fgAccFollowNode1">
+    <dgm:fillClrLst meth="repeat">
+      <a:schemeClr val="accent1">
+        <a:alpha val="90000"/>
+        <a:tint val="40000"/>
+      </a:schemeClr>
+    </dgm:fillClrLst>
+    <dgm:linClrLst meth="repeat">
+      <a:schemeClr val="accent1">
+        <a:alpha val="90000"/>
+        <a:tint val="40000"/>
+      </a:schemeClr>
+    </dgm:linClrLst>
+    <dgm:effectClrLst/>
+    <dgm:txLinClrLst/>
+    <dgm:txFillClrLst meth="repeat">
+      <a:schemeClr val="dk1"/>
+    </dgm:txFillClrLst>
+    <dgm:txEffectClrLst/>
+  </dgm:styleLbl>
+  <dgm:styleLbl name="alignAccFollowNode1">
+    <dgm:fillClrLst meth="repeat">
+      <a:schemeClr val="accent1">
+        <a:alpha val="90000"/>
+        <a:tint val="40000"/>
+      </a:schemeClr>
+    </dgm:fillClrLst>
+    <dgm:linClrLst meth="repeat">
+      <a:schemeClr val="accent1">
+        <a:alpha val="90000"/>
+        <a:tint val="40000"/>
+      </a:schemeClr>
+    </dgm:linClrLst>
+    <dgm:effectClrLst/>
+    <dgm:txLinClrLst/>
+    <dgm:txFillClrLst meth="repeat">
+      <a:schemeClr val="dk1"/>
+    </dgm:txFillClrLst>
+    <dgm:txEffectClrLst/>
+  </dgm:styleLbl>
+  <dgm:styleLbl name="bgAccFollowNode1">
+    <dgm:fillClrLst meth="repeat">
+      <a:schemeClr val="accent1">
+        <a:alpha val="90000"/>
+        <a:tint val="40000"/>
+      </a:schemeClr>
+    </dgm:fillClrLst>
+    <dgm:linClrLst meth="repeat">
+      <a:schemeClr val="accent1">
+        <a:alpha val="90000"/>
+        <a:tint val="40000"/>
+      </a:schemeClr>
+    </dgm:linClrLst>
+    <dgm:effectClrLst/>
+    <dgm:txLinClrLst/>
+    <dgm:txFillClrLst meth="repeat">
+      <a:schemeClr val="dk1"/>
+    </dgm:txFillClrLst>
+    <dgm:txEffectClrLst/>
+  </dgm:styleLbl>
+  <dgm:styleLbl name="fgAcc0">
+    <dgm:fillClrLst meth="repeat">
+      <a:schemeClr val="lt1">
+        <a:alpha val="90000"/>
+      </a:schemeClr>
+    </dgm:fillClrLst>
+    <dgm:linClrLst meth="repeat">
+      <a:schemeClr val="accent1"/>
+    </dgm:linClrLst>
+    <dgm:effectClrLst/>
+    <dgm:txLinClrLst/>
+    <dgm:txFillClrLst meth="repeat">
+      <a:schemeClr val="dk1"/>
+    </dgm:txFillClrLst>
+    <dgm:txEffectClrLst/>
+  </dgm:styleLbl>
+  <dgm:styleLbl name="fgAcc2">
+    <dgm:fillClrLst meth="repeat">
+      <a:schemeClr val="lt1">
+        <a:alpha val="90000"/>
+      </a:schemeClr>
+    </dgm:fillClrLst>
+    <dgm:linClrLst meth="repeat">
+      <a:schemeClr val="accent1"/>
+    </dgm:linClrLst>
+    <dgm:effectClrLst/>
+    <dgm:txLinClrLst/>
+    <dgm:txFillClrLst meth="repeat">
+      <a:schemeClr val="dk1"/>
+    </dgm:txFillClrLst>
+    <dgm:txEffectClrLst/>
+  </dgm:styleLbl>
+  <dgm:styleLbl name="fgAcc3">
+    <dgm:fillClrLst meth="repeat">
+      <a:schemeClr val="lt1">
+        <a:alpha val="90000"/>
+      </a:schemeClr>
+    </dgm:fillClrLst>
+    <dgm:linClrLst meth="repeat">
+      <a:schemeClr val="accent1"/>
+    </dgm:linClrLst>
+    <dgm:effectClrLst/>
+    <dgm:txLinClrLst/>
+    <dgm:txFillClrLst meth="repeat">
+      <a:schemeClr val="dk1"/>
+    </dgm:txFillClrLst>
+    <dgm:txEffectClrLst/>
+  </dgm:styleLbl>
+  <dgm:styleLbl name="fgAcc4">
+    <dgm:fillClrLst meth="repeat">
+      <a:schemeClr val="lt1">
+        <a:alpha val="90000"/>
+      </a:schemeClr>
+    </dgm:fillClrLst>
+    <dgm:linClrLst meth="repeat">
+      <a:schemeClr val="accent1"/>
+    </dgm:linClrLst>
+    <dgm:effectClrLst/>
+    <dgm:txLinClrLst/>
+    <dgm:txFillClrLst meth="repeat">
+      <a:schemeClr val="dk1"/>
+    </dgm:txFillClrLst>
+    <dgm:txEffectClrLst/>
+  </dgm:styleLbl>
+  <dgm:styleLbl name="bgShp">
+    <dgm:fillClrLst meth="repeat">
+      <a:schemeClr val="accent1">
+        <a:tint val="40000"/>
+      </a:schemeClr>
+    </dgm:fillClrLst>
+    <dgm:linClrLst meth="repeat">
+      <a:schemeClr val="accent1"/>
+    </dgm:linClrLst>
+    <dgm:effectClrLst/>
+    <dgm:txLinClrLst/>
+    <dgm:txFillClrLst meth="repeat">
+      <a:schemeClr val="dk1"/>
+    </dgm:txFillClrLst>
+    <dgm:txEffectClrLst/>
+  </dgm:styleLbl>
+  <dgm:styleLbl name="dkBgShp">
+    <dgm:fillClrLst meth="repeat">
+      <a:schemeClr val="accent1">
+        <a:shade val="80000"/>
+      </a:schemeClr>
+    </dgm:fillClrLst>
+    <dgm:linClrLst meth="repeat">
+      <a:schemeClr val="accent1"/>
+    </dgm:linClrLst>
+    <dgm:effectClrLst/>
+    <dgm:txLinClrLst/>
+    <dgm:txFillClrLst meth="repeat">
+      <a:schemeClr val="lt1"/>
+    </dgm:txFillClrLst>
+    <dgm:txEffectClrLst/>
+  </dgm:styleLbl>
+  <dgm:styleLbl name="trBgShp">
+    <dgm:fillClrLst meth="repeat">
+      <a:schemeClr val="accent1">
+        <a:tint val="50000"/>
+        <a:alpha val="40000"/>
+      </a:schemeClr>
+    </dgm:fillClrLst>
+    <dgm:linClrLst meth="repeat">
+      <a:schemeClr val="accent1"/>
+    </dgm:linClrLst>
+    <dgm:effectClrLst/>
+    <dgm:txLinClrLst/>
+    <dgm:txFillClrLst meth="repeat">
+      <a:schemeClr val="lt1"/>
+    </dgm:txFillClrLst>
+    <dgm:txEffectClrLst/>
+  </dgm:styleLbl>
+  <dgm:styleLbl name="fgShp">
+    <dgm:fillClrLst meth="repeat">
+      <a:schemeClr val="accent1">
+        <a:tint val="60000"/>
+      </a:schemeClr>
+    </dgm:fillClrLst>
+    <dgm:linClrLst meth="repeat">
+      <a:schemeClr val="lt1"/>
+    </dgm:linClrLst>
+    <dgm:effectClrLst/>
+    <dgm:txLinClrLst/>
+    <dgm:txFillClrLst meth="repeat">
+      <a:schemeClr val="dk1"/>
+    </dgm:txFillClrLst>
+    <dgm:txEffectClrLst/>
+  </dgm:styleLbl>
+  <dgm:styleLbl name="revTx">
+    <dgm:fillClrLst meth="repeat">
+      <a:schemeClr val="lt1">
+        <a:alpha val="0"/>
+      </a:schemeClr>
+    </dgm:fillClrLst>
+    <dgm:linClrLst meth="repeat">
+      <a:schemeClr val="dk1">
+        <a:alpha val="0"/>
+      </a:schemeClr>
+    </dgm:linClrLst>
+    <dgm:effectClrLst/>
+    <dgm:txLinClrLst/>
+    <dgm:txFillClrLst meth="repeat">
+      <a:schemeClr val="tx1"/>
+    </dgm:txFillClrLst>
+    <dgm:txEffectClrLst/>
+  </dgm:styleLbl>
+</dgm:colorsDef>
+</file>
+
+<file path=ppt/diagrams/data1.xml><?xml version="1.0" encoding="utf-8"?>
+<dgm:dataModel xmlns:dgm="http://schemas.openxmlformats.org/drawingml/2006/diagram" xmlns:a="http://schemas.openxmlformats.org/drawingml/2006/main">
+  <dgm:ptLst>
+    <dgm:pt modelId="{9FD8B5E4-A57F-4888-9313-3BA1D4AB4F14}" type="doc">
+      <dgm:prSet loTypeId="urn:microsoft.com/office/officeart/2005/8/layout/process2" loCatId="process" qsTypeId="urn:microsoft.com/office/officeart/2005/8/quickstyle/simple1" qsCatId="simple" csTypeId="urn:microsoft.com/office/officeart/2005/8/colors/accent1_2" csCatId="accent1" phldr="1"/>
+      <dgm:spPr/>
+    </dgm:pt>
+    <dgm:pt modelId="{D07A523C-9FC5-4652-B6FE-4A4910193F03}">
+      <dgm:prSet phldrT="[Text]"/>
+      <dgm:spPr/>
+      <dgm:t>
+        <a:bodyPr/>
+        <a:lstStyle/>
+        <a:p>
+          <a:r>
+            <a:rPr lang="en-US" dirty="0" smtClean="0"/>
+            <a:t>Reader / Receiver</a:t>
+          </a:r>
+          <a:endParaRPr lang="en-US" dirty="0"/>
+        </a:p>
+      </dgm:t>
+    </dgm:pt>
+    <dgm:pt modelId="{F699EB5B-E572-46D0-A3FE-CDD9F9710054}" type="parTrans" cxnId="{D2D8E9EF-9469-4A77-853C-C8D0C6673A61}">
+      <dgm:prSet/>
+      <dgm:spPr/>
+      <dgm:t>
+        <a:bodyPr/>
+        <a:lstStyle/>
+        <a:p>
+          <a:endParaRPr lang="en-US"/>
+        </a:p>
+      </dgm:t>
+    </dgm:pt>
+    <dgm:pt modelId="{9087FC1C-BB16-4F26-8CE5-8CA132C96235}" type="sibTrans" cxnId="{D2D8E9EF-9469-4A77-853C-C8D0C6673A61}">
+      <dgm:prSet/>
+      <dgm:spPr/>
+      <dgm:t>
+        <a:bodyPr/>
+        <a:lstStyle/>
+        <a:p>
+          <a:endParaRPr lang="en-US"/>
+        </a:p>
+      </dgm:t>
+    </dgm:pt>
+    <dgm:pt modelId="{5F3138D7-7F85-4D6A-B320-E3EBE82BFAC7}">
+      <dgm:prSet phldrT="[Text]"/>
+      <dgm:spPr/>
+      <dgm:t>
+        <a:bodyPr/>
+        <a:lstStyle/>
+        <a:p>
+          <a:r>
+            <a:rPr lang="en-US" dirty="0" smtClean="0"/>
+            <a:t>Processor</a:t>
+          </a:r>
+          <a:endParaRPr lang="en-US" dirty="0"/>
+        </a:p>
+      </dgm:t>
+    </dgm:pt>
+    <dgm:pt modelId="{2CFB9E37-9E2C-4046-8F62-CF9B31F23329}" type="parTrans" cxnId="{6C283497-2A61-48AC-A402-BB9F8EB0AFB1}">
+      <dgm:prSet/>
+      <dgm:spPr/>
+      <dgm:t>
+        <a:bodyPr/>
+        <a:lstStyle/>
+        <a:p>
+          <a:endParaRPr lang="en-US"/>
+        </a:p>
+      </dgm:t>
+    </dgm:pt>
+    <dgm:pt modelId="{9CC1FAC1-E4E3-4B56-9FA6-3E86E71E6C32}" type="sibTrans" cxnId="{6C283497-2A61-48AC-A402-BB9F8EB0AFB1}">
+      <dgm:prSet/>
+      <dgm:spPr/>
+      <dgm:t>
+        <a:bodyPr/>
+        <a:lstStyle/>
+        <a:p>
+          <a:endParaRPr lang="en-US"/>
+        </a:p>
+      </dgm:t>
+    </dgm:pt>
+    <dgm:pt modelId="{BAAA0CFD-6E35-4AA1-9193-B9FB1C3DF752}">
+      <dgm:prSet phldrT="[Text]"/>
+      <dgm:spPr/>
+      <dgm:t>
+        <a:bodyPr/>
+        <a:lstStyle/>
+        <a:p>
+          <a:r>
+            <a:rPr lang="en-US" dirty="0" smtClean="0"/>
+            <a:t>Writer / Sender</a:t>
+          </a:r>
+          <a:endParaRPr lang="en-US" dirty="0"/>
+        </a:p>
+      </dgm:t>
+    </dgm:pt>
+    <dgm:pt modelId="{CF911862-C256-4E9F-B4B7-9C4F8E418090}" type="parTrans" cxnId="{7060D245-24B3-4A89-BF6F-E178C052B0A3}">
+      <dgm:prSet/>
+      <dgm:spPr/>
+      <dgm:t>
+        <a:bodyPr/>
+        <a:lstStyle/>
+        <a:p>
+          <a:endParaRPr lang="en-US"/>
+        </a:p>
+      </dgm:t>
+    </dgm:pt>
+    <dgm:pt modelId="{2EDE932C-E7D8-40A9-9A40-4B7B39F77945}" type="sibTrans" cxnId="{7060D245-24B3-4A89-BF6F-E178C052B0A3}">
+      <dgm:prSet/>
+      <dgm:spPr/>
+      <dgm:t>
+        <a:bodyPr/>
+        <a:lstStyle/>
+        <a:p>
+          <a:endParaRPr lang="en-US"/>
+        </a:p>
+      </dgm:t>
+    </dgm:pt>
+    <dgm:pt modelId="{FE9760D9-3E3B-4E64-8490-D1C0F2ADCF82}" type="pres">
+      <dgm:prSet presAssocID="{9FD8B5E4-A57F-4888-9313-3BA1D4AB4F14}" presName="linearFlow" presStyleCnt="0">
+        <dgm:presLayoutVars>
+          <dgm:resizeHandles val="exact"/>
+        </dgm:presLayoutVars>
+      </dgm:prSet>
+      <dgm:spPr/>
+    </dgm:pt>
+    <dgm:pt modelId="{F3FA00A7-4DDE-430D-9F71-717472D18CD1}" type="pres">
+      <dgm:prSet presAssocID="{D07A523C-9FC5-4652-B6FE-4A4910193F03}" presName="node" presStyleLbl="node1" presStyleIdx="0" presStyleCnt="3" custScaleX="217000" custLinFactNeighborY="-13280">
+        <dgm:presLayoutVars>
+          <dgm:bulletEnabled val="1"/>
+        </dgm:presLayoutVars>
+      </dgm:prSet>
+      <dgm:spPr/>
+      <dgm:t>
+        <a:bodyPr/>
+        <a:lstStyle/>
+        <a:p>
+          <a:endParaRPr lang="en-US"/>
+        </a:p>
+      </dgm:t>
+    </dgm:pt>
+    <dgm:pt modelId="{DA504411-9599-474D-8F98-CB160A4B3A8E}" type="pres">
+      <dgm:prSet presAssocID="{9087FC1C-BB16-4F26-8CE5-8CA132C96235}" presName="sibTrans" presStyleLbl="sibTrans2D1" presStyleIdx="0" presStyleCnt="2"/>
+      <dgm:spPr/>
+    </dgm:pt>
+    <dgm:pt modelId="{B1FD2CC7-3CE8-44B8-BA0D-B8FE8C45F11A}" type="pres">
+      <dgm:prSet presAssocID="{9087FC1C-BB16-4F26-8CE5-8CA132C96235}" presName="connectorText" presStyleLbl="sibTrans2D1" presStyleIdx="0" presStyleCnt="2"/>
+      <dgm:spPr/>
+    </dgm:pt>
+    <dgm:pt modelId="{42C663FA-7FD7-4D4F-9E02-08EC6D155169}" type="pres">
+      <dgm:prSet presAssocID="{5F3138D7-7F85-4D6A-B320-E3EBE82BFAC7}" presName="node" presStyleLbl="node1" presStyleIdx="1" presStyleCnt="3">
+        <dgm:presLayoutVars>
+          <dgm:bulletEnabled val="1"/>
+        </dgm:presLayoutVars>
+      </dgm:prSet>
+      <dgm:spPr/>
+    </dgm:pt>
+    <dgm:pt modelId="{BBEBD797-B207-4F9D-8967-905511009618}" type="pres">
+      <dgm:prSet presAssocID="{9CC1FAC1-E4E3-4B56-9FA6-3E86E71E6C32}" presName="sibTrans" presStyleLbl="sibTrans2D1" presStyleIdx="1" presStyleCnt="2"/>
+      <dgm:spPr/>
+    </dgm:pt>
+    <dgm:pt modelId="{4F556CF0-EFC0-449D-8B0E-92DE6AE66994}" type="pres">
+      <dgm:prSet presAssocID="{9CC1FAC1-E4E3-4B56-9FA6-3E86E71E6C32}" presName="connectorText" presStyleLbl="sibTrans2D1" presStyleIdx="1" presStyleCnt="2"/>
+      <dgm:spPr/>
+    </dgm:pt>
+    <dgm:pt modelId="{B344D312-9AFE-47F6-80A6-9363426B471F}" type="pres">
+      <dgm:prSet presAssocID="{BAAA0CFD-6E35-4AA1-9193-B9FB1C3DF752}" presName="node" presStyleLbl="node1" presStyleIdx="2" presStyleCnt="3" custScaleX="217000">
+        <dgm:presLayoutVars>
+          <dgm:bulletEnabled val="1"/>
+        </dgm:presLayoutVars>
+      </dgm:prSet>
+      <dgm:spPr/>
+      <dgm:t>
+        <a:bodyPr/>
+        <a:lstStyle/>
+        <a:p>
+          <a:endParaRPr lang="en-US"/>
+        </a:p>
+      </dgm:t>
+    </dgm:pt>
+  </dgm:ptLst>
+  <dgm:cxnLst>
+    <dgm:cxn modelId="{6DCF5CB9-FCE0-4B2D-ACA7-3FE58623F94C}" type="presOf" srcId="{D07A523C-9FC5-4652-B6FE-4A4910193F03}" destId="{F3FA00A7-4DDE-430D-9F71-717472D18CD1}" srcOrd="0" destOrd="0" presId="urn:microsoft.com/office/officeart/2005/8/layout/process2"/>
+    <dgm:cxn modelId="{22DA3657-26F0-44DA-AD5E-CB5933520CFE}" type="presOf" srcId="{9CC1FAC1-E4E3-4B56-9FA6-3E86E71E6C32}" destId="{BBEBD797-B207-4F9D-8967-905511009618}" srcOrd="0" destOrd="0" presId="urn:microsoft.com/office/officeart/2005/8/layout/process2"/>
+    <dgm:cxn modelId="{E8846AEC-B3D8-4784-9B56-923356E4BA37}" type="presOf" srcId="{9087FC1C-BB16-4F26-8CE5-8CA132C96235}" destId="{B1FD2CC7-3CE8-44B8-BA0D-B8FE8C45F11A}" srcOrd="1" destOrd="0" presId="urn:microsoft.com/office/officeart/2005/8/layout/process2"/>
+    <dgm:cxn modelId="{9FB5F9A5-9BFA-4933-B201-AE44B4B22025}" type="presOf" srcId="{9CC1FAC1-E4E3-4B56-9FA6-3E86E71E6C32}" destId="{4F556CF0-EFC0-449D-8B0E-92DE6AE66994}" srcOrd="1" destOrd="0" presId="urn:microsoft.com/office/officeart/2005/8/layout/process2"/>
+    <dgm:cxn modelId="{1157C5DF-CD68-4EBF-8B33-567CF60D5541}" type="presOf" srcId="{9FD8B5E4-A57F-4888-9313-3BA1D4AB4F14}" destId="{FE9760D9-3E3B-4E64-8490-D1C0F2ADCF82}" srcOrd="0" destOrd="0" presId="urn:microsoft.com/office/officeart/2005/8/layout/process2"/>
+    <dgm:cxn modelId="{7060D245-24B3-4A89-BF6F-E178C052B0A3}" srcId="{9FD8B5E4-A57F-4888-9313-3BA1D4AB4F14}" destId="{BAAA0CFD-6E35-4AA1-9193-B9FB1C3DF752}" srcOrd="2" destOrd="0" parTransId="{CF911862-C256-4E9F-B4B7-9C4F8E418090}" sibTransId="{2EDE932C-E7D8-40A9-9A40-4B7B39F77945}"/>
+    <dgm:cxn modelId="{F60E4567-F3E0-4F1C-98EC-D7E866DFF605}" type="presOf" srcId="{BAAA0CFD-6E35-4AA1-9193-B9FB1C3DF752}" destId="{B344D312-9AFE-47F6-80A6-9363426B471F}" srcOrd="0" destOrd="0" presId="urn:microsoft.com/office/officeart/2005/8/layout/process2"/>
+    <dgm:cxn modelId="{6C283497-2A61-48AC-A402-BB9F8EB0AFB1}" srcId="{9FD8B5E4-A57F-4888-9313-3BA1D4AB4F14}" destId="{5F3138D7-7F85-4D6A-B320-E3EBE82BFAC7}" srcOrd="1" destOrd="0" parTransId="{2CFB9E37-9E2C-4046-8F62-CF9B31F23329}" sibTransId="{9CC1FAC1-E4E3-4B56-9FA6-3E86E71E6C32}"/>
+    <dgm:cxn modelId="{D2D8E9EF-9469-4A77-853C-C8D0C6673A61}" srcId="{9FD8B5E4-A57F-4888-9313-3BA1D4AB4F14}" destId="{D07A523C-9FC5-4652-B6FE-4A4910193F03}" srcOrd="0" destOrd="0" parTransId="{F699EB5B-E572-46D0-A3FE-CDD9F9710054}" sibTransId="{9087FC1C-BB16-4F26-8CE5-8CA132C96235}"/>
+    <dgm:cxn modelId="{05E94B5D-7DA5-408B-BA56-F77040B951F7}" type="presOf" srcId="{9087FC1C-BB16-4F26-8CE5-8CA132C96235}" destId="{DA504411-9599-474D-8F98-CB160A4B3A8E}" srcOrd="0" destOrd="0" presId="urn:microsoft.com/office/officeart/2005/8/layout/process2"/>
+    <dgm:cxn modelId="{AF012F89-4681-4E41-B1FF-586516DCEDD7}" type="presOf" srcId="{5F3138D7-7F85-4D6A-B320-E3EBE82BFAC7}" destId="{42C663FA-7FD7-4D4F-9E02-08EC6D155169}" srcOrd="0" destOrd="0" presId="urn:microsoft.com/office/officeart/2005/8/layout/process2"/>
+    <dgm:cxn modelId="{0B717E6D-1411-4DC2-9863-664EFCDB7349}" type="presParOf" srcId="{FE9760D9-3E3B-4E64-8490-D1C0F2ADCF82}" destId="{F3FA00A7-4DDE-430D-9F71-717472D18CD1}" srcOrd="0" destOrd="0" presId="urn:microsoft.com/office/officeart/2005/8/layout/process2"/>
+    <dgm:cxn modelId="{E9817E70-FF88-4633-82BF-E0F2983D4473}" type="presParOf" srcId="{FE9760D9-3E3B-4E64-8490-D1C0F2ADCF82}" destId="{DA504411-9599-474D-8F98-CB160A4B3A8E}" srcOrd="1" destOrd="0" presId="urn:microsoft.com/office/officeart/2005/8/layout/process2"/>
+    <dgm:cxn modelId="{90311568-1A86-4C70-8F01-90B29FBA1016}" type="presParOf" srcId="{DA504411-9599-474D-8F98-CB160A4B3A8E}" destId="{B1FD2CC7-3CE8-44B8-BA0D-B8FE8C45F11A}" srcOrd="0" destOrd="0" presId="urn:microsoft.com/office/officeart/2005/8/layout/process2"/>
+    <dgm:cxn modelId="{0CBE03CB-9DE1-40A6-9CDC-D85FB10CEB70}" type="presParOf" srcId="{FE9760D9-3E3B-4E64-8490-D1C0F2ADCF82}" destId="{42C663FA-7FD7-4D4F-9E02-08EC6D155169}" srcOrd="2" destOrd="0" presId="urn:microsoft.com/office/officeart/2005/8/layout/process2"/>
+    <dgm:cxn modelId="{FA5F43E4-86BE-4294-AA25-6F89F90D6B11}" type="presParOf" srcId="{FE9760D9-3E3B-4E64-8490-D1C0F2ADCF82}" destId="{BBEBD797-B207-4F9D-8967-905511009618}" srcOrd="3" destOrd="0" presId="urn:microsoft.com/office/officeart/2005/8/layout/process2"/>
+    <dgm:cxn modelId="{CF94C0E6-DD71-42B6-BF5D-F5637D68B916}" type="presParOf" srcId="{BBEBD797-B207-4F9D-8967-905511009618}" destId="{4F556CF0-EFC0-449D-8B0E-92DE6AE66994}" srcOrd="0" destOrd="0" presId="urn:microsoft.com/office/officeart/2005/8/layout/process2"/>
+    <dgm:cxn modelId="{99F82597-9DBC-468D-9730-D7762CE0A59C}" type="presParOf" srcId="{FE9760D9-3E3B-4E64-8490-D1C0F2ADCF82}" destId="{B344D312-9AFE-47F6-80A6-9363426B471F}" srcOrd="4" destOrd="0" presId="urn:microsoft.com/office/officeart/2005/8/layout/process2"/>
+  </dgm:cxnLst>
+  <dgm:bg/>
+  <dgm:whole/>
+  <dgm:extLst>
+    <a:ext uri="http://schemas.microsoft.com/office/drawing/2008/diagram">
+      <dsp:dataModelExt xmlns:dsp="http://schemas.microsoft.com/office/drawing/2008/diagram" xmlns="" relId="rId6" minVer="http://schemas.openxmlformats.org/drawingml/2006/diagram"/>
+    </a:ext>
+  </dgm:extLst>
+</dgm:dataModel>
+</file>
+
+<file path=ppt/diagrams/drawing1.xml><?xml version="1.0" encoding="utf-8"?>
+<dsp:drawing xmlns:dgm="http://schemas.openxmlformats.org/drawingml/2006/diagram" xmlns:a="http://schemas.openxmlformats.org/drawingml/2006/main" xmlns:dsp="http://schemas.microsoft.com/office/drawing/2008/diagram">
+  <dsp:spTree>
+    <dsp:nvGrpSpPr>
+      <dsp:cNvPr id="0" name=""/>
+      <dsp:cNvGrpSpPr/>
+    </dsp:nvGrpSpPr>
+    <dsp:grpSpPr/>
+    <dsp:sp modelId="{F3FA00A7-4DDE-430D-9F71-717472D18CD1}">
+      <dsp:nvSpPr>
+        <dsp:cNvPr id="0" name=""/>
+        <dsp:cNvSpPr/>
+      </dsp:nvSpPr>
+      <dsp:spPr>
+        <a:xfrm>
+          <a:off x="2760705" y="0"/>
+          <a:ext cx="2708188" cy="693340"/>
+        </a:xfrm>
+        <a:prstGeom prst="roundRect">
+          <a:avLst>
+            <a:gd name="adj" fmla="val 10000"/>
+          </a:avLst>
+        </a:prstGeom>
+        <a:solidFill>
+          <a:schemeClr val="accent1">
+            <a:hueOff val="0"/>
+            <a:satOff val="0"/>
+            <a:lumOff val="0"/>
+            <a:alphaOff val="0"/>
+          </a:schemeClr>
+        </a:solidFill>
+        <a:ln w="25400" cap="flat" cmpd="sng" algn="ctr">
+          <a:solidFill>
+            <a:schemeClr val="lt1">
+              <a:hueOff val="0"/>
+              <a:satOff val="0"/>
+              <a:lumOff val="0"/>
+              <a:alphaOff val="0"/>
+            </a:schemeClr>
+          </a:solidFill>
+          <a:prstDash val="solid"/>
+        </a:ln>
+        <a:effectLst/>
+      </dsp:spPr>
+      <dsp:style>
+        <a:lnRef idx="2">
+          <a:scrgbClr r="0" g="0" b="0"/>
+        </a:lnRef>
+        <a:fillRef idx="1">
+          <a:scrgbClr r="0" g="0" b="0"/>
+        </a:fillRef>
+        <a:effectRef idx="0">
+          <a:scrgbClr r="0" g="0" b="0"/>
+        </a:effectRef>
+        <a:fontRef idx="minor">
+          <a:schemeClr val="lt1"/>
+        </a:fontRef>
+      </dsp:style>
+      <dsp:txBody>
+        <a:bodyPr spcFirstLastPara="0" vert="horz" wrap="square" lIns="68580" tIns="68580" rIns="68580" bIns="68580" numCol="1" spcCol="1270" anchor="ctr" anchorCtr="0">
+          <a:noAutofit/>
+        </a:bodyPr>
+        <a:lstStyle/>
+        <a:p>
+          <a:pPr lvl="0" algn="ctr" defTabSz="800100">
+            <a:lnSpc>
+              <a:spcPct val="90000"/>
+            </a:lnSpc>
+            <a:spcBef>
+              <a:spcPct val="0"/>
+            </a:spcBef>
+            <a:spcAft>
+              <a:spcPct val="35000"/>
+            </a:spcAft>
+          </a:pPr>
+          <a:r>
+            <a:rPr lang="en-US" sz="1800" kern="1200" dirty="0" smtClean="0"/>
+            <a:t>Reader / Receiver</a:t>
+          </a:r>
+          <a:endParaRPr lang="en-US" sz="1800" kern="1200" dirty="0"/>
+        </a:p>
+      </dsp:txBody>
+      <dsp:txXfrm>
+        <a:off x="2760705" y="0"/>
+        <a:ext cx="2708188" cy="693340"/>
+      </dsp:txXfrm>
+    </dsp:sp>
+    <dsp:sp modelId="{DA504411-9599-474D-8F98-CB160A4B3A8E}">
+      <dsp:nvSpPr>
+        <dsp:cNvPr id="0" name=""/>
+        <dsp:cNvSpPr/>
+      </dsp:nvSpPr>
+      <dsp:spPr>
+        <a:xfrm rot="5400000">
+          <a:off x="3984798" y="710674"/>
+          <a:ext cx="260002" cy="312003"/>
+        </a:xfrm>
+        <a:prstGeom prst="rightArrow">
+          <a:avLst>
+            <a:gd name="adj1" fmla="val 60000"/>
+            <a:gd name="adj2" fmla="val 50000"/>
+          </a:avLst>
+        </a:prstGeom>
+        <a:solidFill>
+          <a:schemeClr val="accent1">
+            <a:tint val="60000"/>
+            <a:hueOff val="0"/>
+            <a:satOff val="0"/>
+            <a:lumOff val="0"/>
+            <a:alphaOff val="0"/>
+          </a:schemeClr>
+        </a:solidFill>
+        <a:ln>
+          <a:noFill/>
+        </a:ln>
+        <a:effectLst/>
+      </dsp:spPr>
+      <dsp:style>
+        <a:lnRef idx="0">
+          <a:scrgbClr r="0" g="0" b="0"/>
+        </a:lnRef>
+        <a:fillRef idx="1">
+          <a:scrgbClr r="0" g="0" b="0"/>
+        </a:fillRef>
+        <a:effectRef idx="0">
+          <a:scrgbClr r="0" g="0" b="0"/>
+        </a:effectRef>
+        <a:fontRef idx="minor">
+          <a:schemeClr val="lt1"/>
+        </a:fontRef>
+      </dsp:style>
+      <dsp:txBody>
+        <a:bodyPr spcFirstLastPara="0" vert="horz" wrap="square" lIns="0" tIns="0" rIns="0" bIns="0" numCol="1" spcCol="1270" anchor="ctr" anchorCtr="0">
+          <a:noAutofit/>
+        </a:bodyPr>
+        <a:lstStyle/>
+        <a:p>
+          <a:pPr lvl="0" algn="ctr" defTabSz="577850">
+            <a:lnSpc>
+              <a:spcPct val="90000"/>
+            </a:lnSpc>
+            <a:spcBef>
+              <a:spcPct val="0"/>
+            </a:spcBef>
+            <a:spcAft>
+              <a:spcPct val="35000"/>
+            </a:spcAft>
+          </a:pPr>
+          <a:endParaRPr lang="en-US" sz="1300" kern="1200"/>
+        </a:p>
+      </dsp:txBody>
+      <dsp:txXfrm rot="5400000">
+        <a:off x="3984798" y="710674"/>
+        <a:ext cx="260002" cy="312003"/>
+      </dsp:txXfrm>
+    </dsp:sp>
+    <dsp:sp modelId="{42C663FA-7FD7-4D4F-9E02-08EC6D155169}">
+      <dsp:nvSpPr>
+        <dsp:cNvPr id="0" name=""/>
+        <dsp:cNvSpPr/>
+      </dsp:nvSpPr>
+      <dsp:spPr>
+        <a:xfrm>
+          <a:off x="3490793" y="1040011"/>
+          <a:ext cx="1248013" cy="693340"/>
+        </a:xfrm>
+        <a:prstGeom prst="roundRect">
+          <a:avLst>
+            <a:gd name="adj" fmla="val 10000"/>
+          </a:avLst>
+        </a:prstGeom>
+        <a:solidFill>
+          <a:schemeClr val="accent1">
+            <a:hueOff val="0"/>
+            <a:satOff val="0"/>
+            <a:lumOff val="0"/>
+            <a:alphaOff val="0"/>
+          </a:schemeClr>
+        </a:solidFill>
+        <a:ln w="25400" cap="flat" cmpd="sng" algn="ctr">
+          <a:solidFill>
+            <a:schemeClr val="lt1">
+              <a:hueOff val="0"/>
+              <a:satOff val="0"/>
+              <a:lumOff val="0"/>
+              <a:alphaOff val="0"/>
+            </a:schemeClr>
+          </a:solidFill>
+          <a:prstDash val="solid"/>
+        </a:ln>
+        <a:effectLst/>
+      </dsp:spPr>
+      <dsp:style>
+        <a:lnRef idx="2">
+          <a:scrgbClr r="0" g="0" b="0"/>
+        </a:lnRef>
+        <a:fillRef idx="1">
+          <a:scrgbClr r="0" g="0" b="0"/>
+        </a:fillRef>
+        <a:effectRef idx="0">
+          <a:scrgbClr r="0" g="0" b="0"/>
+        </a:effectRef>
+        <a:fontRef idx="minor">
+          <a:schemeClr val="lt1"/>
+        </a:fontRef>
+      </dsp:style>
+      <dsp:txBody>
+        <a:bodyPr spcFirstLastPara="0" vert="horz" wrap="square" lIns="68580" tIns="68580" rIns="68580" bIns="68580" numCol="1" spcCol="1270" anchor="ctr" anchorCtr="0">
+          <a:noAutofit/>
+        </a:bodyPr>
+        <a:lstStyle/>
+        <a:p>
+          <a:pPr lvl="0" algn="ctr" defTabSz="800100">
+            <a:lnSpc>
+              <a:spcPct val="90000"/>
+            </a:lnSpc>
+            <a:spcBef>
+              <a:spcPct val="0"/>
+            </a:spcBef>
+            <a:spcAft>
+              <a:spcPct val="35000"/>
+            </a:spcAft>
+          </a:pPr>
+          <a:r>
+            <a:rPr lang="en-US" sz="1800" kern="1200" dirty="0" smtClean="0"/>
+            <a:t>Processor</a:t>
+          </a:r>
+          <a:endParaRPr lang="en-US" sz="1800" kern="1200" dirty="0"/>
+        </a:p>
+      </dsp:txBody>
+      <dsp:txXfrm>
+        <a:off x="3490793" y="1040011"/>
+        <a:ext cx="1248013" cy="693340"/>
+      </dsp:txXfrm>
+    </dsp:sp>
+    <dsp:sp modelId="{BBEBD797-B207-4F9D-8967-905511009618}">
+      <dsp:nvSpPr>
+        <dsp:cNvPr id="0" name=""/>
+        <dsp:cNvSpPr/>
+      </dsp:nvSpPr>
+      <dsp:spPr>
+        <a:xfrm rot="5400000">
+          <a:off x="3984798" y="1750685"/>
+          <a:ext cx="260002" cy="312003"/>
+        </a:xfrm>
+        <a:prstGeom prst="rightArrow">
+          <a:avLst>
+            <a:gd name="adj1" fmla="val 60000"/>
+            <a:gd name="adj2" fmla="val 50000"/>
+          </a:avLst>
+        </a:prstGeom>
+        <a:solidFill>
+          <a:schemeClr val="accent1">
+            <a:tint val="60000"/>
+            <a:hueOff val="0"/>
+            <a:satOff val="0"/>
+            <a:lumOff val="0"/>
+            <a:alphaOff val="0"/>
+          </a:schemeClr>
+        </a:solidFill>
+        <a:ln>
+          <a:noFill/>
+        </a:ln>
+        <a:effectLst/>
+      </dsp:spPr>
+      <dsp:style>
+        <a:lnRef idx="0">
+          <a:scrgbClr r="0" g="0" b="0"/>
+        </a:lnRef>
+        <a:fillRef idx="1">
+          <a:scrgbClr r="0" g="0" b="0"/>
+        </a:fillRef>
+        <a:effectRef idx="0">
+          <a:scrgbClr r="0" g="0" b="0"/>
+        </a:effectRef>
+        <a:fontRef idx="minor">
+          <a:schemeClr val="lt1"/>
+        </a:fontRef>
+      </dsp:style>
+      <dsp:txBody>
+        <a:bodyPr spcFirstLastPara="0" vert="horz" wrap="square" lIns="0" tIns="0" rIns="0" bIns="0" numCol="1" spcCol="1270" anchor="ctr" anchorCtr="0">
+          <a:noAutofit/>
+        </a:bodyPr>
+        <a:lstStyle/>
+        <a:p>
+          <a:pPr lvl="0" algn="ctr" defTabSz="577850">
+            <a:lnSpc>
+              <a:spcPct val="90000"/>
+            </a:lnSpc>
+            <a:spcBef>
+              <a:spcPct val="0"/>
+            </a:spcBef>
+            <a:spcAft>
+              <a:spcPct val="35000"/>
+            </a:spcAft>
+          </a:pPr>
+          <a:endParaRPr lang="en-US" sz="1300" kern="1200"/>
+        </a:p>
+      </dsp:txBody>
+      <dsp:txXfrm rot="5400000">
+        <a:off x="3984798" y="1750685"/>
+        <a:ext cx="260002" cy="312003"/>
+      </dsp:txXfrm>
+    </dsp:sp>
+    <dsp:sp modelId="{B344D312-9AFE-47F6-80A6-9363426B471F}">
+      <dsp:nvSpPr>
+        <dsp:cNvPr id="0" name=""/>
+        <dsp:cNvSpPr/>
+      </dsp:nvSpPr>
+      <dsp:spPr>
+        <a:xfrm>
+          <a:off x="2760705" y="2080022"/>
+          <a:ext cx="2708188" cy="693340"/>
+        </a:xfrm>
+        <a:prstGeom prst="roundRect">
+          <a:avLst>
+            <a:gd name="adj" fmla="val 10000"/>
+          </a:avLst>
+        </a:prstGeom>
+        <a:solidFill>
+          <a:schemeClr val="accent1">
+            <a:hueOff val="0"/>
+            <a:satOff val="0"/>
+            <a:lumOff val="0"/>
+            <a:alphaOff val="0"/>
+          </a:schemeClr>
+        </a:solidFill>
+        <a:ln w="25400" cap="flat" cmpd="sng" algn="ctr">
+          <a:solidFill>
+            <a:schemeClr val="lt1">
+              <a:hueOff val="0"/>
+              <a:satOff val="0"/>
+              <a:lumOff val="0"/>
+              <a:alphaOff val="0"/>
+            </a:schemeClr>
+          </a:solidFill>
+          <a:prstDash val="solid"/>
+        </a:ln>
+        <a:effectLst/>
+      </dsp:spPr>
+      <dsp:style>
+        <a:lnRef idx="2">
+          <a:scrgbClr r="0" g="0" b="0"/>
+        </a:lnRef>
+        <a:fillRef idx="1">
+          <a:scrgbClr r="0" g="0" b="0"/>
+        </a:fillRef>
+        <a:effectRef idx="0">
+          <a:scrgbClr r="0" g="0" b="0"/>
+        </a:effectRef>
+        <a:fontRef idx="minor">
+          <a:schemeClr val="lt1"/>
+        </a:fontRef>
+      </dsp:style>
+      <dsp:txBody>
+        <a:bodyPr spcFirstLastPara="0" vert="horz" wrap="square" lIns="68580" tIns="68580" rIns="68580" bIns="68580" numCol="1" spcCol="1270" anchor="ctr" anchorCtr="0">
+          <a:noAutofit/>
+        </a:bodyPr>
+        <a:lstStyle/>
+        <a:p>
+          <a:pPr lvl="0" algn="ctr" defTabSz="800100">
+            <a:lnSpc>
+              <a:spcPct val="90000"/>
+            </a:lnSpc>
+            <a:spcBef>
+              <a:spcPct val="0"/>
+            </a:spcBef>
+            <a:spcAft>
+              <a:spcPct val="35000"/>
+            </a:spcAft>
+          </a:pPr>
+          <a:r>
+            <a:rPr lang="en-US" sz="1800" kern="1200" dirty="0" smtClean="0"/>
+            <a:t>Writer / Sender</a:t>
+          </a:r>
+          <a:endParaRPr lang="en-US" sz="1800" kern="1200" dirty="0"/>
+        </a:p>
+      </dsp:txBody>
+      <dsp:txXfrm>
+        <a:off x="2760705" y="2080022"/>
+        <a:ext cx="2708188" cy="693340"/>
+      </dsp:txXfrm>
+    </dsp:sp>
+  </dsp:spTree>
+</dsp:drawing>
+</file>
+
+<file path=ppt/diagrams/layout1.xml><?xml version="1.0" encoding="utf-8"?>
+<dgm:layoutDef xmlns:dgm="http://schemas.openxmlformats.org/drawingml/2006/diagram" xmlns:a="http://schemas.openxmlformats.org/drawingml/2006/main" uniqueId="urn:microsoft.com/office/officeart/2005/8/layout/process2">
+  <dgm:title val=""/>
+  <dgm:desc val=""/>
+  <dgm:catLst>
+    <dgm:cat type="process" pri="13000"/>
+  </dgm:catLst>
+  <dgm:sampData useDef="1">
+    <dgm:dataModel>
+      <dgm:ptLst/>
+      <dgm:bg/>
+      <dgm:whole/>
+    </dgm:dataModel>
+  </dgm:sampData>
+  <dgm:styleData>
+    <dgm:dataModel>
+      <dgm:ptLst>
+        <dgm:pt modelId="0" type="doc"/>
+        <dgm:pt modelId="1"/>
+        <dgm:pt modelId="2"/>
+      </dgm:ptLst>
+      <dgm:cxnLst>
+        <dgm:cxn modelId="3" srcId="0" destId="1" srcOrd="0" destOrd="0"/>
+        <dgm:cxn modelId="4" srcId="0" destId="2" srcOrd="1" destOrd="0"/>
+      </dgm:cxnLst>
+      <dgm:bg/>
+      <dgm:whole/>
+    </dgm:dataModel>
+  </dgm:styleData>
+  <dgm:clrData>
+    <dgm:dataModel>
+      <dgm:ptLst>
+        <dgm:pt modelId="0" type="doc"/>
+        <dgm:pt modelId="1"/>
+        <dgm:pt modelId="2"/>
+        <dgm:pt modelId="3"/>
+        <dgm:pt modelId="4"/>
+      </dgm:ptLst>
+      <dgm:cxnLst>
+        <dgm:cxn modelId="5" srcId="0" destId="1" srcOrd="0" destOrd="0"/>
+        <dgm:cxn modelId="6" srcId="0" destId="2" srcOrd="1" destOrd="0"/>
+        <dgm:cxn modelId="7" srcId="0" destId="3" srcOrd="2" destOrd="0"/>
+        <dgm:cxn modelId="8" srcId="0" destId="4" srcOrd="3" destOrd="0"/>
+      </dgm:cxnLst>
+      <dgm:bg/>
+      <dgm:whole/>
+    </dgm:dataModel>
+  </dgm:clrData>
+  <dgm:layoutNode name="linearFlow">
+    <dgm:varLst>
+      <dgm:resizeHandles val="exact"/>
+    </dgm:varLst>
+    <dgm:alg type="lin">
+      <dgm:param type="linDir" val="fromT"/>
+    </dgm:alg>
+    <dgm:shape xmlns:r="http://schemas.openxmlformats.org/officeDocument/2006/relationships" r:blip="">
+      <dgm:adjLst/>
+    </dgm:shape>
+    <dgm:presOf/>
+    <dgm:constrLst>
+      <dgm:constr type="h" for="ch" ptType="node" refType="h"/>
+      <dgm:constr type="h" for="ch" ptType="sibTrans" refType="h" refFor="ch" refPtType="node" fact="0.5"/>
+      <dgm:constr type="w" for="ch" ptType="node" op="equ"/>
+      <dgm:constr type="primFontSz" for="ch" ptType="node" op="equ" val="65"/>
+      <dgm:constr type="primFontSz" for="des" forName="connectorText" op="equ" val="55"/>
+      <dgm:constr type="primFontSz" for="des" forName="connectorText" refType="primFontSz" refFor="ch" refPtType="node" op="lte" fact="0.8"/>
+    </dgm:constrLst>
+    <dgm:ruleLst/>
+    <dgm:forEach name="nodesForEach" axis="ch" ptType="node">
+      <dgm:layoutNode name="node">
+        <dgm:varLst>
+          <dgm:bulletEnabled val="1"/>
+        </dgm:varLst>
+        <dgm:choose name="Name0">
+          <dgm:if name="Name1" axis="root des" ptType="all node" func="maxDepth" op="gt" val="1">
+            <dgm:alg type="tx">
+              <dgm:param type="parTxLTRAlign" val="l"/>
+              <dgm:param type="parTxRTLAlign" val="r"/>
+              <dgm:param type="txAnchorVertCh" val="mid"/>
+            </dgm:alg>
+          </dgm:if>
+          <dgm:else name="Name2">
+            <dgm:alg type="tx"/>
+          </dgm:else>
+        </dgm:choose>
+        <dgm:shape xmlns:r="http://schemas.openxmlformats.org/officeDocument/2006/relationships" type="roundRect" r:blip="">
+          <dgm:adjLst>
+            <dgm:adj idx="1" val="0.1"/>
+          </dgm:adjLst>
+        </dgm:shape>
+        <dgm:presOf axis="desOrSelf" ptType="node"/>
+        <dgm:constrLst>
+          <dgm:constr type="w" refType="h" fact="1.8"/>
+          <dgm:constr type="tMarg" refType="primFontSz" fact="0.3"/>
+          <dgm:constr type="bMarg" refType="primFontSz" fact="0.3"/>
+          <dgm:constr type="lMarg" refType="primFontSz" fact="0.3"/>
+          <dgm:constr type="rMarg" refType="primFontSz" fact="0.3"/>
+        </dgm:constrLst>
+        <dgm:ruleLst>
+          <dgm:rule type="primFontSz" val="18" fact="NaN" max="NaN"/>
+          <dgm:rule type="w" val="NaN" fact="4" max="NaN"/>
+          <dgm:rule type="primFontSz" val="5" fact="NaN" max="NaN"/>
+        </dgm:ruleLst>
+      </dgm:layoutNode>
+      <dgm:forEach name="sibTransForEach" axis="followSib" ptType="sibTrans" cnt="1">
+        <dgm:layoutNode name="sibTrans">
+          <dgm:alg type="conn">
+            <dgm:param type="begPts" val="auto"/>
+            <dgm:param type="endPts" val="auto"/>
+          </dgm:alg>
+          <dgm:shape xmlns:r="http://schemas.openxmlformats.org/officeDocument/2006/relationships" type="conn" r:blip="">
+            <dgm:adjLst/>
+          </dgm:shape>
+          <dgm:presOf axis="self"/>
+          <dgm:constrLst>
+            <dgm:constr type="w" refType="h" fact="0.9"/>
+            <dgm:constr type="connDist"/>
+            <dgm:constr type="wArH" refType="w" fact="0.5"/>
+            <dgm:constr type="hArH" refType="w"/>
+            <dgm:constr type="stemThick" refType="w" fact="0.6"/>
+            <dgm:constr type="begPad" refType="connDist" fact="0.125"/>
+            <dgm:constr type="endPad" refType="connDist" fact="0.125"/>
+          </dgm:constrLst>
+          <dgm:ruleLst/>
+          <dgm:layoutNode name="connectorText">
+            <dgm:alg type="tx">
+              <dgm:param type="autoTxRot" val="upr"/>
+            </dgm:alg>
+            <dgm:shape xmlns:r="http://schemas.openxmlformats.org/officeDocument/2006/relationships" type="conn" r:blip="" hideGeom="1">
+              <dgm:adjLst/>
+            </dgm:shape>
+            <dgm:presOf axis="self"/>
+            <dgm:constrLst>
+              <dgm:constr type="lMarg"/>
+              <dgm:constr type="rMarg"/>
+              <dgm:constr type="tMarg"/>
+              <dgm:constr type="bMarg"/>
+            </dgm:constrLst>
+            <dgm:ruleLst>
+              <dgm:rule type="primFontSz" val="5" fact="NaN" max="NaN"/>
+            </dgm:ruleLst>
+          </dgm:layoutNode>
+        </dgm:layoutNode>
+      </dgm:forEach>
+    </dgm:forEach>
+  </dgm:layoutNode>
+</dgm:layoutDef>
+</file>
+
+<file path=ppt/diagrams/quickStyle1.xml><?xml version="1.0" encoding="utf-8"?>
+<dgm:styleDef xmlns:dgm="http://schemas.openxmlformats.org/drawingml/2006/diagram" xmlns:a="http://schemas.openxmlformats.org/drawingml/2006/main" uniqueId="urn:microsoft.com/office/officeart/2005/8/quickstyle/simple1">
+  <dgm:title val=""/>
+  <dgm:desc val=""/>
+  <dgm:catLst>
+    <dgm:cat type="simple" pri="10100"/>
+  </dgm:catLst>
+  <dgm:scene3d>
+    <a:camera prst="orthographicFront"/>
+    <a:lightRig rig="threePt" dir="t"/>
+  </dgm:scene3d>
+  <dgm:styleLbl name="node0">
+    <dgm:scene3d>
+      <a:camera prst="orthographicFront"/>
+      <a:lightRig rig="threePt" dir="t"/>
+    </dgm:scene3d>
+    <dgm:sp3d/>
+    <dgm:txPr/>
+    <dgm:style>
+      <a:lnRef idx="2">
+        <a:scrgbClr r="0" g="0" b="0"/>
+      </a:lnRef>
+      <a:fillRef idx="1">
+        <a:scrgbClr r="0" g="0" b="0"/>
+      </a:fillRef>
+      <a:effectRef idx="0">
+        <a:scrgbClr r="0" g="0" b="0"/>
+      </a:effectRef>
+      <a:fontRef idx="minor">
+        <a:schemeClr val="lt1"/>
+      </a:fontRef>
+    </dgm:style>
+  </dgm:styleLbl>
+  <dgm:styleLbl name="lnNode1">
+    <dgm:scene3d>
+      <a:camera prst="orthographicFront"/>
+      <a:lightRig rig="threePt" dir="t"/>
+    </dgm:scene3d>
+    <dgm:sp3d/>
+    <dgm:txPr/>
+    <dgm:style>
+      <a:lnRef idx="2">
+        <a:scrgbClr r="0" g="0" b="0"/>
+      </a:lnRef>
+      <a:fillRef idx="1">
+        <a:scrgbClr r="0" g="0" b="0"/>
+      </a:fillRef>
+      <a:effectRef idx="0">
+        <a:scrgbClr r="0" g="0" b="0"/>
+      </a:effectRef>
+      <a:fontRef idx="minor">
+        <a:schemeClr val="lt1"/>
+      </a:fontRef>
+    </dgm:style>
+  </dgm:styleLbl>
+  <dgm:styleLbl name="vennNode1">
+    <dgm:scene3d>
+      <a:camera prst="orthographicFront"/>
+      <a:lightRig rig="threePt" dir="t"/>
+    </dgm:scene3d>
+    <dgm:sp3d/>
+    <dgm:txPr/>
+    <dgm:style>
+      <a:lnRef idx="2">
+        <a:scrgbClr r="0" g="0" b="0"/>
+      </a:lnRef>
+      <a:fillRef idx="1">
+        <a:scrgbClr r="0" g="0" b="0"/>
+      </a:fillRef>
+      <a:effectRef idx="0">
+        <a:scrgbClr r="0" g="0" b="0"/>
+      </a:effectRef>
+      <a:fontRef idx="minor">
+        <a:schemeClr val="tx1"/>
+      </a:fontRef>
+    </dgm:style>
+  </dgm:styleLbl>
+  <dgm:styleLbl name="alignNode1">
+    <dgm:scene3d>
+      <a:camera prst="orthographicFront"/>
+      <a:lightRig rig="threePt" dir="t"/>
+    </dgm:scene3d>
+    <dgm:sp3d/>
+    <dgm:txPr/>
+    <dgm:style>
+      <a:lnRef idx="2">
+        <a:scrgbClr r="0" g="0" b="0"/>
+      </a:lnRef>
+      <a:fillRef idx="1">
+        <a:scrgbClr r="0" g="0" b="0"/>
+      </a:fillRef>
+      <a:effectRef idx="0">
+        <a:scrgbClr r="0" g="0" b="0"/>
+      </a:effectRef>
+      <a:fontRef idx="minor">
+        <a:schemeClr val="lt1"/>
+      </a:fontRef>
+    </dgm:style>
+  </dgm:styleLbl>
+  <dgm:styleLbl name="node1">
+    <dgm:scene3d>
+      <a:camera prst="orthographicFront"/>
+      <a:lightRig rig="threePt" dir="t"/>
+    </dgm:scene3d>
+    <dgm:sp3d/>
+    <dgm:txPr/>
+    <dgm:style>
+      <a:lnRef idx="2">
+        <a:scrgbClr r="0" g="0" b="0"/>
+      </a:lnRef>
+      <a:fillRef idx="1">
+        <a:scrgbClr r="0" g="0" b="0"/>
+      </a:fillRef>
+      <a:effectRef idx="0">
+        <a:scrgbClr r="0" g="0" b="0"/>
+      </a:effectRef>
+      <a:fontRef idx="minor">
+        <a:schemeClr val="lt1"/>
+      </a:fontRef>
+    </dgm:style>
+  </dgm:styleLbl>
+  <dgm:styleLbl name="node2">
+    <dgm:scene3d>
+      <a:camera prst="orthographicFront"/>
+      <a:lightRig rig="threePt" dir="t"/>
+    </dgm:scene3d>
+    <dgm:sp3d/>
+    <dgm:txPr/>
+    <dgm:style>
+      <a:lnRef idx="2">
+        <a:scrgbClr r="0" g="0" b="0"/>
+      </a:lnRef>
+      <a:fillRef idx="1">
+        <a:scrgbClr r="0" g="0" b="0"/>
+      </a:fillRef>
+      <a:effectRef idx="0">
+        <a:scrgbClr r="0" g="0" b="0"/>
+      </a:effectRef>
+      <a:fontRef idx="minor">
+        <a:schemeClr val="lt1"/>
+      </a:fontRef>
+    </dgm:style>
+  </dgm:styleLbl>
+  <dgm:styleLbl name="node3">
+    <dgm:scene3d>
+      <a:camera prst="orthographicFront"/>
+      <a:lightRig rig="threePt" dir="t"/>
+    </dgm:scene3d>
+    <dgm:sp3d/>
+    <dgm:txPr/>
+    <dgm:style>
+      <a:lnRef idx="2">
+        <a:scrgbClr r="0" g="0" b="0"/>
+      </a:lnRef>
+      <a:fillRef idx="1">
+        <a:scrgbClr r="0" g="0" b="0"/>
+      </a:fillRef>
+      <a:effectRef idx="0">
+        <a:scrgbClr r="0" g="0" b="0"/>
+      </a:effectRef>
+      <a:fontRef idx="minor">
+        <a:schemeClr val="lt1"/>
+      </a:fontRef>
+    </dgm:style>
+  </dgm:styleLbl>
+  <dgm:styleLbl name="node4">
+    <dgm:scene3d>
+      <a:camera prst="orthographicFront"/>
+      <a:lightRig rig="threePt" dir="t"/>
+    </dgm:scene3d>
+    <dgm:sp3d/>
+    <dgm:txPr/>
+    <dgm:style>
+      <a:lnRef idx="2">
+        <a:scrgbClr r="0" g="0" b="0"/>
+      </a:lnRef>
+      <a:fillRef idx="1">
+        <a:scrgbClr r="0" g="0" b="0"/>
+      </a:fillRef>
+      <a:effectRef idx="0">
+        <a:scrgbClr r="0" g="0" b="0"/>
+      </a:effectRef>
+      <a:fontRef idx="minor">
+        <a:schemeClr val="lt1"/>
+      </a:fontRef>
+    </dgm:style>
+  </dgm:styleLbl>
+  <dgm:styleLbl name="fgImgPlace1">
+    <dgm:scene3d>
+      <a:camera prst="orthographicFront"/>
+      <a:lightRig rig="threePt" dir="t"/>
+    </dgm:scene3d>
+    <dgm:sp3d/>
+    <dgm:txPr/>
+    <dgm:style>
+      <a:lnRef idx="2">
+        <a:scrgbClr r="0" g="0" b="0"/>
+      </a:lnRef>
+      <a:fillRef idx="1">
+        <a:scrgbClr r="0" g="0" b="0"/>
+      </a:fillRef>
+      <a:effectRef idx="0">
+        <a:scrgbClr r="0" g="0" b="0"/>
+      </a:effectRef>
+      <a:fontRef idx="minor"/>
+    </dgm:style>
+  </dgm:styleLbl>
+  <dgm:styleLbl name="alignImgPlace1">
+    <dgm:scene3d>
+      <a:camera prst="orthographicFront"/>
+      <a:lightRig rig="threePt" dir="t"/>
+    </dgm:scene3d>
+    <dgm:sp3d/>
+    <dgm:txPr/>
+    <dgm:style>
+      <a:lnRef idx="2">
+        <a:scrgbClr r="0" g="0" b="0"/>
+      </a:lnRef>
+      <a:fillRef idx="1">
+        <a:scrgbClr r="0" g="0" b="0"/>
+      </a:fillRef>
+      <a:effectRef idx="0">
+        <a:scrgbClr r="0" g="0" b="0"/>
+      </a:effectRef>
+      <a:fontRef idx="minor"/>
+    </dgm:style>
+  </dgm:styleLbl>
+  <dgm:styleLbl name="bgImgPlace1">
+    <dgm:scene3d>
+      <a:camera prst="orthographicFront"/>
+      <a:lightRig rig="threePt" dir="t"/>
+    </dgm:scene3d>
+    <dgm:sp3d/>
+    <dgm:txPr/>
+    <dgm:style>
+      <a:lnRef idx="2">
+        <a:scrgbClr r="0" g="0" b="0"/>
+      </a:lnRef>
+      <a:fillRef idx="1">
+        <a:scrgbClr r="0" g="0" b="0"/>
+      </a:fillRef>
+      <a:effectRef idx="0">
+        <a:scrgbClr r="0" g="0" b="0"/>
+      </a:effectRef>
+      <a:fontRef idx="minor"/>
+    </dgm:style>
+  </dgm:styleLbl>
+  <dgm:styleLbl name="sibTrans2D1">
+    <dgm:scene3d>
+      <a:camera prst="orthographicFront"/>
+      <a:lightRig rig="threePt" dir="t"/>
+    </dgm:scene3d>
+    <dgm:sp3d/>
+    <dgm:txPr/>
+    <dgm:style>
+      <a:lnRef idx="0">
+        <a:scrgbClr r="0" g="0" b="0"/>
+      </a:lnRef>
+      <a:fillRef idx="1">
+        <a:scrgbClr r="0" g="0" b="0"/>
+      </a:fillRef>
+      <a:effectRef idx="0">
+        <a:scrgbClr r="0" g="0" b="0"/>
+      </a:effectRef>
+      <a:fontRef idx="minor">
+        <a:schemeClr val="lt1"/>
+      </a:fontRef>
+    </dgm:style>
+  </dgm:styleLbl>
+  <dgm:styleLbl name="fgSibTrans2D1">
+    <dgm:scene3d>
+      <a:camera prst="orthographicFront"/>
+      <a:lightRig rig="threePt" dir="t"/>
+    </dgm:scene3d>
+    <dgm:sp3d/>
+    <dgm:txPr/>
+    <dgm:style>
+      <a:lnRef idx="0">
+        <a:scrgbClr r="0" g="0" b="0"/>
+      </a:lnRef>
+      <a:fillRef idx="1">
+        <a:scrgbClr r="0" g="0" b="0"/>
+      </a:fillRef>
+      <a:effectRef idx="0">
+        <a:scrgbClr r="0" g="0" b="0"/>
+      </a:effectRef>
+      <a:fontRef idx="minor">
+        <a:schemeClr val="lt1"/>
+      </a:fontRef>
+    </dgm:style>
+  </dgm:styleLbl>
+  <dgm:styleLbl name="bgSibTrans2D1">
+    <dgm:scene3d>
+      <a:camera prst="orthographicFront"/>
+      <a:lightRig rig="threePt" dir="t"/>
+    </dgm:scene3d>
+    <dgm:sp3d/>
+    <dgm:txPr/>
+    <dgm:style>
+      <a:lnRef idx="0">
+        <a:scrgbClr r="0" g="0" b="0"/>
+      </a:lnRef>
+      <a:fillRef idx="1">
+        <a:scrgbClr r="0" g="0" b="0"/>
+      </a:fillRef>
+      <a:effectRef idx="0">
+        <a:scrgbClr r="0" g="0" b="0"/>
+      </a:effectRef>
+      <a:fontRef idx="minor">
+        <a:schemeClr val="lt1"/>
+      </a:fontRef>
+    </dgm:style>
+  </dgm:styleLbl>
+  <dgm:styleLbl name="sibTrans1D1">
+    <dgm:scene3d>
+      <a:camera prst="orthographicFront"/>
+      <a:lightRig rig="threePt" dir="t"/>
+    </dgm:scene3d>
+    <dgm:sp3d/>
+    <dgm:txPr/>
+    <dgm:style>
+      <a:lnRef idx="1">
+        <a:scrgbClr r="0" g="0" b="0"/>
+      </a:lnRef>
+      <a:fillRef idx="0">
+        <a:scrgbClr r="0" g="0" b="0"/>
+      </a:fillRef>
+      <a:effectRef idx="0">
+        <a:scrgbClr r="0" g="0" b="0"/>
+      </a:effectRef>
+      <a:fontRef idx="minor"/>
+    </dgm:style>
+  </dgm:styleLbl>
+  <dgm:styleLbl name="callout">
+    <dgm:scene3d>
+      <a:camera prst="orthographicFront"/>
+      <a:lightRig rig="threePt" dir="t"/>
+    </dgm:scene3d>
+    <dgm:sp3d/>
+    <dgm:txPr/>
+    <dgm:style>
+      <a:lnRef idx="2">
+        <a:scrgbClr r="0" g="0" b="0"/>
+      </a:lnRef>
+      <a:fillRef idx="1">
+        <a:scrgbClr r="0" g="0" b="0"/>
+      </a:fillRef>
+      <a:effectRef idx="0">
+        <a:scrgbClr r="0" g="0" b="0"/>
+      </a:effectRef>
+      <a:fontRef idx="minor"/>
+    </dgm:style>
+  </dgm:styleLbl>
+  <dgm:styleLbl name="asst0">
+    <dgm:scene3d>
+      <a:camera prst="orthographicFront"/>
+      <a:lightRig rig="threePt" dir="t"/>
+    </dgm:scene3d>
+    <dgm:sp3d/>
+    <dgm:txPr/>
+    <dgm:style>
+      <a:lnRef idx="2">
+        <a:scrgbClr r="0" g="0" b="0"/>
+      </a:lnRef>
+      <a:fillRef idx="1">
+        <a:scrgbClr r="0" g="0" b="0"/>
+      </a:fillRef>
+      <a:effectRef idx="0">
+        <a:scrgbClr r="0" g="0" b="0"/>
+      </a:effectRef>
+      <a:fontRef idx="minor">
+        <a:schemeClr val="lt1"/>
+      </a:fontRef>
+    </dgm:style>
+  </dgm:styleLbl>
+  <dgm:styleLbl name="asst1">
+    <dgm:scene3d>
+      <a:camera prst="orthographicFront"/>
+      <a:lightRig rig="threePt" dir="t"/>
+    </dgm:scene3d>
+    <dgm:sp3d/>
+    <dgm:txPr/>
+    <dgm:style>
+      <a:lnRef idx="2">
+        <a:scrgbClr r="0" g="0" b="0"/>
+      </a:lnRef>
+      <a:fillRef idx="1">
+        <a:scrgbClr r="0" g="0" b="0"/>
+      </a:fillRef>
+      <a:effectRef idx="0">
+        <a:scrgbClr r="0" g="0" b="0"/>
+      </a:effectRef>
+      <a:fontRef idx="minor">
+        <a:schemeClr val="lt1"/>
+      </a:fontRef>
+    </dgm:style>
+  </dgm:styleLbl>
+  <dgm:styleLbl name="asst2">
+    <dgm:scene3d>
+      <a:camera prst="orthographicFront"/>
+      <a:lightRig rig="threePt" dir="t"/>
+    </dgm:scene3d>
+    <dgm:sp3d/>
+    <dgm:txPr/>
+    <dgm:style>
+      <a:lnRef idx="2">
+        <a:scrgbClr r="0" g="0" b="0"/>
+      </a:lnRef>
+      <a:fillRef idx="1">
+        <a:scrgbClr r="0" g="0" b="0"/>
+      </a:fillRef>
+      <a:effectRef idx="0">
+        <a:scrgbClr r="0" g="0" b="0"/>
+      </a:effectRef>
+      <a:fontRef idx="minor">
+        <a:schemeClr val="lt1"/>
+      </a:fontRef>
+    </dgm:style>
+  </dgm:styleLbl>
+  <dgm:styleLbl name="asst3">
+    <dgm:scene3d>
+      <a:camera prst="orthographicFront"/>
+      <a:lightRig rig="threePt" dir="t"/>
+    </dgm:scene3d>
+    <dgm:sp3d/>
+    <dgm:txPr/>
+    <dgm:style>
+      <a:lnRef idx="2">
+        <a:scrgbClr r="0" g="0" b="0"/>
+      </a:lnRef>
+      <a:fillRef idx="1">
+        <a:scrgbClr r="0" g="0" b="0"/>
+      </a:fillRef>
+      <a:effectRef idx="0">
+        <a:scrgbClr r="0" g="0" b="0"/>
+      </a:effectRef>
+      <a:fontRef idx="minor">
+        <a:schemeClr val="lt1"/>
+      </a:fontRef>
+    </dgm:style>
+  </dgm:styleLbl>
+  <dgm:styleLbl name="asst4">
+    <dgm:scene3d>
+      <a:camera prst="orthographicFront"/>
+      <a:lightRig rig="threePt" dir="t"/>
+    </dgm:scene3d>
+    <dgm:sp3d/>
+    <dgm:txPr/>
+    <dgm:style>
+      <a:lnRef idx="2">
+        <a:scrgbClr r="0" g="0" b="0"/>
+      </a:lnRef>
+      <a:fillRef idx="1">
+        <a:scrgbClr r="0" g="0" b="0"/>
+      </a:fillRef>
+      <a:effectRef idx="0">
+        <a:scrgbClr r="0" g="0" b="0"/>
+      </a:effectRef>
+      <a:fontRef idx="minor">
+        <a:schemeClr val="lt1"/>
+      </a:fontRef>
+    </dgm:style>
+  </dgm:styleLbl>
+  <dgm:styleLbl name="parChTrans2D1">
+    <dgm:scene3d>
+      <a:camera prst="orthographicFront"/>
+      <a:lightRig rig="threePt" dir="t"/>
+    </dgm:scene3d>
+    <dgm:sp3d/>
+    <dgm:txPr/>
+    <dgm:style>
+      <a:lnRef idx="2">
+        <a:scrgbClr r="0" g="0" b="0"/>
+      </a:lnRef>
+      <a:fillRef idx="1">
+        <a:scrgbClr r="0" g="0" b="0"/>
+      </a:fillRef>
+      <a:effectRef idx="0">
+        <a:scrgbClr r="0" g="0" b="0"/>
+      </a:effectRef>
+      <a:fontRef idx="minor">
+        <a:schemeClr val="lt1"/>
+      </a:fontRef>
+    </dgm:style>
+  </dgm:styleLbl>
+  <dgm:styleLbl name="parChTrans2D2">
+    <dgm:scene3d>
+      <a:camera prst="orthographicFront"/>
+      <a:lightRig rig="threePt" dir="t"/>
+    </dgm:scene3d>
+    <dgm:sp3d/>
+    <dgm:txPr/>
+    <dgm:style>
+      <a:lnRef idx="2">
+        <a:scrgbClr r="0" g="0" b="0"/>
+      </a:lnRef>
+      <a:fillRef idx="1">
+        <a:scrgbClr r="0" g="0" b="0"/>
+      </a:fillRef>
+      <a:effectRef idx="0">
+        <a:scrgbClr r="0" g="0" b="0"/>
+      </a:effectRef>
+      <a:fontRef idx="minor">
+        <a:schemeClr val="lt1"/>
+      </a:fontRef>
+    </dgm:style>
+  </dgm:styleLbl>
+  <dgm:styleLbl name="parChTrans2D3">
+    <dgm:scene3d>
+      <a:camera prst="orthographicFront"/>
+      <a:lightRig rig="threePt" dir="t"/>
+    </dgm:scene3d>
+    <dgm:sp3d/>
+    <dgm:txPr/>
+    <dgm:style>
+      <a:lnRef idx="2">
+        <a:scrgbClr r="0" g="0" b="0"/>
+      </a:lnRef>
+      <a:fillRef idx="1">
+        <a:scrgbClr r="0" g="0" b="0"/>
+      </a:fillRef>
+      <a:effectRef idx="0">
+        <a:scrgbClr r="0" g="0" b="0"/>
+      </a:effectRef>
+      <a:fontRef idx="minor">
+        <a:schemeClr val="lt1"/>
+      </a:fontRef>
+    </dgm:style>
+  </dgm:styleLbl>
+  <dgm:styleLbl name="parChTrans2D4">
+    <dgm:scene3d>
+      <a:camera prst="orthographicFront"/>
+      <a:lightRig rig="threePt" dir="t"/>
+    </dgm:scene3d>
+    <dgm:sp3d/>
+    <dgm:txPr/>
+    <dgm:style>
+      <a:lnRef idx="2">
+        <a:scrgbClr r="0" g="0" b="0"/>
+      </a:lnRef>
+      <a:fillRef idx="1">
+        <a:scrgbClr r="0" g="0" b="0"/>
+      </a:fillRef>
+      <a:effectRef idx="0">
+        <a:scrgbClr r="0" g="0" b="0"/>
+      </a:effectRef>
+      <a:fontRef idx="minor">
+        <a:schemeClr val="lt1"/>
+      </a:fontRef>
+    </dgm:style>
+  </dgm:styleLbl>
+  <dgm:styleLbl name="parChTrans1D1">
+    <dgm:scene3d>
+      <a:camera prst="orthographicFront"/>
+      <a:lightRig rig="threePt" dir="t"/>
+    </dgm:scene3d>
+    <dgm:sp3d/>
+    <dgm:txPr/>
+    <dgm:style>
+      <a:lnRef idx="2">
+        <a:scrgbClr r="0" g="0" b="0"/>
+      </a:lnRef>
+      <a:fillRef idx="0">
+        <a:scrgbClr r="0" g="0" b="0"/>
+      </a:fillRef>
+      <a:effectRef idx="0">
+        <a:scrgbClr r="0" g="0" b="0"/>
+      </a:effectRef>
+      <a:fontRef idx="minor"/>
+    </dgm:style>
+  </dgm:styleLbl>
+  <dgm:styleLbl name="parChTrans1D2">
+    <dgm:scene3d>
+      <a:camera prst="orthographicFront"/>
+      <a:lightRig rig="threePt" dir="t"/>
+    </dgm:scene3d>
+    <dgm:sp3d/>
+    <dgm:txPr/>
+    <dgm:style>
+      <a:lnRef idx="2">
+        <a:scrgbClr r="0" g="0" b="0"/>
+      </a:lnRef>
+      <a:fillRef idx="0">
+        <a:scrgbClr r="0" g="0" b="0"/>
+      </a:fillRef>
+      <a:effectRef idx="0">
+        <a:scrgbClr r="0" g="0" b="0"/>
+      </a:effectRef>
+      <a:fontRef idx="minor"/>
+    </dgm:style>
+  </dgm:styleLbl>
+  <dgm:styleLbl name="parChTrans1D3">
+    <dgm:scene3d>
+      <a:camera prst="orthographicFront"/>
+      <a:lightRig rig="threePt" dir="t"/>
+    </dgm:scene3d>
+    <dgm:sp3d/>
+    <dgm:txPr/>
+    <dgm:style>
+      <a:lnRef idx="2">
+        <a:scrgbClr r="0" g="0" b="0"/>
+      </a:lnRef>
+      <a:fillRef idx="0">
+        <a:scrgbClr r="0" g="0" b="0"/>
+      </a:fillRef>
+      <a:effectRef idx="0">
+        <a:scrgbClr r="0" g="0" b="0"/>
+      </a:effectRef>
+      <a:fontRef idx="minor"/>
+    </dgm:style>
+  </dgm:styleLbl>
+  <dgm:styleLbl name="parChTrans1D4">
+    <dgm:scene3d>
+      <a:camera prst="orthographicFront"/>
+      <a:lightRig rig="threePt" dir="t"/>
+    </dgm:scene3d>
+    <dgm:sp3d/>
+    <dgm:txPr/>
+    <dgm:style>
+      <a:lnRef idx="2">
+        <a:scrgbClr r="0" g="0" b="0"/>
+      </a:lnRef>
+      <a:fillRef idx="0">
+        <a:scrgbClr r="0" g="0" b="0"/>
+      </a:fillRef>
+      <a:effectRef idx="0">
+        <a:scrgbClr r="0" g="0" b="0"/>
+      </a:effectRef>
+      <a:fontRef idx="minor"/>
+    </dgm:style>
+  </dgm:styleLbl>
+  <dgm:styleLbl name="fgAcc1">
+    <dgm:scene3d>
+      <a:camera prst="orthographicFront"/>
+      <a:lightRig rig="threePt" dir="t"/>
+    </dgm:scene3d>
+    <dgm:sp3d/>
+    <dgm:txPr/>
+    <dgm:style>
+      <a:lnRef idx="2">
+        <a:scrgbClr r="0" g="0" b="0"/>
+      </a:lnRef>
+      <a:fillRef idx="1">
+        <a:scrgbClr r="0" g="0" b="0"/>
+      </a:fillRef>
+      <a:effectRef idx="0">
+        <a:scrgbClr r="0" g="0" b="0"/>
+      </a:effectRef>
+      <a:fontRef idx="minor"/>
+    </dgm:style>
+  </dgm:styleLbl>
+  <dgm:styleLbl name="conFgAcc1">
+    <dgm:scene3d>
+      <a:camera prst="orthographicFront"/>
+      <a:lightRig rig="threePt" dir="t"/>
+    </dgm:scene3d>
+    <dgm:sp3d/>
+    <dgm:txPr/>
+    <dgm:style>
+      <a:lnRef idx="2">
+        <a:scrgbClr r="0" g="0" b="0"/>
+      </a:lnRef>
+      <a:fillRef idx="1">
+        <a:scrgbClr r="0" g="0" b="0"/>
+      </a:fillRef>
+      <a:effectRef idx="0">
+        <a:scrgbClr r="0" g="0" b="0"/>
+      </a:effectRef>
+      <a:fontRef idx="minor"/>
+    </dgm:style>
+  </dgm:styleLbl>
+  <dgm:styleLbl name="alignAcc1">
+    <dgm:scene3d>
+      <a:camera prst="orthographicFront"/>
+      <a:lightRig rig="threePt" dir="t"/>
+    </dgm:scene3d>
+    <dgm:sp3d/>
+    <dgm:txPr/>
+    <dgm:style>
+      <a:lnRef idx="2">
+        <a:scrgbClr r="0" g="0" b="0"/>
+      </a:lnRef>
+      <a:fillRef idx="1">
+        <a:scrgbClr r="0" g="0" b="0"/>
+      </a:fillRef>
+      <a:effectRef idx="0">
+        <a:scrgbClr r="0" g="0" b="0"/>
+      </a:effectRef>
+      <a:fontRef idx="minor"/>
+    </dgm:style>
+  </dgm:styleLbl>
+  <dgm:styleLbl name="trAlignAcc1">
+    <dgm:scene3d>
+      <a:camera prst="orthographicFront"/>
+      <a:lightRig rig="threePt" dir="t"/>
+    </dgm:scene3d>
+    <dgm:sp3d/>
+    <dgm:txPr/>
+    <dgm:style>
+      <a:lnRef idx="1">
+        <a:scrgbClr r="0" g="0" b="0"/>
+      </a:lnRef>
+      <a:fillRef idx="1">
+        <a:scrgbClr r="0" g="0" b="0"/>
+      </a:fillRef>
+      <a:effectRef idx="0">
+        <a:scrgbClr r="0" g="0" b="0"/>
+      </a:effectRef>
+      <a:fontRef idx="minor"/>
+    </dgm:style>
+  </dgm:styleLbl>
+  <dgm:styleLbl name="bgAcc1">
+    <dgm:scene3d>
+      <a:camera prst="orthographicFront"/>
+      <a:lightRig rig="threePt" dir="t"/>
+    </dgm:scene3d>
+    <dgm:sp3d/>
+    <dgm:txPr/>
+    <dgm:style>
+      <a:lnRef idx="2">
+        <a:scrgbClr r="0" g="0" b="0"/>
+      </a:lnRef>
+      <a:fillRef idx="1">
+        <a:scrgbClr r="0" g="0" b="0"/>
+      </a:fillRef>
+      <a:effectRef idx="0">
+        <a:scrgbClr r="0" g="0" b="0"/>
+      </a:effectRef>
+      <a:fontRef idx="minor"/>
+    </dgm:style>
+  </dgm:styleLbl>
+  <dgm:styleLbl name="solidFgAcc1">
+    <dgm:scene3d>
+      <a:camera prst="orthographicFront"/>
+      <a:lightRig rig="threePt" dir="t"/>
+    </dgm:scene3d>
+    <dgm:sp3d/>
+    <dgm:txPr/>
+    <dgm:style>
+      <a:lnRef idx="2">
+        <a:scrgbClr r="0" g="0" b="0"/>
+      </a:lnRef>
+      <a:fillRef idx="1">
+        <a:scrgbClr r="0" g="0" b="0"/>
+      </a:fillRef>
+      <a:effectRef idx="0">
+        <a:scrgbClr r="0" g="0" b="0"/>
+      </a:effectRef>
+      <a:fontRef idx="minor"/>
+    </dgm:style>
+  </dgm:styleLbl>
+  <dgm:styleLbl name="solidAlignAcc1">
+    <dgm:scene3d>
+      <a:camera prst="orthographicFront"/>
+      <a:lightRig rig="threePt" dir="t"/>
+    </dgm:scene3d>
+    <dgm:sp3d/>
+    <dgm:txPr/>
+    <dgm:style>
+      <a:lnRef idx="2">
+        <a:scrgbClr r="0" g="0" b="0"/>
+      </a:lnRef>
+      <a:fillRef idx="1">
+        <a:scrgbClr r="0" g="0" b="0"/>
+      </a:fillRef>
+      <a:effectRef idx="0">
+        <a:scrgbClr r="0" g="0" b="0"/>
+      </a:effectRef>
+      <a:fontRef idx="minor"/>
+    </dgm:style>
+  </dgm:styleLbl>
+  <dgm:styleLbl name="solidBgAcc1">
+    <dgm:scene3d>
+      <a:camera prst="orthographicFront"/>
+      <a:lightRig rig="threePt" dir="t"/>
+    </dgm:scene3d>
+    <dgm:sp3d/>
+    <dgm:txPr/>
+    <dgm:style>
+      <a:lnRef idx="2">
+        <a:scrgbClr r="0" g="0" b="0"/>
+      </a:lnRef>
+      <a:fillRef idx="1">
+        <a:scrgbClr r="0" g="0" b="0"/>
+      </a:fillRef>
+      <a:effectRef idx="0">
+        <a:scrgbClr r="0" g="0" b="0"/>
+      </a:effectRef>
+      <a:fontRef idx="minor"/>
+    </dgm:style>
+  </dgm:styleLbl>
+  <dgm:styleLbl name="fgAccFollowNode1">
+    <dgm:scene3d>
+      <a:camera prst="orthographicFront"/>
+      <a:lightRig rig="threePt" dir="t"/>
+    </dgm:scene3d>
+    <dgm:sp3d/>
+    <dgm:txPr/>
+    <dgm:style>
+      <a:lnRef idx="2">
+        <a:scrgbClr r="0" g="0" b="0"/>
+      </a:lnRef>
+      <a:fillRef idx="1">
+        <a:scrgbClr r="0" g="0" b="0"/>
+      </a:fillRef>
+      <a:effectRef idx="0">
+        <a:scrgbClr r="0" g="0" b="0"/>
+      </a:effectRef>
+      <a:fontRef idx="minor"/>
+    </dgm:style>
+  </dgm:styleLbl>
+  <dgm:styleLbl name="alignAccFollowNode1">
+    <dgm:scene3d>
+      <a:camera prst="orthographicFront"/>
+      <a:lightRig rig="threePt" dir="t"/>
+    </dgm:scene3d>
+    <dgm:sp3d/>
+    <dgm:txPr/>
+    <dgm:style>
+      <a:lnRef idx="2">
+        <a:scrgbClr r="0" g="0" b="0"/>
+      </a:lnRef>
+      <a:fillRef idx="1">
+        <a:scrgbClr r="0" g="0" b="0"/>
+      </a:fillRef>
+      <a:effectRef idx="0">
+        <a:scrgbClr r="0" g="0" b="0"/>
+      </a:effectRef>
+      <a:fontRef idx="minor"/>
+    </dgm:style>
+  </dgm:styleLbl>
+  <dgm:styleLbl name="bgAccFollowNode1">
+    <dgm:scene3d>
+      <a:camera prst="orthographicFront"/>
+      <a:lightRig rig="threePt" dir="t"/>
+    </dgm:scene3d>
+    <dgm:sp3d/>
+    <dgm:txPr/>
+    <dgm:style>
+      <a:lnRef idx="2">
+        <a:scrgbClr r="0" g="0" b="0"/>
+      </a:lnRef>
+      <a:fillRef idx="1">
+        <a:scrgbClr r="0" g="0" b="0"/>
+      </a:fillRef>
+      <a:effectRef idx="0">
+        <a:scrgbClr r="0" g="0" b="0"/>
+      </a:effectRef>
+      <a:fontRef idx="minor"/>
+    </dgm:style>
+  </dgm:styleLbl>
+  <dgm:styleLbl name="fgAcc0">
+    <dgm:scene3d>
+      <a:camera prst="orthographicFront"/>
+      <a:lightRig rig="threePt" dir="t"/>
+    </dgm:scene3d>
+    <dgm:sp3d/>
+    <dgm:txPr/>
+    <dgm:style>
+      <a:lnRef idx="2">
+        <a:scrgbClr r="0" g="0" b="0"/>
+      </a:lnRef>
+      <a:fillRef idx="1">
+        <a:scrgbClr r="0" g="0" b="0"/>
+      </a:fillRef>
+      <a:effectRef idx="0">
+        <a:scrgbClr r="0" g="0" b="0"/>
+      </a:effectRef>
+      <a:fontRef idx="minor"/>
+    </dgm:style>
+  </dgm:styleLbl>
+  <dgm:styleLbl name="fgAcc2">
+    <dgm:scene3d>
+      <a:camera prst="orthographicFront"/>
+      <a:lightRig rig="threePt" dir="t"/>
+    </dgm:scene3d>
+    <dgm:sp3d/>
+    <dgm:txPr/>
+    <dgm:style>
+      <a:lnRef idx="2">
+        <a:scrgbClr r="0" g="0" b="0"/>
+      </a:lnRef>
+      <a:fillRef idx="1">
+        <a:scrgbClr r="0" g="0" b="0"/>
+      </a:fillRef>
+      <a:effectRef idx="0">
+        <a:scrgbClr r="0" g="0" b="0"/>
+      </a:effectRef>
+      <a:fontRef idx="minor"/>
+    </dgm:style>
+  </dgm:styleLbl>
+  <dgm:styleLbl name="fgAcc3">
+    <dgm:scene3d>
+      <a:camera prst="orthographicFront"/>
+      <a:lightRig rig="threePt" dir="t"/>
+    </dgm:scene3d>
+    <dgm:sp3d/>
+    <dgm:txPr/>
+    <dgm:style>
+      <a:lnRef idx="2">
+        <a:scrgbClr r="0" g="0" b="0"/>
+      </a:lnRef>
+      <a:fillRef idx="1">
+        <a:scrgbClr r="0" g="0" b="0"/>
+      </a:fillRef>
+      <a:effectRef idx="0">
+        <a:scrgbClr r="0" g="0" b="0"/>
+      </a:effectRef>
+      <a:fontRef idx="minor"/>
+    </dgm:style>
+  </dgm:styleLbl>
+  <dgm:styleLbl name="fgAcc4">
+    <dgm:scene3d>
+      <a:camera prst="orthographicFront"/>
+      <a:lightRig rig="threePt" dir="t"/>
+    </dgm:scene3d>
+    <dgm:sp3d/>
+    <dgm:txPr/>
+    <dgm:style>
+      <a:lnRef idx="2">
+        <a:scrgbClr r="0" g="0" b="0"/>
+      </a:lnRef>
+      <a:fillRef idx="1">
+        <a:scrgbClr r="0" g="0" b="0"/>
+      </a:fillRef>
+      <a:effectRef idx="0">
+        <a:scrgbClr r="0" g="0" b="0"/>
+      </a:effectRef>
+      <a:fontRef idx="minor"/>
+    </dgm:style>
+  </dgm:styleLbl>
+  <dgm:styleLbl name="bgShp">
+    <dgm:scene3d>
+      <a:camera prst="orthographicFront"/>
+      <a:lightRig rig="threePt" dir="t"/>
+    </dgm:scene3d>
+    <dgm:sp3d/>
+    <dgm:txPr/>
+    <dgm:style>
+      <a:lnRef idx="0">
+        <a:scrgbClr r="0" g="0" b="0"/>
+      </a:lnRef>
+      <a:fillRef idx="1">
+        <a:scrgbClr r="0" g="0" b="0"/>
+      </a:fillRef>
+      <a:effectRef idx="0">
+        <a:scrgbClr r="0" g="0" b="0"/>
+      </a:effectRef>
+      <a:fontRef idx="minor"/>
+    </dgm:style>
+  </dgm:styleLbl>
+  <dgm:styleLbl name="dkBgShp">
+    <dgm:scene3d>
+      <a:camera prst="orthographicFront"/>
+      <a:lightRig rig="threePt" dir="t"/>
+    </dgm:scene3d>
+    <dgm:sp3d/>
+    <dgm:txPr/>
+    <dgm:style>
+      <a:lnRef idx="0">
+        <a:scrgbClr r="0" g="0" b="0"/>
+      </a:lnRef>
+      <a:fillRef idx="1">
+        <a:scrgbClr r="0" g="0" b="0"/>
+      </a:fillRef>
+      <a:effectRef idx="0">
+        <a:scrgbClr r="0" g="0" b="0"/>
+      </a:effectRef>
+      <a:fontRef idx="minor"/>
+    </dgm:style>
+  </dgm:styleLbl>
+  <dgm:styleLbl name="trBgShp">
+    <dgm:scene3d>
+      <a:camera prst="orthographicFront"/>
+      <a:lightRig rig="threePt" dir="t"/>
+    </dgm:scene3d>
+    <dgm:sp3d/>
+    <dgm:txPr/>
+    <dgm:style>
+      <a:lnRef idx="0">
+        <a:scrgbClr r="0" g="0" b="0"/>
+      </a:lnRef>
+      <a:fillRef idx="1">
+        <a:scrgbClr r="0" g="0" b="0"/>
+      </a:fillRef>
+      <a:effectRef idx="0">
+        <a:scrgbClr r="0" g="0" b="0"/>
+      </a:effectRef>
+      <a:fontRef idx="minor"/>
+    </dgm:style>
+  </dgm:styleLbl>
+  <dgm:styleLbl name="fgShp">
+    <dgm:scene3d>
+      <a:camera prst="orthographicFront"/>
+      <a:lightRig rig="threePt" dir="t"/>
+    </dgm:scene3d>
+    <dgm:sp3d/>
+    <dgm:txPr/>
+    <dgm:style>
+      <a:lnRef idx="2">
+        <a:scrgbClr r="0" g="0" b="0"/>
+      </a:lnRef>
+      <a:fillRef idx="1">
+        <a:scrgbClr r="0" g="0" b="0"/>
+      </a:fillRef>
+      <a:effectRef idx="0">
+        <a:scrgbClr r="0" g="0" b="0"/>
+      </a:effectRef>
+      <a:fontRef idx="minor"/>
+    </dgm:style>
+  </dgm:styleLbl>
+  <dgm:styleLbl name="revTx">
+    <dgm:scene3d>
+      <a:camera prst="orthographicFront"/>
+      <a:lightRig rig="threePt" dir="t"/>
+    </dgm:scene3d>
+    <dgm:sp3d/>
+    <dgm:txPr/>
+    <dgm:style>
+      <a:lnRef idx="0">
+        <a:scrgbClr r="0" g="0" b="0"/>
+      </a:lnRef>
+      <a:fillRef idx="0">
+        <a:scrgbClr r="0" g="0" b="0"/>
+      </a:fillRef>
+      <a:effectRef idx="0">
+        <a:scrgbClr r="0" g="0" b="0"/>
+      </a:effectRef>
+      <a:fontRef idx="minor"/>
+    </dgm:style>
+  </dgm:styleLbl>
+</dgm:styleDef>
+</file>
+
 <file path=ppt/handoutMasters/handoutMaster1.xml><?xml version="1.0" encoding="utf-8"?>
 <p:handoutMaster xmlns:a="http://schemas.openxmlformats.org/drawingml/2006/main" xmlns:r="http://schemas.openxmlformats.org/officeDocument/2006/relationships" xmlns:p="http://schemas.openxmlformats.org/presentationml/2006/main">
   <p:cSld>
@@ -201,7 +2753,7 @@
             <a:fld id="{9D2A6E17-AB36-4E53-A896-72D500841CBD}" type="datetimeFigureOut">
               <a:rPr lang="en-US" smtClean="0"/>
               <a:pPr/>
-              <a:t>11/14/2013</a:t>
+              <a:t>11/15/2013</a:t>
             </a:fld>
             <a:endParaRPr lang="en-US"/>
           </a:p>
@@ -363,7 +2915,7 @@
             <a:fld id="{51355148-98C8-44B7-B615-545A12FD2603}" type="datetimeFigureOut">
               <a:rPr lang="en-US" smtClean="0"/>
               <a:pPr/>
-              <a:t>11/14/2013</a:t>
+              <a:t>11/15/2013</a:t>
             </a:fld>
             <a:endParaRPr lang="en-US"/>
           </a:p>
@@ -532,7 +3084,7 @@
     </p:spTree>
     <p:extLst>
       <p:ext uri="{BB962C8B-B14F-4D97-AF65-F5344CB8AC3E}">
-        <p14:creationId xmlns="" xmlns:p14="http://schemas.microsoft.com/office/powerpoint/2010/main" val="402960394"/>
+        <p14:creationId xmlns:p14="http://schemas.microsoft.com/office/powerpoint/2010/main" xmlns="" val="402960394"/>
       </p:ext>
     </p:extLst>
   </p:cSld>
@@ -710,7 +3262,7 @@
     </p:spTree>
     <p:extLst>
       <p:ext uri="{BB962C8B-B14F-4D97-AF65-F5344CB8AC3E}">
-        <p14:creationId xmlns="" xmlns:p14="http://schemas.microsoft.com/office/powerpoint/2010/main" val="1596205665"/>
+        <p14:creationId xmlns:p14="http://schemas.microsoft.com/office/powerpoint/2010/main" xmlns="" val="1596205665"/>
       </p:ext>
     </p:extLst>
   </p:cSld>
@@ -902,7 +3454,7 @@
             <a:fld id="{617A4F30-FB30-424F-9F07-D851740F429F}" type="datetimeFigureOut">
               <a:rPr lang="en-US" smtClean="0"/>
               <a:pPr/>
-              <a:t>11/14/2013</a:t>
+              <a:t>11/15/2013</a:t>
             </a:fld>
             <a:endParaRPr lang="en-US"/>
           </a:p>
@@ -1069,7 +3621,7 @@
             <a:fld id="{617A4F30-FB30-424F-9F07-D851740F429F}" type="datetimeFigureOut">
               <a:rPr lang="en-US" smtClean="0"/>
               <a:pPr/>
-              <a:t>11/14/2013</a:t>
+              <a:t>11/15/2013</a:t>
             </a:fld>
             <a:endParaRPr lang="en-US"/>
           </a:p>
@@ -1246,7 +3798,7 @@
             <a:fld id="{617A4F30-FB30-424F-9F07-D851740F429F}" type="datetimeFigureOut">
               <a:rPr lang="en-US" smtClean="0"/>
               <a:pPr/>
-              <a:t>11/14/2013</a:t>
+              <a:t>11/15/2013</a:t>
             </a:fld>
             <a:endParaRPr lang="en-US"/>
           </a:p>
@@ -1413,7 +3965,7 @@
             <a:fld id="{617A4F30-FB30-424F-9F07-D851740F429F}" type="datetimeFigureOut">
               <a:rPr lang="en-US" smtClean="0"/>
               <a:pPr/>
-              <a:t>11/14/2013</a:t>
+              <a:t>11/15/2013</a:t>
             </a:fld>
             <a:endParaRPr lang="en-US"/>
           </a:p>
@@ -1656,7 +4208,7 @@
             <a:fld id="{617A4F30-FB30-424F-9F07-D851740F429F}" type="datetimeFigureOut">
               <a:rPr lang="en-US" smtClean="0"/>
               <a:pPr/>
-              <a:t>11/14/2013</a:t>
+              <a:t>11/15/2013</a:t>
             </a:fld>
             <a:endParaRPr lang="en-US"/>
           </a:p>
@@ -1941,7 +4493,7 @@
             <a:fld id="{617A4F30-FB30-424F-9F07-D851740F429F}" type="datetimeFigureOut">
               <a:rPr lang="en-US" smtClean="0"/>
               <a:pPr/>
-              <a:t>11/14/2013</a:t>
+              <a:t>11/15/2013</a:t>
             </a:fld>
             <a:endParaRPr lang="en-US"/>
           </a:p>
@@ -2360,7 +4912,7 @@
             <a:fld id="{617A4F30-FB30-424F-9F07-D851740F429F}" type="datetimeFigureOut">
               <a:rPr lang="en-US" smtClean="0"/>
               <a:pPr/>
-              <a:t>11/14/2013</a:t>
+              <a:t>11/15/2013</a:t>
             </a:fld>
             <a:endParaRPr lang="en-US"/>
           </a:p>
@@ -2475,7 +5027,7 @@
             <a:fld id="{617A4F30-FB30-424F-9F07-D851740F429F}" type="datetimeFigureOut">
               <a:rPr lang="en-US" smtClean="0"/>
               <a:pPr/>
-              <a:t>11/14/2013</a:t>
+              <a:t>11/15/2013</a:t>
             </a:fld>
             <a:endParaRPr lang="en-US"/>
           </a:p>
@@ -2567,7 +5119,7 @@
             <a:fld id="{617A4F30-FB30-424F-9F07-D851740F429F}" type="datetimeFigureOut">
               <a:rPr lang="en-US" smtClean="0"/>
               <a:pPr/>
-              <a:t>11/14/2013</a:t>
+              <a:t>11/15/2013</a:t>
             </a:fld>
             <a:endParaRPr lang="en-US"/>
           </a:p>
@@ -2841,7 +5393,7 @@
             <a:fld id="{617A4F30-FB30-424F-9F07-D851740F429F}" type="datetimeFigureOut">
               <a:rPr lang="en-US" smtClean="0"/>
               <a:pPr/>
-              <a:t>11/14/2013</a:t>
+              <a:t>11/15/2013</a:t>
             </a:fld>
             <a:endParaRPr lang="en-US"/>
           </a:p>
@@ -3091,7 +5643,7 @@
             <a:fld id="{617A4F30-FB30-424F-9F07-D851740F429F}" type="datetimeFigureOut">
               <a:rPr lang="en-US" smtClean="0"/>
               <a:pPr/>
-              <a:t>11/14/2013</a:t>
+              <a:t>11/15/2013</a:t>
             </a:fld>
             <a:endParaRPr lang="en-US"/>
           </a:p>
@@ -3301,7 +5853,7 @@
             <a:fld id="{617A4F30-FB30-424F-9F07-D851740F429F}" type="datetimeFigureOut">
               <a:rPr lang="en-US" smtClean="0"/>
               <a:pPr/>
-              <a:t>11/14/2013</a:t>
+              <a:t>11/15/2013</a:t>
             </a:fld>
             <a:endParaRPr lang="en-US"/>
           </a:p>
@@ -3712,7 +6264,7 @@
         <p:spPr/>
         <p:txBody>
           <a:bodyPr>
-            <a:normAutofit/>
+            <a:normAutofit fontScale="92500"/>
           </a:bodyPr>
           <a:lstStyle/>
           <a:p>
@@ -3725,11 +6277,7 @@
           <a:p>
             <a:r>
               <a:rPr lang="ru-RU" dirty="0" smtClean="0"/>
-              <a:t>Системы </a:t>
-            </a:r>
-            <a:r>
-              <a:rPr lang="ru-RU" dirty="0" err="1" smtClean="0"/>
-              <a:t>журналирования</a:t>
+              <a:t>Подсистемы серверных приложений</a:t>
             </a:r>
             <a:endParaRPr lang="ru-RU" dirty="0" smtClean="0"/>
           </a:p>
@@ -3780,7 +6328,7 @@
 </p:sld>
 </file>
 
-<file path=ppt/slides/slide2.xml><?xml version="1.0" encoding="utf-8"?>
+<file path=ppt/slides/slide10.xml><?xml version="1.0" encoding="utf-8"?>
 <p:sld xmlns:a="http://schemas.openxmlformats.org/drawingml/2006/main" xmlns:r="http://schemas.openxmlformats.org/officeDocument/2006/relationships" xmlns:p="http://schemas.openxmlformats.org/presentationml/2006/main">
   <p:cSld>
     <p:spTree>
@@ -3814,7 +6362,7 @@
           <a:p>
             <a:r>
               <a:rPr lang="en-US" dirty="0" smtClean="0"/>
-              <a:t>Visual Studio Way</a:t>
+              <a:t>Usage with  --leak-check=full</a:t>
             </a:r>
             <a:endParaRPr lang="en-US" dirty="0"/>
           </a:p>
@@ -3837,185 +6385,438 @@
           </a:bodyPr>
           <a:lstStyle/>
           <a:p>
-            <a:r>
-              <a:rPr lang="en-US" sz="2000" dirty="0" smtClean="0">
+            <a:pPr>
+              <a:buNone/>
+            </a:pPr>
+            <a:endParaRPr lang="en-US" sz="1600" dirty="0" smtClean="0"/>
+          </a:p>
+          <a:p>
+            <a:pPr>
+              <a:buNone/>
+            </a:pPr>
+            <a:endParaRPr lang="en-US" sz="1600" dirty="0" smtClean="0"/>
+          </a:p>
+          <a:p>
+            <a:pPr>
+              <a:buNone/>
+            </a:pPr>
+            <a:r>
+              <a:rPr lang="en-US" sz="1600" dirty="0" err="1" smtClean="0"/>
+              <a:t>valgrind</a:t>
+            </a:r>
+            <a:r>
+              <a:rPr lang="en-US" sz="1600" dirty="0" smtClean="0"/>
+              <a:t> </a:t>
+            </a:r>
+            <a:r>
+              <a:rPr lang="en-US" sz="1600" dirty="0" smtClean="0"/>
+              <a:t>--tool=</a:t>
+            </a:r>
+            <a:r>
+              <a:rPr lang="en-US" sz="1600" dirty="0" err="1" smtClean="0"/>
+              <a:t>memcheck</a:t>
+            </a:r>
+            <a:r>
+              <a:rPr lang="en-US" sz="1600" dirty="0" smtClean="0"/>
+              <a:t> --leak-check=full ./</a:t>
+            </a:r>
+            <a:r>
+              <a:rPr lang="en-US" sz="1600" dirty="0" smtClean="0"/>
+              <a:t>bin_32/Debug/</a:t>
+            </a:r>
+            <a:r>
+              <a:rPr lang="en-US" sz="1600" dirty="0" err="1" smtClean="0"/>
+              <a:t>valgrinded</a:t>
+            </a:r>
+            <a:endParaRPr lang="en-US" sz="1600" dirty="0" smtClean="0"/>
+          </a:p>
+          <a:p>
+            <a:pPr>
+              <a:buNone/>
+            </a:pPr>
+            <a:endParaRPr lang="en-US" sz="1600" dirty="0" smtClean="0"/>
+          </a:p>
+          <a:p>
+            <a:pPr>
+              <a:buNone/>
+            </a:pPr>
+            <a:r>
+              <a:rPr lang="en-US" sz="1400" dirty="0" smtClean="0">
                 <a:latin typeface="Consolas" pitchFamily="49" charset="0"/>
                 <a:cs typeface="Consolas" pitchFamily="49" charset="0"/>
               </a:rPr>
-              <a:t>#define _CRTDBG_MAP_ALLOC </a:t>
-            </a:r>
-          </a:p>
-          <a:p>
-            <a:r>
-              <a:rPr lang="en-US" sz="2000" dirty="0" smtClean="0">
+              <a:t>==</a:t>
+            </a:r>
+            <a:r>
+              <a:rPr lang="en-US" sz="1400" dirty="0" smtClean="0">
                 <a:latin typeface="Consolas" pitchFamily="49" charset="0"/>
                 <a:cs typeface="Consolas" pitchFamily="49" charset="0"/>
               </a:rPr>
-              <a:t>#include &lt;</a:t>
-            </a:r>
-            <a:r>
-              <a:rPr lang="en-US" sz="2000" dirty="0" err="1" smtClean="0">
+              <a:t>26393== 14 bytes in 1 blocks are definitely lost in loss record 1 of 5</a:t>
+            </a:r>
+          </a:p>
+          <a:p>
+            <a:pPr>
+              <a:buNone/>
+            </a:pPr>
+            <a:r>
+              <a:rPr lang="en-US" sz="1400" dirty="0" smtClean="0">
                 <a:latin typeface="Consolas" pitchFamily="49" charset="0"/>
                 <a:cs typeface="Consolas" pitchFamily="49" charset="0"/>
               </a:rPr>
-              <a:t>stdlib.h</a:t>
-            </a:r>
-            <a:r>
-              <a:rPr lang="en-US" sz="2000" dirty="0" smtClean="0">
-                <a:latin typeface="Consolas" pitchFamily="49" charset="0"/>
-                <a:cs typeface="Consolas" pitchFamily="49" charset="0"/>
-              </a:rPr>
-              <a:t>&gt; </a:t>
-            </a:r>
-          </a:p>
-          <a:p>
-            <a:r>
-              <a:rPr lang="en-US" sz="2000" dirty="0" smtClean="0">
-                <a:latin typeface="Consolas" pitchFamily="49" charset="0"/>
-                <a:cs typeface="Consolas" pitchFamily="49" charset="0"/>
-              </a:rPr>
-              <a:t>#include &lt;</a:t>
-            </a:r>
-            <a:r>
-              <a:rPr lang="en-US" sz="2000" dirty="0" err="1" smtClean="0">
-                <a:latin typeface="Consolas" pitchFamily="49" charset="0"/>
-                <a:cs typeface="Consolas" pitchFamily="49" charset="0"/>
-              </a:rPr>
-              <a:t>crtdbg.h</a:t>
-            </a:r>
-            <a:r>
-              <a:rPr lang="en-US" sz="2000" dirty="0" smtClean="0">
-                <a:latin typeface="Consolas" pitchFamily="49" charset="0"/>
-                <a:cs typeface="Consolas" pitchFamily="49" charset="0"/>
-              </a:rPr>
-              <a:t>&gt;</a:t>
-            </a:r>
-          </a:p>
-          <a:p>
-            <a:endParaRPr lang="en-US" sz="2000" dirty="0" smtClean="0">
-              <a:latin typeface="Consolas" pitchFamily="49" charset="0"/>
-              <a:cs typeface="Consolas" pitchFamily="49" charset="0"/>
-            </a:endParaRPr>
-          </a:p>
-          <a:p>
-            <a:pPr>
-              <a:buNone/>
-            </a:pPr>
-            <a:r>
-              <a:rPr lang="en-US" sz="2000" dirty="0" err="1" smtClean="0">
+              <a:t>==26393==    at 0x402B24C: operator new[](unsigned </a:t>
+            </a:r>
+            <a:r>
+              <a:rPr lang="en-US" sz="1400" dirty="0" err="1" smtClean="0">
                 <a:latin typeface="Consolas" pitchFamily="49" charset="0"/>
                 <a:cs typeface="Consolas" pitchFamily="49" charset="0"/>
               </a:rPr>
               <a:t>int</a:t>
             </a:r>
             <a:r>
-              <a:rPr lang="en-US" sz="2000" dirty="0" smtClean="0">
+              <a:rPr lang="en-US" sz="1400" dirty="0" smtClean="0">
                 <a:latin typeface="Consolas" pitchFamily="49" charset="0"/>
                 <a:cs typeface="Consolas" pitchFamily="49" charset="0"/>
               </a:rPr>
-              <a:t> main()</a:t>
-            </a:r>
-          </a:p>
-          <a:p>
-            <a:pPr>
-              <a:buNone/>
-            </a:pPr>
-            <a:r>
-              <a:rPr lang="en-US" sz="2000" dirty="0" smtClean="0">
+              <a:t>) (vg_replace_malloc.c:378)</a:t>
+            </a:r>
+          </a:p>
+          <a:p>
+            <a:pPr>
+              <a:buNone/>
+            </a:pPr>
+            <a:r>
+              <a:rPr lang="en-US" sz="1400" dirty="0" smtClean="0">
                 <a:latin typeface="Consolas" pitchFamily="49" charset="0"/>
                 <a:cs typeface="Consolas" pitchFamily="49" charset="0"/>
               </a:rPr>
-              <a:t>{</a:t>
-            </a:r>
-          </a:p>
-          <a:p>
-            <a:pPr>
-              <a:buNone/>
-            </a:pPr>
-            <a:r>
-              <a:rPr lang="en-US" sz="2000" dirty="0" smtClean="0">
+              <a:t>==26393==    by 0x80489C9: </a:t>
+            </a:r>
+            <a:r>
+              <a:rPr lang="en-US" sz="1400" dirty="0" err="1" smtClean="0">
                 <a:latin typeface="Consolas" pitchFamily="49" charset="0"/>
                 <a:cs typeface="Consolas" pitchFamily="49" charset="0"/>
               </a:rPr>
-              <a:t>		_</a:t>
-            </a:r>
-            <a:r>
-              <a:rPr lang="en-US" sz="2000" dirty="0" err="1" smtClean="0">
+              <a:t>memory_leak_examples</a:t>
+            </a:r>
+            <a:r>
+              <a:rPr lang="en-US" sz="1400" dirty="0" smtClean="0">
                 <a:latin typeface="Consolas" pitchFamily="49" charset="0"/>
                 <a:cs typeface="Consolas" pitchFamily="49" charset="0"/>
               </a:rPr>
-              <a:t>CrtSetDbgFlag</a:t>
-            </a:r>
-            <a:r>
-              <a:rPr lang="en-US" sz="2000" dirty="0" smtClean="0">
+              <a:t>::</a:t>
+            </a:r>
+            <a:r>
+              <a:rPr lang="en-US" sz="1400" dirty="0" err="1" smtClean="0">
                 <a:latin typeface="Consolas" pitchFamily="49" charset="0"/>
                 <a:cs typeface="Consolas" pitchFamily="49" charset="0"/>
               </a:rPr>
-              <a:t> ( _CRTDBG_ALLOC_MEM_DF | 			_CRTDBG_LEAK_CHECK_DF );</a:t>
-            </a:r>
-          </a:p>
-          <a:p>
-            <a:pPr>
-              <a:buNone/>
-            </a:pPr>
-            <a:r>
-              <a:rPr lang="en-US" sz="2000" dirty="0" smtClean="0">
+              <a:t>bad_string</a:t>
+            </a:r>
+            <a:r>
+              <a:rPr lang="en-US" sz="1400" dirty="0" smtClean="0">
                 <a:latin typeface="Consolas" pitchFamily="49" charset="0"/>
                 <a:cs typeface="Consolas" pitchFamily="49" charset="0"/>
               </a:rPr>
-              <a:t>		_</a:t>
-            </a:r>
-            <a:r>
-              <a:rPr lang="en-US" sz="2000" dirty="0" err="1" smtClean="0">
+              <a:t>::</a:t>
+            </a:r>
+            <a:r>
+              <a:rPr lang="en-US" sz="1400" dirty="0" err="1" smtClean="0">
                 <a:latin typeface="Consolas" pitchFamily="49" charset="0"/>
                 <a:cs typeface="Consolas" pitchFamily="49" charset="0"/>
               </a:rPr>
-              <a:t>CrtDumpMemoryLeaks</a:t>
-            </a:r>
-            <a:r>
-              <a:rPr lang="en-US" sz="2000" dirty="0" smtClean="0">
+              <a:t>bad_string</a:t>
+            </a:r>
+            <a:r>
+              <a:rPr lang="en-US" sz="1400" dirty="0" smtClean="0">
                 <a:latin typeface="Consolas" pitchFamily="49" charset="0"/>
                 <a:cs typeface="Consolas" pitchFamily="49" charset="0"/>
               </a:rPr>
-              <a:t>();</a:t>
-            </a:r>
-          </a:p>
-          <a:p>
-            <a:pPr>
-              <a:buNone/>
-            </a:pPr>
-            <a:endParaRPr lang="en-US" sz="2000" dirty="0" smtClean="0">
-              <a:latin typeface="Consolas" pitchFamily="49" charset="0"/>
-              <a:cs typeface="Consolas" pitchFamily="49" charset="0"/>
-            </a:endParaRPr>
-          </a:p>
-          <a:p>
-            <a:pPr>
-              <a:buNone/>
-            </a:pPr>
-            <a:r>
-              <a:rPr lang="en-US" sz="2000" dirty="0" smtClean="0">
+              <a:t>() (bad_string.cpp:5)</a:t>
+            </a:r>
+          </a:p>
+          <a:p>
+            <a:pPr>
+              <a:buNone/>
+            </a:pPr>
+            <a:r>
+              <a:rPr lang="en-US" sz="1400" dirty="0" smtClean="0">
                 <a:latin typeface="Consolas" pitchFamily="49" charset="0"/>
                 <a:cs typeface="Consolas" pitchFamily="49" charset="0"/>
               </a:rPr>
-              <a:t>		// actions</a:t>
-            </a:r>
-          </a:p>
-          <a:p>
-            <a:pPr>
-              <a:buNone/>
-            </a:pPr>
-            <a:r>
-              <a:rPr lang="en-US" sz="2000" dirty="0" smtClean="0">
+              <a:t>==26393==    by 0x8048901: main (main.cpp:7)</a:t>
+            </a:r>
+          </a:p>
+          <a:p>
+            <a:pPr>
+              <a:buNone/>
+            </a:pPr>
+            <a:r>
+              <a:rPr lang="en-US" sz="1400" dirty="0" smtClean="0">
                 <a:latin typeface="Consolas" pitchFamily="49" charset="0"/>
                 <a:cs typeface="Consolas" pitchFamily="49" charset="0"/>
               </a:rPr>
-              <a:t>}</a:t>
-            </a:r>
-            <a:endParaRPr lang="en-US" sz="2000" dirty="0">
-              <a:latin typeface="Consolas" pitchFamily="49" charset="0"/>
-              <a:cs typeface="Consolas" pitchFamily="49" charset="0"/>
-            </a:endParaRPr>
+              <a:t>==26393==</a:t>
+            </a:r>
+          </a:p>
+          <a:p>
+            <a:pPr>
+              <a:buNone/>
+            </a:pPr>
+            <a:r>
+              <a:rPr lang="en-US" sz="1400" dirty="0" smtClean="0">
+                <a:latin typeface="Consolas" pitchFamily="49" charset="0"/>
+                <a:cs typeface="Consolas" pitchFamily="49" charset="0"/>
+              </a:rPr>
+              <a:t>==26393== 14 bytes in 1 blocks are definitely lost in loss record 2 of 5</a:t>
+            </a:r>
+          </a:p>
+          <a:p>
+            <a:pPr>
+              <a:buNone/>
+            </a:pPr>
+            <a:r>
+              <a:rPr lang="en-US" sz="1400" dirty="0" smtClean="0">
+                <a:latin typeface="Consolas" pitchFamily="49" charset="0"/>
+                <a:cs typeface="Consolas" pitchFamily="49" charset="0"/>
+              </a:rPr>
+              <a:t>==26393==    at 0x402B24C: operator new[](unsigned </a:t>
+            </a:r>
+            <a:r>
+              <a:rPr lang="en-US" sz="1400" dirty="0" err="1" smtClean="0">
+                <a:latin typeface="Consolas" pitchFamily="49" charset="0"/>
+                <a:cs typeface="Consolas" pitchFamily="49" charset="0"/>
+              </a:rPr>
+              <a:t>int</a:t>
+            </a:r>
+            <a:r>
+              <a:rPr lang="en-US" sz="1400" dirty="0" smtClean="0">
+                <a:latin typeface="Consolas" pitchFamily="49" charset="0"/>
+                <a:cs typeface="Consolas" pitchFamily="49" charset="0"/>
+              </a:rPr>
+              <a:t>) (vg_replace_malloc.c:378)</a:t>
+            </a:r>
+          </a:p>
+          <a:p>
+            <a:pPr>
+              <a:buNone/>
+            </a:pPr>
+            <a:r>
+              <a:rPr lang="en-US" sz="1400" dirty="0" smtClean="0">
+                <a:latin typeface="Consolas" pitchFamily="49" charset="0"/>
+                <a:cs typeface="Consolas" pitchFamily="49" charset="0"/>
+              </a:rPr>
+              <a:t>==26393==    by 0x80489C9: </a:t>
+            </a:r>
+            <a:r>
+              <a:rPr lang="en-US" sz="1400" dirty="0" err="1" smtClean="0">
+                <a:latin typeface="Consolas" pitchFamily="49" charset="0"/>
+                <a:cs typeface="Consolas" pitchFamily="49" charset="0"/>
+              </a:rPr>
+              <a:t>memory_leak_examples</a:t>
+            </a:r>
+            <a:r>
+              <a:rPr lang="en-US" sz="1400" dirty="0" smtClean="0">
+                <a:latin typeface="Consolas" pitchFamily="49" charset="0"/>
+                <a:cs typeface="Consolas" pitchFamily="49" charset="0"/>
+              </a:rPr>
+              <a:t>::</a:t>
+            </a:r>
+            <a:r>
+              <a:rPr lang="en-US" sz="1400" dirty="0" err="1" smtClean="0">
+                <a:latin typeface="Consolas" pitchFamily="49" charset="0"/>
+                <a:cs typeface="Consolas" pitchFamily="49" charset="0"/>
+              </a:rPr>
+              <a:t>bad_string</a:t>
+            </a:r>
+            <a:r>
+              <a:rPr lang="en-US" sz="1400" dirty="0" smtClean="0">
+                <a:latin typeface="Consolas" pitchFamily="49" charset="0"/>
+                <a:cs typeface="Consolas" pitchFamily="49" charset="0"/>
+              </a:rPr>
+              <a:t>::</a:t>
+            </a:r>
+            <a:r>
+              <a:rPr lang="en-US" sz="1400" dirty="0" err="1" smtClean="0">
+                <a:latin typeface="Consolas" pitchFamily="49" charset="0"/>
+                <a:cs typeface="Consolas" pitchFamily="49" charset="0"/>
+              </a:rPr>
+              <a:t>bad_string</a:t>
+            </a:r>
+            <a:r>
+              <a:rPr lang="en-US" sz="1400" dirty="0" smtClean="0">
+                <a:latin typeface="Consolas" pitchFamily="49" charset="0"/>
+                <a:cs typeface="Consolas" pitchFamily="49" charset="0"/>
+              </a:rPr>
+              <a:t>() (bad_string.cpp:5)</a:t>
+            </a:r>
+          </a:p>
+          <a:p>
+            <a:pPr>
+              <a:buNone/>
+            </a:pPr>
+            <a:r>
+              <a:rPr lang="en-US" sz="1400" dirty="0" smtClean="0">
+                <a:latin typeface="Consolas" pitchFamily="49" charset="0"/>
+                <a:cs typeface="Consolas" pitchFamily="49" charset="0"/>
+              </a:rPr>
+              <a:t>==26393==    by 0x804890D: main (main.cpp:8)</a:t>
+            </a:r>
+          </a:p>
+          <a:p>
+            <a:pPr>
+              <a:buNone/>
+            </a:pPr>
+            <a:endParaRPr lang="en-US" sz="1600" dirty="0"/>
+          </a:p>
+        </p:txBody>
+      </p:sp>
+    </p:spTree>
+  </p:cSld>
+  <p:clrMapOvr>
+    <a:masterClrMapping/>
+  </p:clrMapOvr>
+</p:sld>
+</file>
+
+<file path=ppt/slides/slide11.xml><?xml version="1.0" encoding="utf-8"?>
+<p:sld xmlns:a="http://schemas.openxmlformats.org/drawingml/2006/main" xmlns:r="http://schemas.openxmlformats.org/officeDocument/2006/relationships" xmlns:p="http://schemas.openxmlformats.org/presentationml/2006/main">
+  <p:cSld>
+    <p:spTree>
+      <p:nvGrpSpPr>
+        <p:cNvPr id="1" name=""/>
+        <p:cNvGrpSpPr/>
+        <p:nvPr/>
+      </p:nvGrpSpPr>
+      <p:grpSpPr>
+        <a:xfrm>
+          <a:off x="0" y="0"/>
+          <a:ext cx="0" cy="0"/>
+          <a:chOff x="0" y="0"/>
+          <a:chExt cx="0" cy="0"/>
+        </a:xfrm>
+      </p:grpSpPr>
+      <p:sp>
+        <p:nvSpPr>
+          <p:cNvPr id="2" name="Title 1"/>
+          <p:cNvSpPr>
+            <a:spLocks noGrp="1"/>
+          </p:cNvSpPr>
+          <p:nvPr>
+            <p:ph type="title"/>
+          </p:nvPr>
+        </p:nvSpPr>
+        <p:spPr>
+          <a:xfrm>
+            <a:off x="457200" y="274638"/>
+            <a:ext cx="8229600" cy="6126162"/>
+          </a:xfrm>
+        </p:spPr>
+        <p:txBody>
+          <a:bodyPr>
+            <a:normAutofit/>
+          </a:bodyPr>
+          <a:lstStyle/>
+          <a:p>
+            <a:r>
+              <a:rPr lang="en-US" sz="9600" dirty="0" smtClean="0"/>
+              <a:t>?</a:t>
+            </a:r>
+            <a:endParaRPr lang="en-US" sz="9600" dirty="0"/>
+          </a:p>
+        </p:txBody>
+      </p:sp>
+    </p:spTree>
+  </p:cSld>
+  <p:clrMapOvr>
+    <a:masterClrMapping/>
+  </p:clrMapOvr>
+</p:sld>
+</file>
+
+<file path=ppt/slides/slide12.xml><?xml version="1.0" encoding="utf-8"?>
+<p:sld xmlns:a="http://schemas.openxmlformats.org/drawingml/2006/main" xmlns:r="http://schemas.openxmlformats.org/officeDocument/2006/relationships" xmlns:p="http://schemas.openxmlformats.org/presentationml/2006/main">
+  <p:cSld>
+    <p:spTree>
+      <p:nvGrpSpPr>
+        <p:cNvPr id="1" name=""/>
+        <p:cNvGrpSpPr/>
+        <p:nvPr/>
+      </p:nvGrpSpPr>
+      <p:grpSpPr>
+        <a:xfrm>
+          <a:off x="0" y="0"/>
+          <a:ext cx="0" cy="0"/>
+          <a:chOff x="0" y="0"/>
+          <a:chExt cx="0" cy="0"/>
+        </a:xfrm>
+      </p:grpSpPr>
+      <p:sp>
+        <p:nvSpPr>
+          <p:cNvPr id="2" name="Title 1"/>
+          <p:cNvSpPr>
+            <a:spLocks noGrp="1"/>
+          </p:cNvSpPr>
+          <p:nvPr>
+            <p:ph type="title"/>
+          </p:nvPr>
+        </p:nvSpPr>
+        <p:spPr/>
+        <p:txBody>
+          <a:bodyPr/>
+          <a:lstStyle/>
+          <a:p>
+            <a:r>
+              <a:rPr lang="ru-RU" dirty="0" smtClean="0"/>
+              <a:t>Системы конфигурирования</a:t>
+            </a:r>
+            <a:endParaRPr lang="en-US" dirty="0"/>
+          </a:p>
+        </p:txBody>
+      </p:sp>
+      <p:sp>
+        <p:nvSpPr>
+          <p:cNvPr id="3" name="Content Placeholder 2"/>
+          <p:cNvSpPr>
+            <a:spLocks noGrp="1"/>
+          </p:cNvSpPr>
+          <p:nvPr>
+            <p:ph idx="1"/>
+          </p:nvPr>
+        </p:nvSpPr>
+        <p:spPr/>
+        <p:txBody>
+          <a:bodyPr/>
+          <a:lstStyle/>
+          <a:p>
+            <a:r>
+              <a:rPr lang="ru-RU" dirty="0" smtClean="0"/>
+              <a:t>Механизм настройки приложения для определённых условий</a:t>
+            </a:r>
+          </a:p>
+          <a:p>
+            <a:endParaRPr lang="ru-RU" dirty="0" smtClean="0"/>
+          </a:p>
+          <a:p>
+            <a:endParaRPr lang="ru-RU" dirty="0" smtClean="0"/>
+          </a:p>
+          <a:p>
+            <a:r>
+              <a:rPr lang="en-US" dirty="0" smtClean="0"/>
+              <a:t>boost::</a:t>
+            </a:r>
+            <a:r>
+              <a:rPr lang="en-US" dirty="0" err="1" smtClean="0"/>
+              <a:t>program_options</a:t>
+            </a:r>
+            <a:endParaRPr lang="en-US" dirty="0" smtClean="0"/>
+          </a:p>
+          <a:p>
+            <a:r>
+              <a:rPr lang="en-US" dirty="0" smtClean="0"/>
+              <a:t>Config4Cpp ?</a:t>
+            </a:r>
+            <a:endParaRPr lang="ru-RU" dirty="0" smtClean="0"/>
           </a:p>
         </p:txBody>
       </p:sp>
@@ -4045,7 +6846,13 @@
               <a:rPr lang="en-US" dirty="0" smtClean="0">
                 <a:hlinkClick r:id="rId2"/>
               </a:rPr>
-              <a:t>http://msdn.microsoft.com/en-us/library/x98tx3cf%28v=vs.90%29.aspx</a:t>
+              <a:t>https://</a:t>
+            </a:r>
+            <a:r>
+              <a:rPr lang="en-US" dirty="0" smtClean="0">
+                <a:hlinkClick r:id="rId2"/>
+              </a:rPr>
+              <a:t>github.com/config4star/config4cpp</a:t>
             </a:r>
             <a:endParaRPr lang="en-US" dirty="0" smtClean="0"/>
           </a:p>
@@ -4089,7 +6896,7 @@
 </p:sld>
 </file>
 
-<file path=ppt/slides/slide3.xml><?xml version="1.0" encoding="utf-8"?>
+<file path=ppt/slides/slide13.xml><?xml version="1.0" encoding="utf-8"?>
 <p:sld xmlns:a="http://schemas.openxmlformats.org/drawingml/2006/main" xmlns:r="http://schemas.openxmlformats.org/officeDocument/2006/relationships" xmlns:p="http://schemas.openxmlformats.org/presentationml/2006/main">
   <p:cSld>
     <p:spTree>
@@ -4118,12 +6925,385 @@
         </p:nvSpPr>
         <p:spPr/>
         <p:txBody>
+          <a:bodyPr>
+            <a:normAutofit fontScale="90000"/>
+          </a:bodyPr>
+          <a:lstStyle/>
+          <a:p>
+            <a:r>
+              <a:rPr lang="ru-RU" dirty="0" smtClean="0"/>
+              <a:t>Требования к системам конфигурирования</a:t>
+            </a:r>
+            <a:endParaRPr lang="en-US" dirty="0"/>
+          </a:p>
+        </p:txBody>
+      </p:sp>
+      <p:sp>
+        <p:nvSpPr>
+          <p:cNvPr id="3" name="Content Placeholder 2"/>
+          <p:cNvSpPr>
+            <a:spLocks noGrp="1"/>
+          </p:cNvSpPr>
+          <p:nvPr>
+            <p:ph idx="1"/>
+          </p:nvPr>
+        </p:nvSpPr>
+        <p:spPr/>
+        <p:txBody>
           <a:bodyPr/>
           <a:lstStyle/>
           <a:p>
             <a:r>
-              <a:rPr lang="en-US" dirty="0" smtClean="0"/>
-              <a:t>Visual Studio Std Output</a:t>
+              <a:rPr lang="ru-RU" dirty="0" smtClean="0"/>
+              <a:t>Возможность ввода большого количества параметров</a:t>
+            </a:r>
+          </a:p>
+          <a:p>
+            <a:r>
+              <a:rPr lang="ru-RU" dirty="0" smtClean="0"/>
+              <a:t>Возможность доступа из всех необходимых частей приложения (без копирования)</a:t>
+            </a:r>
+          </a:p>
+          <a:p>
+            <a:r>
+              <a:rPr lang="ru-RU" dirty="0" smtClean="0"/>
+              <a:t>Возможность создания </a:t>
+            </a:r>
+            <a:r>
+              <a:rPr lang="en-US" dirty="0" smtClean="0"/>
+              <a:t>“namespace”</a:t>
+            </a:r>
+          </a:p>
+          <a:p>
+            <a:r>
+              <a:rPr lang="ru-RU" dirty="0" smtClean="0"/>
+              <a:t>Возможность разбиения конфигурационных файлов и автоматического включения</a:t>
+            </a:r>
+            <a:endParaRPr lang="en-US" dirty="0"/>
+          </a:p>
+        </p:txBody>
+      </p:sp>
+    </p:spTree>
+  </p:cSld>
+  <p:clrMapOvr>
+    <a:masterClrMapping/>
+  </p:clrMapOvr>
+</p:sld>
+</file>
+
+<file path=ppt/slides/slide14.xml><?xml version="1.0" encoding="utf-8"?>
+<p:sld xmlns:a="http://schemas.openxmlformats.org/drawingml/2006/main" xmlns:r="http://schemas.openxmlformats.org/officeDocument/2006/relationships" xmlns:p="http://schemas.openxmlformats.org/presentationml/2006/main">
+  <p:cSld>
+    <p:spTree>
+      <p:nvGrpSpPr>
+        <p:cNvPr id="1" name=""/>
+        <p:cNvGrpSpPr/>
+        <p:nvPr/>
+      </p:nvGrpSpPr>
+      <p:grpSpPr>
+        <a:xfrm>
+          <a:off x="0" y="0"/>
+          <a:ext cx="0" cy="0"/>
+          <a:chOff x="0" y="0"/>
+          <a:chExt cx="0" cy="0"/>
+        </a:xfrm>
+      </p:grpSpPr>
+      <p:sp>
+        <p:nvSpPr>
+          <p:cNvPr id="2" name="Title 1"/>
+          <p:cNvSpPr>
+            <a:spLocks noGrp="1"/>
+          </p:cNvSpPr>
+          <p:nvPr>
+            <p:ph type="title"/>
+          </p:nvPr>
+        </p:nvSpPr>
+        <p:spPr/>
+        <p:txBody>
+          <a:bodyPr>
+            <a:normAutofit fontScale="90000"/>
+          </a:bodyPr>
+          <a:lstStyle/>
+          <a:p>
+            <a:r>
+              <a:rPr lang="ru-RU" dirty="0" smtClean="0"/>
+              <a:t>Примеры конфигурационных файлов</a:t>
+            </a:r>
+            <a:endParaRPr lang="en-US" dirty="0"/>
+          </a:p>
+        </p:txBody>
+      </p:sp>
+      <p:sp>
+        <p:nvSpPr>
+          <p:cNvPr id="3" name="Content Placeholder 2"/>
+          <p:cNvSpPr>
+            <a:spLocks noGrp="1"/>
+          </p:cNvSpPr>
+          <p:nvPr>
+            <p:ph idx="1"/>
+          </p:nvPr>
+        </p:nvSpPr>
+        <p:spPr/>
+        <p:txBody>
+          <a:bodyPr>
+            <a:normAutofit fontScale="70000" lnSpcReduction="20000"/>
+          </a:bodyPr>
+          <a:lstStyle/>
+          <a:p>
+            <a:pPr>
+              <a:buNone/>
+            </a:pPr>
+            <a:r>
+              <a:rPr lang="en-US" dirty="0" err="1" smtClean="0"/>
+              <a:t>foo</a:t>
+            </a:r>
+            <a:r>
+              <a:rPr lang="en-US" dirty="0" smtClean="0"/>
+              <a:t> </a:t>
+            </a:r>
+            <a:endParaRPr lang="ru-RU" dirty="0" smtClean="0"/>
+          </a:p>
+          <a:p>
+            <a:pPr>
+              <a:buNone/>
+            </a:pPr>
+            <a:r>
+              <a:rPr lang="en-US" dirty="0" smtClean="0"/>
+              <a:t>{ </a:t>
+            </a:r>
+            <a:endParaRPr lang="ru-RU" dirty="0" smtClean="0"/>
+          </a:p>
+          <a:p>
+            <a:pPr>
+              <a:buNone/>
+            </a:pPr>
+            <a:r>
+              <a:rPr lang="ru-RU" dirty="0" smtClean="0"/>
+              <a:t>	</a:t>
+            </a:r>
+            <a:r>
+              <a:rPr lang="en-US" dirty="0" smtClean="0"/>
+              <a:t>timeout </a:t>
+            </a:r>
+            <a:r>
+              <a:rPr lang="en-US" dirty="0" smtClean="0"/>
+              <a:t>= "5 seconds"; </a:t>
+            </a:r>
+            <a:endParaRPr lang="ru-RU" dirty="0" smtClean="0"/>
+          </a:p>
+          <a:p>
+            <a:pPr>
+              <a:buNone/>
+            </a:pPr>
+            <a:r>
+              <a:rPr lang="ru-RU" dirty="0" smtClean="0"/>
+              <a:t>	</a:t>
+            </a:r>
+            <a:r>
+              <a:rPr lang="en-US" dirty="0" smtClean="0"/>
+              <a:t>log </a:t>
+            </a:r>
+            <a:endParaRPr lang="ru-RU" dirty="0" smtClean="0"/>
+          </a:p>
+          <a:p>
+            <a:pPr>
+              <a:buNone/>
+            </a:pPr>
+            <a:r>
+              <a:rPr lang="ru-RU" dirty="0" smtClean="0"/>
+              <a:t>	</a:t>
+            </a:r>
+            <a:r>
+              <a:rPr lang="en-US" dirty="0" smtClean="0"/>
+              <a:t>{ </a:t>
+            </a:r>
+            <a:endParaRPr lang="ru-RU" dirty="0" smtClean="0"/>
+          </a:p>
+          <a:p>
+            <a:pPr>
+              <a:buNone/>
+            </a:pPr>
+            <a:r>
+              <a:rPr lang="ru-RU" dirty="0" smtClean="0"/>
+              <a:t>	</a:t>
+            </a:r>
+            <a:r>
+              <a:rPr lang="ru-RU" dirty="0" smtClean="0"/>
+              <a:t>	</a:t>
+            </a:r>
+            <a:r>
+              <a:rPr lang="en-US" dirty="0" smtClean="0"/>
+              <a:t>level </a:t>
+            </a:r>
+            <a:r>
+              <a:rPr lang="en-US" dirty="0" smtClean="0"/>
+              <a:t>= "2"; </a:t>
+            </a:r>
+            <a:endParaRPr lang="ru-RU" dirty="0" smtClean="0"/>
+          </a:p>
+          <a:p>
+            <a:pPr>
+              <a:buNone/>
+            </a:pPr>
+            <a:r>
+              <a:rPr lang="ru-RU" dirty="0" smtClean="0"/>
+              <a:t>	</a:t>
+            </a:r>
+            <a:r>
+              <a:rPr lang="ru-RU" dirty="0" smtClean="0"/>
+              <a:t>	</a:t>
+            </a:r>
+            <a:r>
+              <a:rPr lang="en-US" dirty="0" smtClean="0"/>
+              <a:t>dir </a:t>
+            </a:r>
+            <a:r>
+              <a:rPr lang="en-US" dirty="0" smtClean="0"/>
+              <a:t>= "/</a:t>
+            </a:r>
+            <a:r>
+              <a:rPr lang="en-US" dirty="0" err="1" smtClean="0"/>
+              <a:t>tmp</a:t>
+            </a:r>
+            <a:r>
+              <a:rPr lang="en-US" dirty="0" smtClean="0"/>
+              <a:t>"; </a:t>
+            </a:r>
+            <a:endParaRPr lang="ru-RU" dirty="0" smtClean="0"/>
+          </a:p>
+          <a:p>
+            <a:pPr>
+              <a:buNone/>
+            </a:pPr>
+            <a:r>
+              <a:rPr lang="ru-RU" dirty="0" smtClean="0"/>
+              <a:t>	</a:t>
+            </a:r>
+            <a:r>
+              <a:rPr lang="en-US" dirty="0" smtClean="0"/>
+              <a:t>} </a:t>
+            </a:r>
+            <a:endParaRPr lang="ru-RU" dirty="0" smtClean="0"/>
+          </a:p>
+          <a:p>
+            <a:pPr>
+              <a:buNone/>
+            </a:pPr>
+            <a:r>
+              <a:rPr lang="ru-RU" dirty="0" smtClean="0"/>
+              <a:t>	</a:t>
+            </a:r>
+            <a:r>
+              <a:rPr lang="en-US" dirty="0" err="1" smtClean="0"/>
+              <a:t>colour</a:t>
+            </a:r>
+            <a:r>
+              <a:rPr lang="en-US" dirty="0" smtClean="0"/>
+              <a:t> </a:t>
+            </a:r>
+            <a:r>
+              <a:rPr lang="en-US" dirty="0" smtClean="0"/>
+              <a:t>= "green"; </a:t>
+            </a:r>
+            <a:endParaRPr lang="ru-RU" dirty="0" smtClean="0"/>
+          </a:p>
+          <a:p>
+            <a:pPr>
+              <a:buNone/>
+            </a:pPr>
+            <a:r>
+              <a:rPr lang="ru-RU" dirty="0" smtClean="0"/>
+              <a:t>	</a:t>
+            </a:r>
+            <a:r>
+              <a:rPr lang="en-US" dirty="0" err="1" smtClean="0"/>
+              <a:t>int_list</a:t>
+            </a:r>
+            <a:r>
+              <a:rPr lang="en-US" dirty="0" smtClean="0"/>
+              <a:t> </a:t>
+            </a:r>
+            <a:r>
+              <a:rPr lang="en-US" dirty="0" smtClean="0"/>
+              <a:t>= ["1", "2", "3"]; </a:t>
+            </a:r>
+            <a:endParaRPr lang="ru-RU" dirty="0" smtClean="0"/>
+          </a:p>
+          <a:p>
+            <a:pPr>
+              <a:buNone/>
+            </a:pPr>
+            <a:r>
+              <a:rPr lang="ru-RU" dirty="0" smtClean="0"/>
+              <a:t>	</a:t>
+            </a:r>
+            <a:r>
+              <a:rPr lang="en-US" dirty="0" smtClean="0"/>
+              <a:t>temperature </a:t>
+            </a:r>
+            <a:r>
+              <a:rPr lang="en-US" dirty="0" smtClean="0"/>
+              <a:t>= "29 C"; </a:t>
+            </a:r>
+            <a:endParaRPr lang="ru-RU" dirty="0" smtClean="0"/>
+          </a:p>
+          <a:p>
+            <a:pPr>
+              <a:buNone/>
+            </a:pPr>
+            <a:r>
+              <a:rPr lang="en-US" dirty="0" smtClean="0"/>
+              <a:t>}</a:t>
+            </a:r>
+            <a:endParaRPr lang="en-US" dirty="0"/>
+          </a:p>
+        </p:txBody>
+      </p:sp>
+    </p:spTree>
+  </p:cSld>
+  <p:clrMapOvr>
+    <a:masterClrMapping/>
+  </p:clrMapOvr>
+</p:sld>
+</file>
+
+<file path=ppt/slides/slide15.xml><?xml version="1.0" encoding="utf-8"?>
+<p:sld xmlns:a="http://schemas.openxmlformats.org/drawingml/2006/main" xmlns:r="http://schemas.openxmlformats.org/officeDocument/2006/relationships" xmlns:p="http://schemas.openxmlformats.org/presentationml/2006/main">
+  <p:cSld>
+    <p:spTree>
+      <p:nvGrpSpPr>
+        <p:cNvPr id="1" name=""/>
+        <p:cNvGrpSpPr/>
+        <p:nvPr/>
+      </p:nvGrpSpPr>
+      <p:grpSpPr>
+        <a:xfrm>
+          <a:off x="0" y="0"/>
+          <a:ext cx="0" cy="0"/>
+          <a:chOff x="0" y="0"/>
+          <a:chExt cx="0" cy="0"/>
+        </a:xfrm>
+      </p:grpSpPr>
+      <p:sp>
+        <p:nvSpPr>
+          <p:cNvPr id="2" name="Title 1"/>
+          <p:cNvSpPr>
+            <a:spLocks noGrp="1"/>
+          </p:cNvSpPr>
+          <p:nvPr>
+            <p:ph type="title"/>
+          </p:nvPr>
+        </p:nvSpPr>
+        <p:spPr/>
+        <p:txBody>
+          <a:bodyPr>
+            <a:normAutofit fontScale="90000"/>
+          </a:bodyPr>
+          <a:lstStyle/>
+          <a:p>
+            <a:r>
+              <a:rPr lang="ru-RU" dirty="0" smtClean="0"/>
+              <a:t>Примеры конфигурационных файлов</a:t>
             </a:r>
             <a:endParaRPr lang="en-US" dirty="0"/>
           </a:p>
@@ -4148,125 +7328,1048 @@
               <a:buNone/>
             </a:pPr>
             <a:r>
-              <a:rPr lang="en-US" dirty="0" smtClean="0"/>
-              <a:t>{79} normal block at 0x00000000000D2860, 14 bytes long.</a:t>
-            </a:r>
-          </a:p>
-          <a:p>
-            <a:pPr>
-              <a:buNone/>
-            </a:pPr>
-            <a:r>
-              <a:rPr lang="en-US" dirty="0" smtClean="0"/>
-              <a:t> Data: &lt;              &gt; CD </a:t>
-            </a:r>
+              <a:rPr lang="en-US" sz="2000" dirty="0" err="1" smtClean="0">
+                <a:latin typeface="Consolas" pitchFamily="49" charset="0"/>
+                <a:cs typeface="Consolas" pitchFamily="49" charset="0"/>
+              </a:rPr>
+              <a:t>CtaTradeLines</a:t>
+            </a:r>
+            <a:r>
+              <a:rPr lang="en-US" sz="2000" dirty="0" smtClean="0">
+                <a:latin typeface="Consolas" pitchFamily="49" charset="0"/>
+                <a:cs typeface="Consolas" pitchFamily="49" charset="0"/>
+              </a:rPr>
+              <a:t> = t1</a:t>
+            </a:r>
+          </a:p>
+          <a:p>
+            <a:endParaRPr lang="en-US" sz="2000" dirty="0" smtClean="0">
+              <a:latin typeface="Consolas" pitchFamily="49" charset="0"/>
+              <a:cs typeface="Consolas" pitchFamily="49" charset="0"/>
+            </a:endParaRPr>
+          </a:p>
+          <a:p>
+            <a:pPr>
+              <a:buNone/>
+            </a:pPr>
+            <a:r>
+              <a:rPr lang="en-US" sz="2000" dirty="0" smtClean="0">
+                <a:latin typeface="Consolas" pitchFamily="49" charset="0"/>
+                <a:cs typeface="Consolas" pitchFamily="49" charset="0"/>
+              </a:rPr>
+              <a:t>CtaTradeLine.t1.multicast_addr = 233.200.79.128</a:t>
+            </a:r>
+          </a:p>
+          <a:p>
+            <a:pPr>
+              <a:buNone/>
+            </a:pPr>
+            <a:r>
+              <a:rPr lang="en-US" sz="2000" dirty="0" smtClean="0">
+                <a:latin typeface="Consolas" pitchFamily="49" charset="0"/>
+                <a:cs typeface="Consolas" pitchFamily="49" charset="0"/>
+              </a:rPr>
+              <a:t>CtaTradeLine.t1.port = 62128</a:t>
+            </a:r>
+          </a:p>
+          <a:p>
+            <a:pPr>
+              <a:buNone/>
+            </a:pPr>
+            <a:r>
+              <a:rPr lang="en-US" sz="2000" dirty="0" smtClean="0">
+                <a:latin typeface="Consolas" pitchFamily="49" charset="0"/>
+                <a:cs typeface="Consolas" pitchFamily="49" charset="0"/>
+              </a:rPr>
+              <a:t>CtaTradeLine.t1.log_file = _</a:t>
+            </a:r>
+            <a:r>
+              <a:rPr lang="en-US" sz="2000" dirty="0" smtClean="0">
+                <a:latin typeface="Consolas" pitchFamily="49" charset="0"/>
+                <a:cs typeface="Consolas" pitchFamily="49" charset="0"/>
+              </a:rPr>
+              <a:t>cta_in_t01.log</a:t>
+            </a:r>
+          </a:p>
+          <a:p>
+            <a:pPr>
+              <a:buNone/>
+            </a:pPr>
+            <a:endParaRPr lang="en-US" sz="2000" dirty="0" smtClean="0">
+              <a:latin typeface="Consolas" pitchFamily="49" charset="0"/>
+              <a:cs typeface="Consolas" pitchFamily="49" charset="0"/>
+            </a:endParaRPr>
+          </a:p>
+          <a:p>
+            <a:pPr>
+              <a:buNone/>
+            </a:pPr>
+            <a:r>
+              <a:rPr lang="en-US" sz="2000" dirty="0" smtClean="0">
+                <a:latin typeface="Consolas" pitchFamily="49" charset="0"/>
+                <a:cs typeface="Consolas" pitchFamily="49" charset="0"/>
+              </a:rPr>
+              <a:t>include &lt;</a:t>
+            </a:r>
+            <a:r>
+              <a:rPr lang="en-US" sz="2000" dirty="0" err="1" smtClean="0">
+                <a:latin typeface="Consolas" pitchFamily="49" charset="0"/>
+                <a:cs typeface="Consolas" pitchFamily="49" charset="0"/>
+              </a:rPr>
+              <a:t>other_file_name</a:t>
+            </a:r>
+            <a:r>
+              <a:rPr lang="en-US" sz="2000" dirty="0" smtClean="0">
+                <a:latin typeface="Consolas" pitchFamily="49" charset="0"/>
+                <a:cs typeface="Consolas" pitchFamily="49" charset="0"/>
+              </a:rPr>
+              <a:t>&gt;.</a:t>
+            </a:r>
+            <a:r>
+              <a:rPr lang="en-US" sz="2000" dirty="0" err="1" smtClean="0">
+                <a:latin typeface="Consolas" pitchFamily="49" charset="0"/>
+                <a:cs typeface="Consolas" pitchFamily="49" charset="0"/>
+              </a:rPr>
+              <a:t>ini</a:t>
+            </a:r>
+            <a:endParaRPr lang="en-US" sz="2000" dirty="0" smtClean="0">
+              <a:latin typeface="Consolas" pitchFamily="49" charset="0"/>
+              <a:cs typeface="Consolas" pitchFamily="49" charset="0"/>
+            </a:endParaRPr>
+          </a:p>
+          <a:p>
+            <a:pPr>
+              <a:buNone/>
+            </a:pPr>
+            <a:endParaRPr lang="en-US" sz="2000" dirty="0" smtClean="0">
+              <a:latin typeface="Consolas" pitchFamily="49" charset="0"/>
+              <a:cs typeface="Consolas" pitchFamily="49" charset="0"/>
+            </a:endParaRPr>
+          </a:p>
+        </p:txBody>
+      </p:sp>
+    </p:spTree>
+  </p:cSld>
+  <p:clrMapOvr>
+    <a:masterClrMapping/>
+  </p:clrMapOvr>
+</p:sld>
+</file>
+
+<file path=ppt/slides/slide16.xml><?xml version="1.0" encoding="utf-8"?>
+<p:sld xmlns:a="http://schemas.openxmlformats.org/drawingml/2006/main" xmlns:r="http://schemas.openxmlformats.org/officeDocument/2006/relationships" xmlns:p="http://schemas.openxmlformats.org/presentationml/2006/main">
+  <p:cSld>
+    <p:spTree>
+      <p:nvGrpSpPr>
+        <p:cNvPr id="1" name=""/>
+        <p:cNvGrpSpPr/>
+        <p:nvPr/>
+      </p:nvGrpSpPr>
+      <p:grpSpPr>
+        <a:xfrm>
+          <a:off x="0" y="0"/>
+          <a:ext cx="0" cy="0"/>
+          <a:chOff x="0" y="0"/>
+          <a:chExt cx="0" cy="0"/>
+        </a:xfrm>
+      </p:grpSpPr>
+      <p:sp>
+        <p:nvSpPr>
+          <p:cNvPr id="2" name="Title 1"/>
+          <p:cNvSpPr>
+            <a:spLocks noGrp="1"/>
+          </p:cNvSpPr>
+          <p:nvPr>
+            <p:ph type="title"/>
+          </p:nvPr>
+        </p:nvSpPr>
+        <p:spPr/>
+        <p:txBody>
+          <a:bodyPr/>
+          <a:lstStyle/>
+          <a:p>
+            <a:r>
+              <a:rPr lang="ru-RU" dirty="0" smtClean="0"/>
+              <a:t>Системы </a:t>
+            </a:r>
+            <a:r>
+              <a:rPr lang="ru-RU" dirty="0" err="1" smtClean="0"/>
+              <a:t>журналирования</a:t>
+            </a:r>
+            <a:endParaRPr lang="en-US" dirty="0"/>
+          </a:p>
+        </p:txBody>
+      </p:sp>
+      <p:sp>
+        <p:nvSpPr>
+          <p:cNvPr id="3" name="Content Placeholder 2"/>
+          <p:cNvSpPr>
+            <a:spLocks noGrp="1"/>
+          </p:cNvSpPr>
+          <p:nvPr>
+            <p:ph idx="1"/>
+          </p:nvPr>
+        </p:nvSpPr>
+        <p:spPr/>
+        <p:txBody>
+          <a:bodyPr/>
+          <a:lstStyle/>
+          <a:p>
+            <a:r>
+              <a:rPr lang="ru-RU" dirty="0" smtClean="0"/>
+              <a:t>Механизм поиска ошибок для работающих систем</a:t>
+            </a:r>
+          </a:p>
+          <a:p>
+            <a:r>
+              <a:rPr lang="ru-RU" dirty="0" smtClean="0"/>
+              <a:t>Механизм отладки приложений в условиях отсутствия компилятора</a:t>
+            </a:r>
+          </a:p>
+          <a:p>
+            <a:endParaRPr lang="ru-RU" dirty="0" smtClean="0"/>
+          </a:p>
+          <a:p>
             <a:r>
               <a:rPr lang="en-US" dirty="0" err="1" smtClean="0"/>
-              <a:t>CD</a:t>
-            </a:r>
-            <a:r>
-              <a:rPr lang="en-US" dirty="0" smtClean="0"/>
-              <a:t> </a:t>
+              <a:t>Syslog-ng</a:t>
+            </a:r>
+            <a:endParaRPr lang="en-US" dirty="0" smtClean="0"/>
+          </a:p>
+          <a:p>
+            <a:r>
+              <a:rPr lang="en-US" dirty="0" smtClean="0"/>
+              <a:t>Boost::Log</a:t>
+            </a:r>
+          </a:p>
+          <a:p>
+            <a:r>
+              <a:rPr lang="en-US" dirty="0" smtClean="0"/>
+              <a:t>log4cpp</a:t>
+            </a:r>
+            <a:endParaRPr lang="en-US" dirty="0"/>
+          </a:p>
+        </p:txBody>
+      </p:sp>
+      <p:pic>
+        <p:nvPicPr>
+          <p:cNvPr id="2051" name="Picture 3"/>
+          <p:cNvPicPr>
+            <a:picLocks noChangeAspect="1" noChangeArrowheads="1"/>
+          </p:cNvPicPr>
+          <p:nvPr/>
+        </p:nvPicPr>
+        <p:blipFill>
+          <a:blip r:embed="rId2" cstate="print"/>
+          <a:srcRect/>
+          <a:stretch>
+            <a:fillRect/>
+          </a:stretch>
+        </p:blipFill>
+        <p:spPr bwMode="auto">
+          <a:xfrm>
+            <a:off x="5715000" y="3276600"/>
+            <a:ext cx="2891645" cy="1928812"/>
+          </a:xfrm>
+          <a:prstGeom prst="rect">
+            <a:avLst/>
+          </a:prstGeom>
+          <a:noFill/>
+          <a:ln w="9525">
+            <a:noFill/>
+            <a:miter lim="800000"/>
+            <a:headEnd/>
+            <a:tailEnd/>
+          </a:ln>
+        </p:spPr>
+      </p:pic>
+    </p:spTree>
+  </p:cSld>
+  <p:clrMapOvr>
+    <a:masterClrMapping/>
+  </p:clrMapOvr>
+</p:sld>
+</file>
+
+<file path=ppt/slides/slide17.xml><?xml version="1.0" encoding="utf-8"?>
+<p:sld xmlns:a="http://schemas.openxmlformats.org/drawingml/2006/main" xmlns:r="http://schemas.openxmlformats.org/officeDocument/2006/relationships" xmlns:p="http://schemas.openxmlformats.org/presentationml/2006/main">
+  <p:cSld>
+    <p:spTree>
+      <p:nvGrpSpPr>
+        <p:cNvPr id="1" name=""/>
+        <p:cNvGrpSpPr/>
+        <p:nvPr/>
+      </p:nvGrpSpPr>
+      <p:grpSpPr>
+        <a:xfrm>
+          <a:off x="0" y="0"/>
+          <a:ext cx="0" cy="0"/>
+          <a:chOff x="0" y="0"/>
+          <a:chExt cx="0" cy="0"/>
+        </a:xfrm>
+      </p:grpSpPr>
+      <p:sp>
+        <p:nvSpPr>
+          <p:cNvPr id="2" name="Title 1"/>
+          <p:cNvSpPr>
+            <a:spLocks noGrp="1"/>
+          </p:cNvSpPr>
+          <p:nvPr>
+            <p:ph type="title"/>
+          </p:nvPr>
+        </p:nvSpPr>
+        <p:spPr/>
+        <p:txBody>
+          <a:bodyPr>
+            <a:normAutofit fontScale="90000"/>
+          </a:bodyPr>
+          <a:lstStyle/>
+          <a:p>
+            <a:r>
+              <a:rPr lang="ru-RU" dirty="0" smtClean="0"/>
+              <a:t>Требования к системам </a:t>
+            </a:r>
+            <a:r>
+              <a:rPr lang="ru-RU" dirty="0" err="1" smtClean="0"/>
+              <a:t>журналирования</a:t>
+            </a:r>
+            <a:endParaRPr lang="en-US" dirty="0"/>
+          </a:p>
+        </p:txBody>
+      </p:sp>
+      <p:sp>
+        <p:nvSpPr>
+          <p:cNvPr id="3" name="Content Placeholder 2"/>
+          <p:cNvSpPr>
+            <a:spLocks noGrp="1"/>
+          </p:cNvSpPr>
+          <p:nvPr>
+            <p:ph idx="1"/>
+          </p:nvPr>
+        </p:nvSpPr>
+        <p:spPr/>
+        <p:txBody>
+          <a:bodyPr>
+            <a:normAutofit lnSpcReduction="10000"/>
+          </a:bodyPr>
+          <a:lstStyle/>
+          <a:p>
+            <a:r>
+              <a:rPr lang="ru-RU" dirty="0" smtClean="0"/>
+              <a:t>Корректная выдача требуемых сообщений разделённых на типы</a:t>
+            </a:r>
+          </a:p>
+          <a:p>
+            <a:r>
+              <a:rPr lang="ru-RU" dirty="0" smtClean="0"/>
+              <a:t>Выдача времени генерации по необходимости</a:t>
+            </a:r>
+          </a:p>
+          <a:p>
+            <a:r>
+              <a:rPr lang="ru-RU" dirty="0" smtClean="0"/>
+              <a:t>Параметризируемый вывод</a:t>
+            </a:r>
+          </a:p>
+          <a:p>
+            <a:r>
+              <a:rPr lang="ru-RU" dirty="0" smtClean="0"/>
+              <a:t>Контроль размера файлов журналов на </a:t>
             </a:r>
             <a:r>
               <a:rPr lang="en-US" dirty="0" err="1" smtClean="0"/>
-              <a:t>CD</a:t>
-            </a:r>
-            <a:r>
-              <a:rPr lang="en-US" dirty="0" smtClean="0"/>
-              <a:t> </a:t>
-            </a:r>
+              <a:t>hdd</a:t>
+            </a:r>
+            <a:r>
+              <a:rPr lang="en-US" dirty="0" smtClean="0"/>
+              <a:t> (</a:t>
+            </a:r>
+            <a:r>
+              <a:rPr lang="ru-RU" dirty="0" smtClean="0"/>
+              <a:t>или где ещё)</a:t>
+            </a:r>
+          </a:p>
+          <a:p>
+            <a:r>
+              <a:rPr lang="ru-RU" dirty="0" smtClean="0"/>
+              <a:t>Возможность контроля влияния на приложение</a:t>
+            </a:r>
+          </a:p>
+          <a:p>
+            <a:endParaRPr lang="en-US" dirty="0"/>
+          </a:p>
+        </p:txBody>
+      </p:sp>
+    </p:spTree>
+  </p:cSld>
+  <p:clrMapOvr>
+    <a:masterClrMapping/>
+  </p:clrMapOvr>
+</p:sld>
+</file>
+
+<file path=ppt/slides/slide18.xml><?xml version="1.0" encoding="utf-8"?>
+<p:sld xmlns:a="http://schemas.openxmlformats.org/drawingml/2006/main" xmlns:r="http://schemas.openxmlformats.org/officeDocument/2006/relationships" xmlns:p="http://schemas.openxmlformats.org/presentationml/2006/main">
+  <p:cSld>
+    <p:spTree>
+      <p:nvGrpSpPr>
+        <p:cNvPr id="1" name=""/>
+        <p:cNvGrpSpPr/>
+        <p:nvPr/>
+      </p:nvGrpSpPr>
+      <p:grpSpPr>
+        <a:xfrm>
+          <a:off x="0" y="0"/>
+          <a:ext cx="0" cy="0"/>
+          <a:chOff x="0" y="0"/>
+          <a:chExt cx="0" cy="0"/>
+        </a:xfrm>
+      </p:grpSpPr>
+      <p:sp>
+        <p:nvSpPr>
+          <p:cNvPr id="2" name="Title 1"/>
+          <p:cNvSpPr>
+            <a:spLocks noGrp="1"/>
+          </p:cNvSpPr>
+          <p:nvPr>
+            <p:ph type="title"/>
+          </p:nvPr>
+        </p:nvSpPr>
+        <p:spPr/>
+        <p:txBody>
+          <a:bodyPr/>
+          <a:lstStyle/>
+          <a:p>
+            <a:r>
+              <a:rPr lang="ru-RU" dirty="0" smtClean="0"/>
+              <a:t>Примеры работы</a:t>
+            </a:r>
+            <a:endParaRPr lang="en-US" dirty="0"/>
+          </a:p>
+        </p:txBody>
+      </p:sp>
+      <p:sp>
+        <p:nvSpPr>
+          <p:cNvPr id="3" name="Content Placeholder 2"/>
+          <p:cNvSpPr>
+            <a:spLocks noGrp="1"/>
+          </p:cNvSpPr>
+          <p:nvPr>
+            <p:ph idx="1"/>
+          </p:nvPr>
+        </p:nvSpPr>
+        <p:spPr/>
+        <p:txBody>
+          <a:bodyPr>
+            <a:normAutofit/>
+          </a:bodyPr>
+          <a:lstStyle/>
+          <a:p>
+            <a:pPr>
+              <a:buNone/>
+            </a:pPr>
+            <a:r>
+              <a:rPr lang="en-US" sz="2000" dirty="0" smtClean="0">
+                <a:latin typeface="Consolas" pitchFamily="49" charset="0"/>
+                <a:cs typeface="Consolas" pitchFamily="49" charset="0"/>
+              </a:rPr>
+              <a:t>Algorithm: </a:t>
+            </a:r>
+            <a:r>
+              <a:rPr lang="en-US" sz="2000" dirty="0" err="1" smtClean="0">
+                <a:latin typeface="Consolas" pitchFamily="49" charset="0"/>
+                <a:cs typeface="Consolas" pitchFamily="49" charset="0"/>
+              </a:rPr>
+              <a:t>artificial_stock_trading_algorithm</a:t>
+            </a:r>
+            <a:r>
+              <a:rPr lang="en-US" sz="2000" dirty="0" smtClean="0">
+                <a:latin typeface="Consolas" pitchFamily="49" charset="0"/>
+                <a:cs typeface="Consolas" pitchFamily="49" charset="0"/>
+              </a:rPr>
+              <a:t> (ArbReflectorAlgo#0.1.6.5 - Pursuit the market) loaded.</a:t>
+            </a:r>
+          </a:p>
+          <a:p>
+            <a:pPr>
+              <a:buNone/>
+            </a:pPr>
+            <a:r>
+              <a:rPr lang="en-US" sz="2000" dirty="0" smtClean="0">
+                <a:latin typeface="Consolas" pitchFamily="49" charset="0"/>
+                <a:cs typeface="Consolas" pitchFamily="49" charset="0"/>
+              </a:rPr>
+              <a:t>System started</a:t>
+            </a:r>
+          </a:p>
+          <a:p>
+            <a:pPr>
+              <a:buNone/>
+            </a:pPr>
+            <a:r>
+              <a:rPr lang="en-US" sz="2000" dirty="0" smtClean="0">
+                <a:latin typeface="Consolas" pitchFamily="49" charset="0"/>
+                <a:cs typeface="Consolas" pitchFamily="49" charset="0"/>
+              </a:rPr>
+              <a:t>Threads created and started</a:t>
+            </a:r>
+          </a:p>
+          <a:p>
+            <a:pPr>
+              <a:buNone/>
+            </a:pPr>
+            <a:endParaRPr lang="en-US" sz="2000" dirty="0" smtClean="0">
+              <a:latin typeface="Consolas" pitchFamily="49" charset="0"/>
+              <a:cs typeface="Consolas" pitchFamily="49" charset="0"/>
+            </a:endParaRPr>
+          </a:p>
+          <a:p>
+            <a:pPr>
+              <a:buNone/>
+            </a:pPr>
+            <a:r>
+              <a:rPr lang="en-US" sz="2000" dirty="0" smtClean="0">
+                <a:latin typeface="Consolas" pitchFamily="49" charset="0"/>
+                <a:cs typeface="Consolas" pitchFamily="49" charset="0"/>
+              </a:rPr>
+              <a:t>[</a:t>
+            </a:r>
+            <a:r>
+              <a:rPr lang="en-US" sz="2000" dirty="0" smtClean="0">
+                <a:latin typeface="Consolas" pitchFamily="49" charset="0"/>
+                <a:cs typeface="Consolas" pitchFamily="49" charset="0"/>
+              </a:rPr>
+              <a:t>2013-Apr-17 14:18:59.228022:NOTE   ]: used default: </a:t>
+            </a:r>
+            <a:r>
+              <a:rPr lang="en-US" sz="2000" dirty="0" err="1" smtClean="0">
+                <a:latin typeface="Consolas" pitchFamily="49" charset="0"/>
+                <a:cs typeface="Consolas" pitchFamily="49" charset="0"/>
+              </a:rPr>
+              <a:t>filtering_available</a:t>
+            </a:r>
+            <a:r>
+              <a:rPr lang="en-US" sz="2000" dirty="0" smtClean="0">
+                <a:latin typeface="Consolas" pitchFamily="49" charset="0"/>
+                <a:cs typeface="Consolas" pitchFamily="49" charset="0"/>
+              </a:rPr>
+              <a:t> = no</a:t>
+            </a:r>
+          </a:p>
+          <a:p>
+            <a:pPr>
+              <a:buNone/>
+            </a:pPr>
+            <a:r>
+              <a:rPr lang="en-US" sz="2000" dirty="0" smtClean="0">
+                <a:latin typeface="Consolas" pitchFamily="49" charset="0"/>
+                <a:cs typeface="Consolas" pitchFamily="49" charset="0"/>
+              </a:rPr>
+              <a:t>[2013-Apr-17 14:18:59.229022:NOTE   ]: used default: </a:t>
+            </a:r>
+            <a:r>
+              <a:rPr lang="en-US" sz="2000" dirty="0" err="1" smtClean="0">
+                <a:latin typeface="Consolas" pitchFamily="49" charset="0"/>
+                <a:cs typeface="Consolas" pitchFamily="49" charset="0"/>
+              </a:rPr>
+              <a:t>global.big_image_drawing.dir</a:t>
+            </a:r>
+            <a:r>
+              <a:rPr lang="en-US" sz="2000" dirty="0" smtClean="0">
+                <a:latin typeface="Consolas" pitchFamily="49" charset="0"/>
+                <a:cs typeface="Consolas" pitchFamily="49" charset="0"/>
+              </a:rPr>
+              <a:t> = D:/usr/_environments/bs_stat/results/images/</a:t>
+            </a:r>
+          </a:p>
+          <a:p>
+            <a:pPr>
+              <a:buNone/>
+            </a:pPr>
+            <a:r>
+              <a:rPr lang="en-US" sz="2000" dirty="0" smtClean="0">
+                <a:latin typeface="Consolas" pitchFamily="49" charset="0"/>
+                <a:cs typeface="Consolas" pitchFamily="49" charset="0"/>
+              </a:rPr>
+              <a:t>[2013-Apr-17 14:18:59.229022:NOTE   ]: used default: </a:t>
+            </a:r>
+            <a:r>
+              <a:rPr lang="en-US" sz="2000" dirty="0" err="1" smtClean="0">
+                <a:latin typeface="Consolas" pitchFamily="49" charset="0"/>
+                <a:cs typeface="Consolas" pitchFamily="49" charset="0"/>
+              </a:rPr>
+              <a:t>global.instrument.parameters.file.path.postfix</a:t>
+            </a:r>
+            <a:r>
+              <a:rPr lang="en-US" sz="2000" dirty="0" smtClean="0">
+                <a:latin typeface="Consolas" pitchFamily="49" charset="0"/>
+                <a:cs typeface="Consolas" pitchFamily="49" charset="0"/>
+              </a:rPr>
+              <a:t> = \InstInfo.txt</a:t>
+            </a:r>
+          </a:p>
+          <a:p>
+            <a:endParaRPr lang="en-US" dirty="0"/>
+          </a:p>
+        </p:txBody>
+      </p:sp>
+    </p:spTree>
+  </p:cSld>
+  <p:clrMapOvr>
+    <a:masterClrMapping/>
+  </p:clrMapOvr>
+</p:sld>
+</file>
+
+<file path=ppt/slides/slide19.xml><?xml version="1.0" encoding="utf-8"?>
+<p:sld xmlns:a="http://schemas.openxmlformats.org/drawingml/2006/main" xmlns:r="http://schemas.openxmlformats.org/officeDocument/2006/relationships" xmlns:p="http://schemas.openxmlformats.org/presentationml/2006/main">
+  <p:cSld>
+    <p:spTree>
+      <p:nvGrpSpPr>
+        <p:cNvPr id="1" name=""/>
+        <p:cNvGrpSpPr/>
+        <p:nvPr/>
+      </p:nvGrpSpPr>
+      <p:grpSpPr>
+        <a:xfrm>
+          <a:off x="0" y="0"/>
+          <a:ext cx="0" cy="0"/>
+          <a:chOff x="0" y="0"/>
+          <a:chExt cx="0" cy="0"/>
+        </a:xfrm>
+      </p:grpSpPr>
+      <p:sp>
+        <p:nvSpPr>
+          <p:cNvPr id="2" name="Title 1"/>
+          <p:cNvSpPr>
+            <a:spLocks noGrp="1"/>
+          </p:cNvSpPr>
+          <p:nvPr>
+            <p:ph type="title"/>
+          </p:nvPr>
+        </p:nvSpPr>
+        <p:spPr/>
+        <p:txBody>
+          <a:bodyPr>
+            <a:normAutofit fontScale="90000"/>
+          </a:bodyPr>
+          <a:lstStyle/>
+          <a:p>
+            <a:r>
+              <a:rPr lang="ru-RU" dirty="0" smtClean="0"/>
+              <a:t>Системы передачи информации между модулями</a:t>
+            </a:r>
+            <a:endParaRPr lang="en-US" dirty="0"/>
+          </a:p>
+        </p:txBody>
+      </p:sp>
+      <p:graphicFrame>
+        <p:nvGraphicFramePr>
+          <p:cNvPr id="6" name="Content Placeholder 5"/>
+          <p:cNvGraphicFramePr>
+            <a:graphicFrameLocks noGrp="1"/>
+          </p:cNvGraphicFramePr>
+          <p:nvPr>
+            <p:ph idx="1"/>
+          </p:nvPr>
+        </p:nvGraphicFramePr>
+        <p:xfrm>
+          <a:off x="457200" y="2179637"/>
+          <a:ext cx="8229600" cy="2773363"/>
+        </p:xfrm>
+        <a:graphic>
+          <a:graphicData uri="http://schemas.openxmlformats.org/drawingml/2006/diagram">
+            <dgm:relIds xmlns:dgm="http://schemas.openxmlformats.org/drawingml/2006/diagram" xmlns:r="http://schemas.openxmlformats.org/officeDocument/2006/relationships" r:dm="rId2" r:lo="rId3" r:qs="rId4" r:cs="rId5"/>
+          </a:graphicData>
+        </a:graphic>
+      </p:graphicFrame>
+      <p:sp>
+        <p:nvSpPr>
+          <p:cNvPr id="7" name="Rectangle 6"/>
+          <p:cNvSpPr/>
+          <p:nvPr/>
+        </p:nvSpPr>
+        <p:spPr>
+          <a:xfrm>
+            <a:off x="6152186" y="6172200"/>
+            <a:ext cx="1925014" cy="369332"/>
+          </a:xfrm>
+          <a:prstGeom prst="rect">
+            <a:avLst/>
+          </a:prstGeom>
+        </p:spPr>
+        <p:txBody>
+          <a:bodyPr wrap="none">
+            <a:spAutoFit/>
+          </a:bodyPr>
+          <a:lstStyle/>
+          <a:p>
+            <a:r>
+              <a:rPr lang="en-US" dirty="0" smtClean="0"/>
+              <a:t>Thread safe queue</a:t>
+            </a:r>
+            <a:endParaRPr lang="en-US" dirty="0"/>
+          </a:p>
+        </p:txBody>
+      </p:sp>
+      <p:sp>
+        <p:nvSpPr>
+          <p:cNvPr id="8" name="Rectangle 7"/>
+          <p:cNvSpPr/>
+          <p:nvPr/>
+        </p:nvSpPr>
+        <p:spPr>
+          <a:xfrm>
+            <a:off x="685800" y="5791200"/>
+            <a:ext cx="2090637" cy="369332"/>
+          </a:xfrm>
+          <a:prstGeom prst="rect">
+            <a:avLst/>
+          </a:prstGeom>
+        </p:spPr>
+        <p:txBody>
+          <a:bodyPr wrap="none">
+            <a:spAutoFit/>
+          </a:bodyPr>
+          <a:lstStyle/>
+          <a:p>
+            <a:r>
+              <a:rPr lang="en-US" dirty="0" smtClean="0"/>
+              <a:t>Callback mechanism</a:t>
+            </a:r>
+            <a:endParaRPr lang="en-US" dirty="0"/>
+          </a:p>
+        </p:txBody>
+      </p:sp>
+      <p:sp>
+        <p:nvSpPr>
+          <p:cNvPr id="9" name="Rectangle 8"/>
+          <p:cNvSpPr/>
+          <p:nvPr/>
+        </p:nvSpPr>
+        <p:spPr>
+          <a:xfrm>
+            <a:off x="1524000" y="6172200"/>
+            <a:ext cx="2858603" cy="369332"/>
+          </a:xfrm>
+          <a:prstGeom prst="rect">
+            <a:avLst/>
+          </a:prstGeom>
+        </p:spPr>
+        <p:txBody>
+          <a:bodyPr wrap="none">
+            <a:spAutoFit/>
+          </a:bodyPr>
+          <a:lstStyle/>
+          <a:p>
             <a:r>
               <a:rPr lang="en-US" dirty="0" err="1" smtClean="0"/>
-              <a:t>CD</a:t>
-            </a:r>
-            <a:r>
-              <a:rPr lang="en-US" dirty="0" smtClean="0"/>
-              <a:t> </a:t>
-            </a:r>
-            <a:r>
-              <a:rPr lang="en-US" dirty="0" err="1" smtClean="0"/>
-              <a:t>CD</a:t>
-            </a:r>
-            <a:r>
-              <a:rPr lang="en-US" dirty="0" smtClean="0"/>
-              <a:t> </a:t>
-            </a:r>
-            <a:r>
-              <a:rPr lang="en-US" dirty="0" err="1" smtClean="0"/>
-              <a:t>CD</a:t>
-            </a:r>
-            <a:r>
-              <a:rPr lang="en-US" dirty="0" smtClean="0"/>
-              <a:t> </a:t>
-            </a:r>
-            <a:r>
-              <a:rPr lang="en-US" dirty="0" err="1" smtClean="0"/>
-              <a:t>CD</a:t>
-            </a:r>
-            <a:r>
-              <a:rPr lang="en-US" dirty="0" smtClean="0"/>
-              <a:t> </a:t>
-            </a:r>
-            <a:r>
-              <a:rPr lang="en-US" dirty="0" err="1" smtClean="0"/>
-              <a:t>CD</a:t>
-            </a:r>
-            <a:r>
-              <a:rPr lang="en-US" dirty="0" smtClean="0"/>
-              <a:t> </a:t>
-            </a:r>
-            <a:r>
-              <a:rPr lang="en-US" dirty="0" err="1" smtClean="0"/>
-              <a:t>CD</a:t>
-            </a:r>
-            <a:r>
-              <a:rPr lang="en-US" dirty="0" smtClean="0"/>
-              <a:t> </a:t>
-            </a:r>
-            <a:r>
-              <a:rPr lang="en-US" dirty="0" err="1" smtClean="0"/>
-              <a:t>CD</a:t>
-            </a:r>
-            <a:r>
-              <a:rPr lang="en-US" dirty="0" smtClean="0"/>
-              <a:t> </a:t>
-            </a:r>
-            <a:r>
-              <a:rPr lang="en-US" dirty="0" err="1" smtClean="0"/>
-              <a:t>CD</a:t>
-            </a:r>
-            <a:r>
-              <a:rPr lang="en-US" dirty="0" smtClean="0"/>
-              <a:t> </a:t>
-            </a:r>
-            <a:r>
-              <a:rPr lang="en-US" dirty="0" err="1" smtClean="0"/>
-              <a:t>CD</a:t>
-            </a:r>
-            <a:r>
-              <a:rPr lang="en-US" dirty="0" smtClean="0"/>
-              <a:t> </a:t>
-            </a:r>
-            <a:r>
-              <a:rPr lang="en-US" dirty="0" err="1" smtClean="0"/>
-              <a:t>CD</a:t>
-            </a:r>
-            <a:r>
-              <a:rPr lang="en-US" dirty="0" smtClean="0"/>
-              <a:t> </a:t>
-            </a:r>
-            <a:r>
-              <a:rPr lang="en-US" dirty="0" err="1" smtClean="0"/>
-              <a:t>CD</a:t>
-            </a:r>
-            <a:r>
-              <a:rPr lang="en-US" dirty="0" smtClean="0"/>
-              <a:t> </a:t>
-            </a:r>
-          </a:p>
-          <a:p>
+              <a:t>Interprocess</a:t>
+            </a:r>
+            <a:r>
+              <a:rPr lang="en-US" dirty="0" smtClean="0"/>
+              <a:t> communication</a:t>
+            </a:r>
             <a:endParaRPr lang="en-US" dirty="0"/>
+          </a:p>
+        </p:txBody>
+      </p:sp>
+      <p:sp>
+        <p:nvSpPr>
+          <p:cNvPr id="10" name="Rectangle 9"/>
+          <p:cNvSpPr/>
+          <p:nvPr/>
+        </p:nvSpPr>
+        <p:spPr>
+          <a:xfrm>
+            <a:off x="4704386" y="6172200"/>
+            <a:ext cx="994055" cy="369332"/>
+          </a:xfrm>
+          <a:prstGeom prst="rect">
+            <a:avLst/>
+          </a:prstGeom>
+        </p:spPr>
+        <p:txBody>
+          <a:bodyPr wrap="none">
+            <a:spAutoFit/>
+          </a:bodyPr>
+          <a:lstStyle/>
+          <a:p>
+            <a:r>
+              <a:rPr lang="en-US" dirty="0" smtClean="0"/>
+              <a:t>Network</a:t>
+            </a:r>
+            <a:endParaRPr lang="en-US" dirty="0"/>
+          </a:p>
+        </p:txBody>
+      </p:sp>
+    </p:spTree>
+  </p:cSld>
+  <p:clrMapOvr>
+    <a:masterClrMapping/>
+  </p:clrMapOvr>
+</p:sld>
+</file>
+
+<file path=ppt/slides/slide2.xml><?xml version="1.0" encoding="utf-8"?>
+<p:sld xmlns:a="http://schemas.openxmlformats.org/drawingml/2006/main" xmlns:r="http://schemas.openxmlformats.org/officeDocument/2006/relationships" xmlns:p="http://schemas.openxmlformats.org/presentationml/2006/main">
+  <p:cSld>
+    <p:spTree>
+      <p:nvGrpSpPr>
+        <p:cNvPr id="1" name=""/>
+        <p:cNvGrpSpPr/>
+        <p:nvPr/>
+      </p:nvGrpSpPr>
+      <p:grpSpPr>
+        <a:xfrm>
+          <a:off x="0" y="0"/>
+          <a:ext cx="0" cy="0"/>
+          <a:chOff x="0" y="0"/>
+          <a:chExt cx="0" cy="0"/>
+        </a:xfrm>
+      </p:grpSpPr>
+      <p:sp>
+        <p:nvSpPr>
+          <p:cNvPr id="2" name="Title 1"/>
+          <p:cNvSpPr>
+            <a:spLocks noGrp="1"/>
+          </p:cNvSpPr>
+          <p:nvPr>
+            <p:ph type="title"/>
+          </p:nvPr>
+        </p:nvSpPr>
+        <p:spPr/>
+        <p:txBody>
+          <a:bodyPr/>
+          <a:lstStyle/>
+          <a:p>
+            <a:r>
+              <a:rPr lang="en-US" dirty="0" smtClean="0"/>
+              <a:t>Visual Studio Way</a:t>
+            </a:r>
+            <a:endParaRPr lang="en-US" dirty="0"/>
+          </a:p>
+        </p:txBody>
+      </p:sp>
+      <p:sp>
+        <p:nvSpPr>
+          <p:cNvPr id="3" name="Content Placeholder 2"/>
+          <p:cNvSpPr>
+            <a:spLocks noGrp="1"/>
+          </p:cNvSpPr>
+          <p:nvPr>
+            <p:ph idx="1"/>
+          </p:nvPr>
+        </p:nvSpPr>
+        <p:spPr/>
+        <p:txBody>
+          <a:bodyPr>
+            <a:normAutofit/>
+          </a:bodyPr>
+          <a:lstStyle/>
+          <a:p>
+            <a:pPr>
+              <a:buNone/>
+            </a:pPr>
+            <a:r>
+              <a:rPr lang="en-US" sz="2000" dirty="0" smtClean="0">
+                <a:latin typeface="Consolas" pitchFamily="49" charset="0"/>
+                <a:cs typeface="Consolas" pitchFamily="49" charset="0"/>
+              </a:rPr>
+              <a:t>#define _CRTDBG_MAP_ALLOC </a:t>
+            </a:r>
+          </a:p>
+          <a:p>
+            <a:pPr>
+              <a:buNone/>
+            </a:pPr>
+            <a:r>
+              <a:rPr lang="en-US" sz="2000" dirty="0" smtClean="0">
+                <a:latin typeface="Consolas" pitchFamily="49" charset="0"/>
+                <a:cs typeface="Consolas" pitchFamily="49" charset="0"/>
+              </a:rPr>
+              <a:t>#</a:t>
+            </a:r>
+            <a:r>
+              <a:rPr lang="en-US" sz="2000" dirty="0" smtClean="0">
+                <a:latin typeface="Consolas" pitchFamily="49" charset="0"/>
+                <a:cs typeface="Consolas" pitchFamily="49" charset="0"/>
+              </a:rPr>
+              <a:t>include </a:t>
+            </a:r>
+            <a:r>
+              <a:rPr lang="en-US" sz="2000" dirty="0" smtClean="0">
+                <a:latin typeface="Consolas" pitchFamily="49" charset="0"/>
+                <a:cs typeface="Consolas" pitchFamily="49" charset="0"/>
+              </a:rPr>
+              <a:t>&lt;</a:t>
+            </a:r>
+            <a:r>
+              <a:rPr lang="en-US" sz="2000" dirty="0" err="1" smtClean="0">
+                <a:latin typeface="Consolas" pitchFamily="49" charset="0"/>
+                <a:cs typeface="Consolas" pitchFamily="49" charset="0"/>
+              </a:rPr>
+              <a:t>stdlib.h</a:t>
+            </a:r>
+            <a:r>
+              <a:rPr lang="en-US" sz="2000" dirty="0" smtClean="0">
+                <a:latin typeface="Consolas" pitchFamily="49" charset="0"/>
+                <a:cs typeface="Consolas" pitchFamily="49" charset="0"/>
+              </a:rPr>
+              <a:t>&gt; </a:t>
+            </a:r>
+          </a:p>
+          <a:p>
+            <a:pPr>
+              <a:buNone/>
+            </a:pPr>
+            <a:r>
+              <a:rPr lang="en-US" sz="2000" dirty="0" smtClean="0">
+                <a:latin typeface="Consolas" pitchFamily="49" charset="0"/>
+                <a:cs typeface="Consolas" pitchFamily="49" charset="0"/>
+              </a:rPr>
+              <a:t>#include &lt;</a:t>
+            </a:r>
+            <a:r>
+              <a:rPr lang="en-US" sz="2000" dirty="0" err="1" smtClean="0">
+                <a:latin typeface="Consolas" pitchFamily="49" charset="0"/>
+                <a:cs typeface="Consolas" pitchFamily="49" charset="0"/>
+              </a:rPr>
+              <a:t>crtdbg.h</a:t>
+            </a:r>
+            <a:r>
+              <a:rPr lang="en-US" sz="2000" dirty="0" smtClean="0">
+                <a:latin typeface="Consolas" pitchFamily="49" charset="0"/>
+                <a:cs typeface="Consolas" pitchFamily="49" charset="0"/>
+              </a:rPr>
+              <a:t>&gt;</a:t>
+            </a:r>
+          </a:p>
+          <a:p>
+            <a:endParaRPr lang="en-US" sz="2000" dirty="0" smtClean="0">
+              <a:latin typeface="Consolas" pitchFamily="49" charset="0"/>
+              <a:cs typeface="Consolas" pitchFamily="49" charset="0"/>
+            </a:endParaRPr>
+          </a:p>
+          <a:p>
+            <a:pPr>
+              <a:buNone/>
+            </a:pPr>
+            <a:r>
+              <a:rPr lang="en-US" sz="2000" dirty="0" err="1" smtClean="0">
+                <a:latin typeface="Consolas" pitchFamily="49" charset="0"/>
+                <a:cs typeface="Consolas" pitchFamily="49" charset="0"/>
+              </a:rPr>
+              <a:t>int</a:t>
+            </a:r>
+            <a:r>
+              <a:rPr lang="en-US" sz="2000" dirty="0" smtClean="0">
+                <a:latin typeface="Consolas" pitchFamily="49" charset="0"/>
+                <a:cs typeface="Consolas" pitchFamily="49" charset="0"/>
+              </a:rPr>
+              <a:t> main()</a:t>
+            </a:r>
+          </a:p>
+          <a:p>
+            <a:pPr>
+              <a:buNone/>
+            </a:pPr>
+            <a:r>
+              <a:rPr lang="en-US" sz="2000" dirty="0" smtClean="0">
+                <a:latin typeface="Consolas" pitchFamily="49" charset="0"/>
+                <a:cs typeface="Consolas" pitchFamily="49" charset="0"/>
+              </a:rPr>
+              <a:t>{</a:t>
+            </a:r>
+          </a:p>
+          <a:p>
+            <a:pPr>
+              <a:buNone/>
+            </a:pPr>
+            <a:r>
+              <a:rPr lang="en-US" sz="2000" dirty="0" smtClean="0">
+                <a:latin typeface="Consolas" pitchFamily="49" charset="0"/>
+                <a:cs typeface="Consolas" pitchFamily="49" charset="0"/>
+              </a:rPr>
+              <a:t>		_</a:t>
+            </a:r>
+            <a:r>
+              <a:rPr lang="en-US" sz="2000" dirty="0" err="1" smtClean="0">
+                <a:latin typeface="Consolas" pitchFamily="49" charset="0"/>
+                <a:cs typeface="Consolas" pitchFamily="49" charset="0"/>
+              </a:rPr>
+              <a:t>CrtSetDbgFlag</a:t>
+            </a:r>
+            <a:r>
+              <a:rPr lang="en-US" sz="2000" dirty="0" smtClean="0">
+                <a:latin typeface="Consolas" pitchFamily="49" charset="0"/>
+                <a:cs typeface="Consolas" pitchFamily="49" charset="0"/>
+              </a:rPr>
+              <a:t> ( _CRTDBG_ALLOC_MEM_DF | 			_CRTDBG_LEAK_CHECK_DF );</a:t>
+            </a:r>
+          </a:p>
+          <a:p>
+            <a:pPr>
+              <a:buNone/>
+            </a:pPr>
+            <a:r>
+              <a:rPr lang="en-US" sz="2000" dirty="0" smtClean="0">
+                <a:latin typeface="Consolas" pitchFamily="49" charset="0"/>
+                <a:cs typeface="Consolas" pitchFamily="49" charset="0"/>
+              </a:rPr>
+              <a:t>		_</a:t>
+            </a:r>
+            <a:r>
+              <a:rPr lang="en-US" sz="2000" dirty="0" err="1" smtClean="0">
+                <a:latin typeface="Consolas" pitchFamily="49" charset="0"/>
+                <a:cs typeface="Consolas" pitchFamily="49" charset="0"/>
+              </a:rPr>
+              <a:t>CrtDumpMemoryLeaks</a:t>
+            </a:r>
+            <a:r>
+              <a:rPr lang="en-US" sz="2000" dirty="0" smtClean="0">
+                <a:latin typeface="Consolas" pitchFamily="49" charset="0"/>
+                <a:cs typeface="Consolas" pitchFamily="49" charset="0"/>
+              </a:rPr>
+              <a:t>();</a:t>
+            </a:r>
+          </a:p>
+          <a:p>
+            <a:pPr>
+              <a:buNone/>
+            </a:pPr>
+            <a:endParaRPr lang="en-US" sz="2000" dirty="0" smtClean="0">
+              <a:latin typeface="Consolas" pitchFamily="49" charset="0"/>
+              <a:cs typeface="Consolas" pitchFamily="49" charset="0"/>
+            </a:endParaRPr>
+          </a:p>
+          <a:p>
+            <a:pPr>
+              <a:buNone/>
+            </a:pPr>
+            <a:r>
+              <a:rPr lang="en-US" sz="2000" dirty="0" smtClean="0">
+                <a:latin typeface="Consolas" pitchFamily="49" charset="0"/>
+                <a:cs typeface="Consolas" pitchFamily="49" charset="0"/>
+              </a:rPr>
+              <a:t>		// actions</a:t>
+            </a:r>
+          </a:p>
+          <a:p>
+            <a:pPr>
+              <a:buNone/>
+            </a:pPr>
+            <a:r>
+              <a:rPr lang="en-US" sz="2000" dirty="0" smtClean="0">
+                <a:latin typeface="Consolas" pitchFamily="49" charset="0"/>
+                <a:cs typeface="Consolas" pitchFamily="49" charset="0"/>
+              </a:rPr>
+              <a:t>}</a:t>
+            </a:r>
+            <a:endParaRPr lang="en-US" sz="2000" dirty="0">
+              <a:latin typeface="Consolas" pitchFamily="49" charset="0"/>
+              <a:cs typeface="Consolas" pitchFamily="49" charset="0"/>
+            </a:endParaRPr>
           </a:p>
         </p:txBody>
       </p:sp>
@@ -4293,22 +8396,10 @@
           <a:p>
             <a:pPr algn="r"/>
             <a:r>
-              <a:rPr lang="en-US" smtClean="0">
+              <a:rPr lang="en-US" dirty="0" smtClean="0">
                 <a:hlinkClick r:id="rId2"/>
               </a:rPr>
-              <a:t>http://</a:t>
-            </a:r>
-            <a:r>
-              <a:rPr lang="en-US" smtClean="0">
-                <a:hlinkClick r:id="rId2"/>
-              </a:rPr>
-              <a:t>habrahabr.ru/post/82514</a:t>
-            </a:r>
-            <a:r>
-              <a:rPr lang="en-US" smtClean="0">
-                <a:hlinkClick r:id="rId2"/>
-              </a:rPr>
-              <a:t>/</a:t>
+              <a:t>http://msdn.microsoft.com/en-us/library/x98tx3cf%28v=vs.90%29.aspx</a:t>
             </a:r>
             <a:endParaRPr lang="en-US" dirty="0" smtClean="0"/>
           </a:p>
@@ -4344,6 +8435,2546 @@
           </a:fontRef>
         </p:style>
       </p:cxnSp>
+    </p:spTree>
+  </p:cSld>
+  <p:clrMapOvr>
+    <a:masterClrMapping/>
+  </p:clrMapOvr>
+</p:sld>
+</file>
+
+<file path=ppt/slides/slide20.xml><?xml version="1.0" encoding="utf-8"?>
+<p:sld xmlns:a="http://schemas.openxmlformats.org/drawingml/2006/main" xmlns:r="http://schemas.openxmlformats.org/officeDocument/2006/relationships" xmlns:p="http://schemas.openxmlformats.org/presentationml/2006/main">
+  <p:cSld>
+    <p:spTree>
+      <p:nvGrpSpPr>
+        <p:cNvPr id="1" name=""/>
+        <p:cNvGrpSpPr/>
+        <p:nvPr/>
+      </p:nvGrpSpPr>
+      <p:grpSpPr>
+        <a:xfrm>
+          <a:off x="0" y="0"/>
+          <a:ext cx="0" cy="0"/>
+          <a:chOff x="0" y="0"/>
+          <a:chExt cx="0" cy="0"/>
+        </a:xfrm>
+      </p:grpSpPr>
+      <p:sp>
+        <p:nvSpPr>
+          <p:cNvPr id="2" name="Title 1"/>
+          <p:cNvSpPr>
+            <a:spLocks noGrp="1"/>
+          </p:cNvSpPr>
+          <p:nvPr>
+            <p:ph type="title"/>
+          </p:nvPr>
+        </p:nvSpPr>
+        <p:spPr/>
+        <p:txBody>
+          <a:bodyPr/>
+          <a:lstStyle/>
+          <a:p>
+            <a:r>
+              <a:rPr lang="en-US" dirty="0" smtClean="0"/>
+              <a:t>Thread Safe Queue</a:t>
+            </a:r>
+            <a:endParaRPr lang="en-US" dirty="0"/>
+          </a:p>
+        </p:txBody>
+      </p:sp>
+      <p:sp>
+        <p:nvSpPr>
+          <p:cNvPr id="3" name="Content Placeholder 2"/>
+          <p:cNvSpPr>
+            <a:spLocks noGrp="1"/>
+          </p:cNvSpPr>
+          <p:nvPr>
+            <p:ph idx="1"/>
+          </p:nvPr>
+        </p:nvSpPr>
+        <p:spPr/>
+        <p:txBody>
+          <a:bodyPr>
+            <a:normAutofit fontScale="92500" lnSpcReduction="10000"/>
+          </a:bodyPr>
+          <a:lstStyle/>
+          <a:p>
+            <a:r>
+              <a:rPr lang="ru-RU" dirty="0" smtClean="0"/>
+              <a:t>Передача данных между модулями системы</a:t>
+            </a:r>
+          </a:p>
+          <a:p>
+            <a:r>
+              <a:rPr lang="ru-RU" dirty="0" smtClean="0"/>
+              <a:t>Реализация различных механизмов остановки приложения</a:t>
+            </a:r>
+          </a:p>
+          <a:p>
+            <a:r>
+              <a:rPr lang="ru-RU" dirty="0" smtClean="0"/>
+              <a:t>Контроль отсутствия утечек памяти при остановке приложения</a:t>
+            </a:r>
+          </a:p>
+          <a:p>
+            <a:r>
+              <a:rPr lang="ru-RU" dirty="0" smtClean="0"/>
+              <a:t>Возможность ожидания до появления новых данных</a:t>
+            </a:r>
+          </a:p>
+          <a:p>
+            <a:r>
+              <a:rPr lang="ru-RU" dirty="0" smtClean="0"/>
+              <a:t>Возможность контроля и ограничения роста очереди (защита от перегрузок)</a:t>
+            </a:r>
+            <a:endParaRPr lang="en-US" dirty="0" smtClean="0"/>
+          </a:p>
+        </p:txBody>
+      </p:sp>
+    </p:spTree>
+  </p:cSld>
+  <p:clrMapOvr>
+    <a:masterClrMapping/>
+  </p:clrMapOvr>
+</p:sld>
+</file>
+
+<file path=ppt/slides/slide21.xml><?xml version="1.0" encoding="utf-8"?>
+<p:sld xmlns:a="http://schemas.openxmlformats.org/drawingml/2006/main" xmlns:r="http://schemas.openxmlformats.org/officeDocument/2006/relationships" xmlns:p="http://schemas.openxmlformats.org/presentationml/2006/main">
+  <p:cSld>
+    <p:spTree>
+      <p:nvGrpSpPr>
+        <p:cNvPr id="1" name=""/>
+        <p:cNvGrpSpPr/>
+        <p:nvPr/>
+      </p:nvGrpSpPr>
+      <p:grpSpPr>
+        <a:xfrm>
+          <a:off x="0" y="0"/>
+          <a:ext cx="0" cy="0"/>
+          <a:chOff x="0" y="0"/>
+          <a:chExt cx="0" cy="0"/>
+        </a:xfrm>
+      </p:grpSpPr>
+      <p:sp>
+        <p:nvSpPr>
+          <p:cNvPr id="2" name="Title 1"/>
+          <p:cNvSpPr>
+            <a:spLocks noGrp="1"/>
+          </p:cNvSpPr>
+          <p:nvPr>
+            <p:ph type="title"/>
+          </p:nvPr>
+        </p:nvSpPr>
+        <p:spPr/>
+        <p:txBody>
+          <a:bodyPr/>
+          <a:lstStyle/>
+          <a:p>
+            <a:r>
+              <a:rPr lang="en-US" dirty="0" smtClean="0"/>
+              <a:t>Thread Safe Queue Variants</a:t>
+            </a:r>
+            <a:endParaRPr lang="en-US" dirty="0"/>
+          </a:p>
+        </p:txBody>
+      </p:sp>
+      <p:sp>
+        <p:nvSpPr>
+          <p:cNvPr id="3" name="Content Placeholder 2"/>
+          <p:cNvSpPr>
+            <a:spLocks noGrp="1"/>
+          </p:cNvSpPr>
+          <p:nvPr>
+            <p:ph idx="1"/>
+          </p:nvPr>
+        </p:nvSpPr>
+        <p:spPr/>
+        <p:txBody>
+          <a:bodyPr/>
+          <a:lstStyle/>
+          <a:p>
+            <a:r>
+              <a:rPr lang="en-US" dirty="0" smtClean="0"/>
+              <a:t>Boost::</a:t>
+            </a:r>
+            <a:r>
+              <a:rPr lang="en-US" dirty="0" err="1" smtClean="0"/>
+              <a:t>lockfree</a:t>
+            </a:r>
+            <a:endParaRPr lang="en-US" dirty="0" smtClean="0"/>
+          </a:p>
+          <a:p>
+            <a:r>
+              <a:rPr lang="en-US" dirty="0" smtClean="0"/>
+              <a:t>Your implementation</a:t>
+            </a:r>
+            <a:endParaRPr lang="en-US" dirty="0"/>
+          </a:p>
+        </p:txBody>
+      </p:sp>
+    </p:spTree>
+  </p:cSld>
+  <p:clrMapOvr>
+    <a:masterClrMapping/>
+  </p:clrMapOvr>
+</p:sld>
+</file>
+
+<file path=ppt/slides/slide22.xml><?xml version="1.0" encoding="utf-8"?>
+<p:sld xmlns:a="http://schemas.openxmlformats.org/drawingml/2006/main" xmlns:r="http://schemas.openxmlformats.org/officeDocument/2006/relationships" xmlns:p="http://schemas.openxmlformats.org/presentationml/2006/main">
+  <p:cSld>
+    <p:spTree>
+      <p:nvGrpSpPr>
+        <p:cNvPr id="1" name=""/>
+        <p:cNvGrpSpPr/>
+        <p:nvPr/>
+      </p:nvGrpSpPr>
+      <p:grpSpPr>
+        <a:xfrm>
+          <a:off x="0" y="0"/>
+          <a:ext cx="0" cy="0"/>
+          <a:chOff x="0" y="0"/>
+          <a:chExt cx="0" cy="0"/>
+        </a:xfrm>
+      </p:grpSpPr>
+      <p:sp>
+        <p:nvSpPr>
+          <p:cNvPr id="2" name="Title 1"/>
+          <p:cNvSpPr>
+            <a:spLocks noGrp="1"/>
+          </p:cNvSpPr>
+          <p:nvPr>
+            <p:ph type="title"/>
+          </p:nvPr>
+        </p:nvSpPr>
+        <p:spPr/>
+        <p:txBody>
+          <a:bodyPr/>
+          <a:lstStyle/>
+          <a:p>
+            <a:r>
+              <a:rPr lang="en-US" dirty="0" smtClean="0"/>
+              <a:t>Thread Safe Queue Example</a:t>
+            </a:r>
+            <a:endParaRPr lang="en-US" dirty="0"/>
+          </a:p>
+        </p:txBody>
+      </p:sp>
+      <p:sp>
+        <p:nvSpPr>
+          <p:cNvPr id="3" name="Content Placeholder 2"/>
+          <p:cNvSpPr>
+            <a:spLocks noGrp="1"/>
+          </p:cNvSpPr>
+          <p:nvPr>
+            <p:ph idx="1"/>
+          </p:nvPr>
+        </p:nvSpPr>
+        <p:spPr>
+          <a:xfrm>
+            <a:off x="457200" y="1371600"/>
+            <a:ext cx="8229600" cy="4754563"/>
+          </a:xfrm>
+        </p:spPr>
+        <p:txBody>
+          <a:bodyPr>
+            <a:noAutofit/>
+          </a:bodyPr>
+          <a:lstStyle/>
+          <a:p>
+            <a:pPr>
+              <a:buNone/>
+            </a:pPr>
+            <a:r>
+              <a:rPr lang="en-US" sz="1500" dirty="0" smtClean="0"/>
+              <a:t>// ----------- processing thread</a:t>
+            </a:r>
+          </a:p>
+          <a:p>
+            <a:pPr>
+              <a:buNone/>
+            </a:pPr>
+            <a:r>
+              <a:rPr lang="en-US" sz="1500" dirty="0" smtClean="0"/>
+              <a:t>while (true) {</a:t>
+            </a:r>
+          </a:p>
+          <a:p>
+            <a:pPr>
+              <a:buNone/>
+            </a:pPr>
+            <a:r>
+              <a:rPr lang="en-US" sz="1500" dirty="0" smtClean="0"/>
+              <a:t>	</a:t>
+            </a:r>
+            <a:r>
+              <a:rPr lang="en-US" sz="1500" dirty="0" err="1" smtClean="0"/>
+              <a:t>size_t</a:t>
+            </a:r>
+            <a:r>
+              <a:rPr lang="en-US" sz="1500" dirty="0" smtClean="0"/>
+              <a:t>* s = </a:t>
+            </a:r>
+            <a:r>
+              <a:rPr lang="en-US" sz="1500" dirty="0" err="1" smtClean="0"/>
+              <a:t>mq_.wait_pop</a:t>
+            </a:r>
+            <a:r>
+              <a:rPr lang="en-US" sz="1500" dirty="0" smtClean="0"/>
+              <a:t>();</a:t>
+            </a:r>
+          </a:p>
+          <a:p>
+            <a:pPr>
+              <a:buNone/>
+            </a:pPr>
+            <a:r>
+              <a:rPr lang="en-US" sz="1500" dirty="0" smtClean="0"/>
+              <a:t>	if (!s) break;</a:t>
+            </a:r>
+          </a:p>
+          <a:p>
+            <a:pPr>
+              <a:buNone/>
+            </a:pPr>
+            <a:r>
+              <a:rPr lang="en-US" sz="1500" dirty="0" smtClean="0"/>
+              <a:t>	// actions (potential memory leak)</a:t>
+            </a:r>
+          </a:p>
+          <a:p>
+            <a:pPr>
+              <a:buNone/>
+            </a:pPr>
+            <a:r>
+              <a:rPr lang="en-US" sz="1500" dirty="0" smtClean="0"/>
+              <a:t>	delete s;</a:t>
+            </a:r>
+          </a:p>
+          <a:p>
+            <a:pPr>
+              <a:buNone/>
+            </a:pPr>
+            <a:r>
+              <a:rPr lang="en-US" sz="1500" dirty="0" smtClean="0"/>
+              <a:t>}</a:t>
+            </a:r>
+          </a:p>
+          <a:p>
+            <a:pPr>
+              <a:buNone/>
+            </a:pPr>
+            <a:r>
+              <a:rPr lang="en-US" sz="1500" dirty="0" smtClean="0"/>
+              <a:t>// ----------- reader thread</a:t>
+            </a:r>
+          </a:p>
+          <a:p>
+            <a:pPr>
+              <a:buNone/>
+            </a:pPr>
+            <a:r>
+              <a:rPr lang="en-US" sz="1500" dirty="0" err="1" smtClean="0"/>
+              <a:t>size_t</a:t>
+            </a:r>
+            <a:r>
+              <a:rPr lang="en-US" sz="1500" dirty="0" smtClean="0"/>
+              <a:t> * s = new </a:t>
+            </a:r>
+            <a:r>
+              <a:rPr lang="en-US" sz="1500" dirty="0" err="1" smtClean="0"/>
+              <a:t>size_t</a:t>
+            </a:r>
+            <a:r>
+              <a:rPr lang="en-US" sz="1500" dirty="0" smtClean="0"/>
+              <a:t>( rand() % 100000 );</a:t>
+            </a:r>
+          </a:p>
+          <a:p>
+            <a:pPr>
+              <a:buNone/>
+            </a:pPr>
+            <a:r>
+              <a:rPr lang="en-US" sz="1500" dirty="0" err="1" smtClean="0"/>
+              <a:t>bool</a:t>
+            </a:r>
+            <a:r>
+              <a:rPr lang="en-US" sz="1500" dirty="0" smtClean="0"/>
+              <a:t> res = </a:t>
+            </a:r>
+            <a:r>
+              <a:rPr lang="en-US" sz="1500" dirty="0" err="1" smtClean="0"/>
+              <a:t>mq_.push</a:t>
+            </a:r>
+            <a:r>
+              <a:rPr lang="en-US" sz="1500" dirty="0" smtClean="0"/>
+              <a:t>( s );</a:t>
+            </a:r>
+          </a:p>
+          <a:p>
+            <a:pPr>
+              <a:buNone/>
+            </a:pPr>
+            <a:r>
+              <a:rPr lang="en-US" sz="1500" dirty="0" smtClean="0"/>
+              <a:t>if (!res) {</a:t>
+            </a:r>
+          </a:p>
+          <a:p>
+            <a:pPr>
+              <a:buNone/>
+            </a:pPr>
+            <a:r>
+              <a:rPr lang="en-US" sz="1500" dirty="0" smtClean="0"/>
+              <a:t>	delete s;</a:t>
+            </a:r>
+          </a:p>
+          <a:p>
+            <a:pPr>
+              <a:buNone/>
+            </a:pPr>
+            <a:r>
+              <a:rPr lang="en-US" sz="1500" dirty="0" smtClean="0"/>
+              <a:t>	// exit</a:t>
+            </a:r>
+          </a:p>
+          <a:p>
+            <a:pPr>
+              <a:buNone/>
+            </a:pPr>
+            <a:r>
+              <a:rPr lang="en-US" sz="1500" dirty="0" smtClean="0"/>
+              <a:t>}</a:t>
+            </a:r>
+          </a:p>
+          <a:p>
+            <a:pPr>
+              <a:buNone/>
+            </a:pPr>
+            <a:r>
+              <a:rPr lang="en-US" sz="1500" dirty="0" smtClean="0"/>
+              <a:t>// ----------- control thread</a:t>
+            </a:r>
+          </a:p>
+          <a:p>
+            <a:pPr>
+              <a:buNone/>
+            </a:pPr>
+            <a:r>
+              <a:rPr lang="en-US" sz="1500" dirty="0" err="1" smtClean="0"/>
+              <a:t>mq_.stop_processing</a:t>
+            </a:r>
+            <a:r>
+              <a:rPr lang="en-US" sz="1500" dirty="0" smtClean="0"/>
+              <a:t>();</a:t>
+            </a:r>
+            <a:endParaRPr lang="en-US" sz="1500" dirty="0"/>
+          </a:p>
+        </p:txBody>
+      </p:sp>
+    </p:spTree>
+  </p:cSld>
+  <p:clrMapOvr>
+    <a:masterClrMapping/>
+  </p:clrMapOvr>
+</p:sld>
+</file>
+
+<file path=ppt/slides/slide23.xml><?xml version="1.0" encoding="utf-8"?>
+<p:sld xmlns:a="http://schemas.openxmlformats.org/drawingml/2006/main" xmlns:r="http://schemas.openxmlformats.org/officeDocument/2006/relationships" xmlns:p="http://schemas.openxmlformats.org/presentationml/2006/main">
+  <p:cSld>
+    <p:spTree>
+      <p:nvGrpSpPr>
+        <p:cNvPr id="1" name=""/>
+        <p:cNvGrpSpPr/>
+        <p:nvPr/>
+      </p:nvGrpSpPr>
+      <p:grpSpPr>
+        <a:xfrm>
+          <a:off x="0" y="0"/>
+          <a:ext cx="0" cy="0"/>
+          <a:chOff x="0" y="0"/>
+          <a:chExt cx="0" cy="0"/>
+        </a:xfrm>
+      </p:grpSpPr>
+      <p:sp>
+        <p:nvSpPr>
+          <p:cNvPr id="2" name="Title 1"/>
+          <p:cNvSpPr>
+            <a:spLocks noGrp="1"/>
+          </p:cNvSpPr>
+          <p:nvPr>
+            <p:ph type="title"/>
+          </p:nvPr>
+        </p:nvSpPr>
+        <p:spPr/>
+        <p:txBody>
+          <a:bodyPr/>
+          <a:lstStyle/>
+          <a:p>
+            <a:endParaRPr lang="en-US"/>
+          </a:p>
+        </p:txBody>
+      </p:sp>
+      <p:sp>
+        <p:nvSpPr>
+          <p:cNvPr id="3" name="Content Placeholder 2"/>
+          <p:cNvSpPr>
+            <a:spLocks noGrp="1"/>
+          </p:cNvSpPr>
+          <p:nvPr>
+            <p:ph idx="1"/>
+          </p:nvPr>
+        </p:nvSpPr>
+        <p:spPr/>
+        <p:txBody>
+          <a:bodyPr/>
+          <a:lstStyle/>
+          <a:p>
+            <a:endParaRPr lang="en-US"/>
+          </a:p>
+        </p:txBody>
+      </p:sp>
+      <p:sp>
+        <p:nvSpPr>
+          <p:cNvPr id="5" name="Title 1"/>
+          <p:cNvSpPr txBox="1">
+            <a:spLocks/>
+          </p:cNvSpPr>
+          <p:nvPr/>
+        </p:nvSpPr>
+        <p:spPr>
+          <a:xfrm>
+            <a:off x="457200" y="274638"/>
+            <a:ext cx="8229600" cy="6126162"/>
+          </a:xfrm>
+          <a:prstGeom prst="rect">
+            <a:avLst/>
+          </a:prstGeom>
+        </p:spPr>
+        <p:txBody>
+          <a:bodyPr vert="horz" lIns="91440" tIns="45720" rIns="91440" bIns="45720" rtlCol="0" anchor="ctr">
+            <a:normAutofit/>
+          </a:bodyPr>
+          <a:lstStyle/>
+          <a:p>
+            <a:pPr marL="0" marR="0" lvl="0" indent="0" algn="ctr" defTabSz="914400" rtl="0" eaLnBrk="1" fontAlgn="auto" latinLnBrk="0" hangingPunct="1">
+              <a:lnSpc>
+                <a:spcPct val="100000"/>
+              </a:lnSpc>
+              <a:spcBef>
+                <a:spcPct val="0"/>
+              </a:spcBef>
+              <a:spcAft>
+                <a:spcPts val="0"/>
+              </a:spcAft>
+              <a:buClrTx/>
+              <a:buSzTx/>
+              <a:buFontTx/>
+              <a:buNone/>
+              <a:tabLst/>
+              <a:defRPr/>
+            </a:pPr>
+            <a:r>
+              <a:rPr kumimoji="0" lang="en-US" sz="9600" b="0" i="0" u="none" strike="noStrike" kern="1200" cap="none" spc="0" normalizeH="0" baseline="0" noProof="0" dirty="0" smtClean="0">
+                <a:ln>
+                  <a:noFill/>
+                </a:ln>
+                <a:solidFill>
+                  <a:schemeClr val="tx1"/>
+                </a:solidFill>
+                <a:effectLst/>
+                <a:uLnTx/>
+                <a:uFillTx/>
+                <a:latin typeface="+mj-lt"/>
+                <a:ea typeface="+mj-ea"/>
+                <a:cs typeface="+mj-cs"/>
+              </a:rPr>
+              <a:t>?</a:t>
+            </a:r>
+            <a:endParaRPr kumimoji="0" lang="en-US" sz="9600" b="0" i="0" u="none" strike="noStrike" kern="1200" cap="none" spc="0" normalizeH="0" baseline="0" noProof="0" dirty="0">
+              <a:ln>
+                <a:noFill/>
+              </a:ln>
+              <a:solidFill>
+                <a:schemeClr val="tx1"/>
+              </a:solidFill>
+              <a:effectLst/>
+              <a:uLnTx/>
+              <a:uFillTx/>
+              <a:latin typeface="+mj-lt"/>
+              <a:ea typeface="+mj-ea"/>
+              <a:cs typeface="+mj-cs"/>
+            </a:endParaRPr>
+          </a:p>
+        </p:txBody>
+      </p:sp>
+    </p:spTree>
+  </p:cSld>
+  <p:clrMapOvr>
+    <a:masterClrMapping/>
+  </p:clrMapOvr>
+</p:sld>
+</file>
+
+<file path=ppt/slides/slide24.xml><?xml version="1.0" encoding="utf-8"?>
+<p:sld xmlns:a="http://schemas.openxmlformats.org/drawingml/2006/main" xmlns:r="http://schemas.openxmlformats.org/officeDocument/2006/relationships" xmlns:p="http://schemas.openxmlformats.org/presentationml/2006/main">
+  <p:cSld>
+    <p:spTree>
+      <p:nvGrpSpPr>
+        <p:cNvPr id="1" name=""/>
+        <p:cNvGrpSpPr/>
+        <p:nvPr/>
+      </p:nvGrpSpPr>
+      <p:grpSpPr>
+        <a:xfrm>
+          <a:off x="0" y="0"/>
+          <a:ext cx="0" cy="0"/>
+          <a:chOff x="0" y="0"/>
+          <a:chExt cx="0" cy="0"/>
+        </a:xfrm>
+      </p:grpSpPr>
+      <p:sp>
+        <p:nvSpPr>
+          <p:cNvPr id="2" name="Title 1"/>
+          <p:cNvSpPr>
+            <a:spLocks noGrp="1"/>
+          </p:cNvSpPr>
+          <p:nvPr>
+            <p:ph type="title"/>
+          </p:nvPr>
+        </p:nvSpPr>
+        <p:spPr/>
+        <p:txBody>
+          <a:bodyPr/>
+          <a:lstStyle/>
+          <a:p>
+            <a:r>
+              <a:rPr lang="ru-RU" dirty="0" smtClean="0"/>
+              <a:t>Балансировка нагрузки</a:t>
+            </a:r>
+            <a:endParaRPr lang="en-US" dirty="0"/>
+          </a:p>
+        </p:txBody>
+      </p:sp>
+      <p:sp>
+        <p:nvSpPr>
+          <p:cNvPr id="3" name="Content Placeholder 2"/>
+          <p:cNvSpPr>
+            <a:spLocks noGrp="1"/>
+          </p:cNvSpPr>
+          <p:nvPr>
+            <p:ph idx="1"/>
+          </p:nvPr>
+        </p:nvSpPr>
+        <p:spPr/>
+        <p:txBody>
+          <a:bodyPr/>
+          <a:lstStyle/>
+          <a:p>
+            <a:r>
+              <a:rPr lang="ru-RU" dirty="0" smtClean="0"/>
+              <a:t>Изменение </a:t>
+            </a:r>
+            <a:r>
+              <a:rPr lang="ru-RU" dirty="0" smtClean="0"/>
+              <a:t>алгоритмов обработки и преобразования</a:t>
+            </a:r>
+            <a:endParaRPr lang="en-US" dirty="0" smtClean="0"/>
+          </a:p>
+          <a:p>
+            <a:r>
+              <a:rPr lang="ru-RU" dirty="0" smtClean="0"/>
+              <a:t>Изменения алгоритмов получения / отправки данных</a:t>
+            </a:r>
+          </a:p>
+          <a:p>
+            <a:r>
+              <a:rPr lang="ru-RU" dirty="0" smtClean="0"/>
+              <a:t>Запуск/Остановка потоков в зависимости от текущей нагрузки</a:t>
+            </a:r>
+          </a:p>
+          <a:p>
+            <a:r>
+              <a:rPr lang="ru-RU" dirty="0" smtClean="0"/>
+              <a:t>Контроль размера очередей</a:t>
+            </a:r>
+          </a:p>
+        </p:txBody>
+      </p:sp>
+    </p:spTree>
+  </p:cSld>
+  <p:clrMapOvr>
+    <a:masterClrMapping/>
+  </p:clrMapOvr>
+</p:sld>
+</file>
+
+<file path=ppt/slides/slide25.xml><?xml version="1.0" encoding="utf-8"?>
+<p:sld xmlns:a="http://schemas.openxmlformats.org/drawingml/2006/main" xmlns:r="http://schemas.openxmlformats.org/officeDocument/2006/relationships" xmlns:p="http://schemas.openxmlformats.org/presentationml/2006/main">
+  <p:cSld>
+    <p:spTree>
+      <p:nvGrpSpPr>
+        <p:cNvPr id="1" name=""/>
+        <p:cNvGrpSpPr/>
+        <p:nvPr/>
+      </p:nvGrpSpPr>
+      <p:grpSpPr>
+        <a:xfrm>
+          <a:off x="0" y="0"/>
+          <a:ext cx="0" cy="0"/>
+          <a:chOff x="0" y="0"/>
+          <a:chExt cx="0" cy="0"/>
+        </a:xfrm>
+      </p:grpSpPr>
+      <p:sp>
+        <p:nvSpPr>
+          <p:cNvPr id="2" name="Title 1"/>
+          <p:cNvSpPr>
+            <a:spLocks noGrp="1"/>
+          </p:cNvSpPr>
+          <p:nvPr>
+            <p:ph type="title"/>
+          </p:nvPr>
+        </p:nvSpPr>
+        <p:spPr/>
+        <p:txBody>
+          <a:bodyPr/>
+          <a:lstStyle/>
+          <a:p>
+            <a:r>
+              <a:rPr lang="en-US" dirty="0" smtClean="0"/>
+              <a:t>Thanks Boost</a:t>
+            </a:r>
+            <a:endParaRPr lang="en-US" dirty="0"/>
+          </a:p>
+        </p:txBody>
+      </p:sp>
+      <p:sp>
+        <p:nvSpPr>
+          <p:cNvPr id="3" name="Content Placeholder 2"/>
+          <p:cNvSpPr>
+            <a:spLocks noGrp="1"/>
+          </p:cNvSpPr>
+          <p:nvPr>
+            <p:ph idx="1"/>
+          </p:nvPr>
+        </p:nvSpPr>
+        <p:spPr/>
+        <p:txBody>
+          <a:bodyPr>
+            <a:normAutofit/>
+          </a:bodyPr>
+          <a:lstStyle/>
+          <a:p>
+            <a:pPr>
+              <a:buNone/>
+            </a:pPr>
+            <a:endParaRPr lang="en-US" sz="2000" dirty="0" smtClean="0"/>
+          </a:p>
+        </p:txBody>
+      </p:sp>
+      <p:sp>
+        <p:nvSpPr>
+          <p:cNvPr id="4" name="Rounded Rectangle 3"/>
+          <p:cNvSpPr/>
+          <p:nvPr/>
+        </p:nvSpPr>
+        <p:spPr>
+          <a:xfrm>
+            <a:off x="381000" y="1600200"/>
+            <a:ext cx="8534400" cy="4114800"/>
+          </a:xfrm>
+          <a:prstGeom prst="roundRect">
+            <a:avLst/>
+          </a:prstGeom>
+        </p:spPr>
+        <p:style>
+          <a:lnRef idx="2">
+            <a:schemeClr val="accent1">
+              <a:shade val="50000"/>
+            </a:schemeClr>
+          </a:lnRef>
+          <a:fillRef idx="1">
+            <a:schemeClr val="accent1"/>
+          </a:fillRef>
+          <a:effectRef idx="0">
+            <a:schemeClr val="accent1"/>
+          </a:effectRef>
+          <a:fontRef idx="minor">
+            <a:schemeClr val="lt1"/>
+          </a:fontRef>
+        </p:style>
+        <p:txBody>
+          <a:bodyPr rtlCol="0" anchor="ctr"/>
+          <a:lstStyle/>
+          <a:p>
+            <a:pPr>
+              <a:buNone/>
+            </a:pPr>
+            <a:r>
+              <a:rPr lang="en-US" dirty="0" smtClean="0"/>
+              <a:t>void thread( boost::</a:t>
+            </a:r>
+            <a:r>
+              <a:rPr lang="en-US" dirty="0" err="1" smtClean="0"/>
+              <a:t>asio</a:t>
+            </a:r>
+            <a:r>
+              <a:rPr lang="en-US" dirty="0" smtClean="0"/>
+              <a:t>::</a:t>
+            </a:r>
+            <a:r>
+              <a:rPr lang="en-US" dirty="0" err="1" smtClean="0"/>
+              <a:t>io_service</a:t>
+            </a:r>
+            <a:r>
+              <a:rPr lang="en-US" dirty="0" smtClean="0"/>
+              <a:t>&amp; service )</a:t>
+            </a:r>
+          </a:p>
+          <a:p>
+            <a:pPr>
+              <a:buNone/>
+            </a:pPr>
+            <a:r>
+              <a:rPr lang="en-US" dirty="0" smtClean="0"/>
+              <a:t>{</a:t>
+            </a:r>
+          </a:p>
+          <a:p>
+            <a:pPr>
+              <a:buNone/>
+            </a:pPr>
+            <a:r>
+              <a:rPr lang="en-US" dirty="0" smtClean="0"/>
+              <a:t>	</a:t>
+            </a:r>
+            <a:r>
+              <a:rPr lang="en-US" dirty="0" err="1" smtClean="0"/>
+              <a:t>service.run</a:t>
+            </a:r>
+            <a:r>
+              <a:rPr lang="en-US" dirty="0" smtClean="0"/>
+              <a:t>();</a:t>
+            </a:r>
+          </a:p>
+          <a:p>
+            <a:pPr>
+              <a:buNone/>
+            </a:pPr>
+            <a:r>
+              <a:rPr lang="en-US" dirty="0" smtClean="0"/>
+              <a:t>}</a:t>
+            </a:r>
+          </a:p>
+          <a:p>
+            <a:pPr>
+              <a:buNone/>
+            </a:pPr>
+            <a:endParaRPr lang="en-US" dirty="0" smtClean="0"/>
+          </a:p>
+          <a:p>
+            <a:pPr>
+              <a:buNone/>
+            </a:pPr>
+            <a:r>
+              <a:rPr lang="en-US" dirty="0" smtClean="0"/>
+              <a:t>// when not enough:</a:t>
+            </a:r>
+          </a:p>
+          <a:p>
+            <a:pPr>
+              <a:buNone/>
+            </a:pPr>
+            <a:r>
+              <a:rPr lang="en-US" dirty="0" smtClean="0"/>
+              <a:t>new boost::thread( boost::bind( &amp;thread, service ) );</a:t>
+            </a:r>
+          </a:p>
+          <a:p>
+            <a:pPr>
+              <a:buNone/>
+            </a:pPr>
+            <a:endParaRPr lang="en-US" dirty="0" smtClean="0"/>
+          </a:p>
+        </p:txBody>
+      </p:sp>
+    </p:spTree>
+  </p:cSld>
+  <p:clrMapOvr>
+    <a:masterClrMapping/>
+  </p:clrMapOvr>
+</p:sld>
+</file>
+
+<file path=ppt/slides/slide26.xml><?xml version="1.0" encoding="utf-8"?>
+<p:sld xmlns:a="http://schemas.openxmlformats.org/drawingml/2006/main" xmlns:r="http://schemas.openxmlformats.org/officeDocument/2006/relationships" xmlns:p="http://schemas.openxmlformats.org/presentationml/2006/main">
+  <p:cSld>
+    <p:spTree>
+      <p:nvGrpSpPr>
+        <p:cNvPr id="1" name=""/>
+        <p:cNvGrpSpPr/>
+        <p:nvPr/>
+      </p:nvGrpSpPr>
+      <p:grpSpPr>
+        <a:xfrm>
+          <a:off x="0" y="0"/>
+          <a:ext cx="0" cy="0"/>
+          <a:chOff x="0" y="0"/>
+          <a:chExt cx="0" cy="0"/>
+        </a:xfrm>
+      </p:grpSpPr>
+      <p:sp>
+        <p:nvSpPr>
+          <p:cNvPr id="2" name="Title 1"/>
+          <p:cNvSpPr>
+            <a:spLocks noGrp="1"/>
+          </p:cNvSpPr>
+          <p:nvPr>
+            <p:ph type="title"/>
+          </p:nvPr>
+        </p:nvSpPr>
+        <p:spPr/>
+        <p:txBody>
+          <a:bodyPr/>
+          <a:lstStyle/>
+          <a:p>
+            <a:r>
+              <a:rPr lang="en-US" dirty="0" smtClean="0"/>
+              <a:t>God Safe Thread Queue</a:t>
+            </a:r>
+            <a:endParaRPr lang="en-US" dirty="0"/>
+          </a:p>
+        </p:txBody>
+      </p:sp>
+      <p:sp>
+        <p:nvSpPr>
+          <p:cNvPr id="3" name="Content Placeholder 2"/>
+          <p:cNvSpPr>
+            <a:spLocks noGrp="1"/>
+          </p:cNvSpPr>
+          <p:nvPr>
+            <p:ph idx="1"/>
+          </p:nvPr>
+        </p:nvSpPr>
+        <p:spPr/>
+        <p:txBody>
+          <a:bodyPr>
+            <a:normAutofit/>
+          </a:bodyPr>
+          <a:lstStyle/>
+          <a:p>
+            <a:pPr>
+              <a:buNone/>
+            </a:pPr>
+            <a:endParaRPr lang="en-US" dirty="0"/>
+          </a:p>
+        </p:txBody>
+      </p:sp>
+      <p:sp>
+        <p:nvSpPr>
+          <p:cNvPr id="4" name="Rounded Rectangle 3"/>
+          <p:cNvSpPr/>
+          <p:nvPr/>
+        </p:nvSpPr>
+        <p:spPr>
+          <a:xfrm>
+            <a:off x="304800" y="1524000"/>
+            <a:ext cx="8534400" cy="5105400"/>
+          </a:xfrm>
+          <a:prstGeom prst="roundRect">
+            <a:avLst/>
+          </a:prstGeom>
+        </p:spPr>
+        <p:style>
+          <a:lnRef idx="2">
+            <a:schemeClr val="accent1">
+              <a:shade val="50000"/>
+            </a:schemeClr>
+          </a:lnRef>
+          <a:fillRef idx="1">
+            <a:schemeClr val="accent1"/>
+          </a:fillRef>
+          <a:effectRef idx="0">
+            <a:schemeClr val="accent1"/>
+          </a:effectRef>
+          <a:fontRef idx="minor">
+            <a:schemeClr val="lt1"/>
+          </a:fontRef>
+        </p:style>
+        <p:txBody>
+          <a:bodyPr rtlCol="0" anchor="ctr"/>
+          <a:lstStyle/>
+          <a:p>
+            <a:pPr>
+              <a:buNone/>
+            </a:pPr>
+            <a:r>
+              <a:rPr lang="en-US" dirty="0" smtClean="0"/>
+              <a:t>void processor( const </a:t>
+            </a:r>
+            <a:r>
+              <a:rPr lang="en-US" dirty="0" err="1" smtClean="0"/>
+              <a:t>size_t</a:t>
+            </a:r>
+            <a:r>
+              <a:rPr lang="en-US" dirty="0" smtClean="0"/>
+              <a:t> index, </a:t>
+            </a:r>
+            <a:r>
+              <a:rPr lang="en-US" dirty="0" err="1" smtClean="0"/>
+              <a:t>task_queue</a:t>
+            </a:r>
+            <a:r>
+              <a:rPr lang="en-US" dirty="0" smtClean="0"/>
+              <a:t>&amp; queue )</a:t>
+            </a:r>
+          </a:p>
+          <a:p>
+            <a:pPr>
+              <a:buNone/>
+            </a:pPr>
+            <a:r>
+              <a:rPr lang="en-US" dirty="0" smtClean="0"/>
+              <a:t>{</a:t>
+            </a:r>
+          </a:p>
+          <a:p>
+            <a:pPr>
+              <a:buNone/>
+            </a:pPr>
+            <a:r>
+              <a:rPr lang="en-US" dirty="0" smtClean="0"/>
+              <a:t>        while </a:t>
+            </a:r>
+            <a:r>
+              <a:rPr lang="en-US" dirty="0" smtClean="0"/>
+              <a:t>(true)</a:t>
+            </a:r>
+          </a:p>
+          <a:p>
+            <a:pPr>
+              <a:buNone/>
+            </a:pPr>
+            <a:r>
+              <a:rPr lang="en-US" dirty="0" smtClean="0"/>
+              <a:t>     </a:t>
+            </a:r>
+            <a:r>
+              <a:rPr lang="en-US" dirty="0" smtClean="0"/>
+              <a:t>   {</a:t>
+            </a:r>
+            <a:endParaRPr lang="en-US" dirty="0" smtClean="0"/>
+          </a:p>
+          <a:p>
+            <a:pPr>
+              <a:buNone/>
+            </a:pPr>
+            <a:r>
+              <a:rPr lang="en-US" dirty="0" smtClean="0"/>
+              <a:t>                 boost</a:t>
+            </a:r>
+            <a:r>
+              <a:rPr lang="en-US" dirty="0" smtClean="0"/>
+              <a:t>::</a:t>
+            </a:r>
+            <a:r>
+              <a:rPr lang="en-US" dirty="0" err="1" smtClean="0"/>
+              <a:t>scoped_ptr</a:t>
+            </a:r>
+            <a:r>
+              <a:rPr lang="en-US" dirty="0" smtClean="0"/>
+              <a:t>&lt; task &gt; </a:t>
+            </a:r>
+            <a:r>
+              <a:rPr lang="en-US" dirty="0" err="1" smtClean="0"/>
+              <a:t>task_ptr</a:t>
+            </a:r>
+            <a:r>
+              <a:rPr lang="en-US" dirty="0" smtClean="0"/>
+              <a:t>( </a:t>
+            </a:r>
+            <a:r>
+              <a:rPr lang="en-US" dirty="0" err="1" smtClean="0"/>
+              <a:t>queue.wait_pop</a:t>
+            </a:r>
+            <a:r>
+              <a:rPr lang="en-US" dirty="0" smtClean="0"/>
+              <a:t>() );</a:t>
+            </a:r>
+          </a:p>
+          <a:p>
+            <a:pPr>
+              <a:buNone/>
+            </a:pPr>
+            <a:r>
+              <a:rPr lang="en-US" dirty="0" smtClean="0"/>
+              <a:t>	</a:t>
+            </a:r>
+            <a:r>
+              <a:rPr lang="en-US" dirty="0" smtClean="0"/>
+              <a:t>if </a:t>
+            </a:r>
+            <a:r>
+              <a:rPr lang="en-US" dirty="0" smtClean="0"/>
+              <a:t>( !</a:t>
+            </a:r>
+            <a:r>
+              <a:rPr lang="en-US" dirty="0" err="1" smtClean="0"/>
+              <a:t>task_ptr</a:t>
+            </a:r>
+            <a:r>
+              <a:rPr lang="en-US" dirty="0" smtClean="0"/>
+              <a:t> )</a:t>
+            </a:r>
+          </a:p>
+          <a:p>
+            <a:pPr>
+              <a:buNone/>
+            </a:pPr>
+            <a:r>
+              <a:rPr lang="en-US" dirty="0" smtClean="0"/>
+              <a:t>	</a:t>
+            </a:r>
+            <a:r>
+              <a:rPr lang="en-US" dirty="0" smtClean="0"/>
+              <a:t>            break</a:t>
+            </a:r>
+            <a:r>
+              <a:rPr lang="en-US" dirty="0" smtClean="0"/>
+              <a:t>;</a:t>
+            </a:r>
+          </a:p>
+          <a:p>
+            <a:pPr>
+              <a:buNone/>
+            </a:pPr>
+            <a:r>
+              <a:rPr lang="en-US" dirty="0" smtClean="0"/>
+              <a:t>	</a:t>
+            </a:r>
+            <a:r>
+              <a:rPr lang="en-US" dirty="0" smtClean="0"/>
+              <a:t>(*</a:t>
+            </a:r>
+            <a:r>
+              <a:rPr lang="en-US" dirty="0" err="1" smtClean="0"/>
+              <a:t>task_ptr</a:t>
+            </a:r>
+            <a:r>
+              <a:rPr lang="en-US" dirty="0" smtClean="0"/>
+              <a:t>)();</a:t>
+            </a:r>
+          </a:p>
+          <a:p>
+            <a:pPr>
+              <a:buNone/>
+            </a:pPr>
+            <a:r>
+              <a:rPr lang="en-US" dirty="0" smtClean="0"/>
+              <a:t>	</a:t>
+            </a:r>
+            <a:r>
+              <a:rPr lang="en-US" dirty="0" smtClean="0"/>
+              <a:t>{</a:t>
+            </a:r>
+            <a:endParaRPr lang="en-US" dirty="0" smtClean="0"/>
+          </a:p>
+          <a:p>
+            <a:pPr>
+              <a:buNone/>
+            </a:pPr>
+            <a:r>
+              <a:rPr lang="en-US" dirty="0" smtClean="0"/>
+              <a:t>	 </a:t>
+            </a:r>
+            <a:r>
+              <a:rPr lang="en-US" dirty="0" smtClean="0"/>
+              <a:t>           boost</a:t>
+            </a:r>
+            <a:r>
+              <a:rPr lang="en-US" dirty="0" smtClean="0"/>
+              <a:t>::</a:t>
+            </a:r>
+            <a:r>
+              <a:rPr lang="en-US" dirty="0" err="1" smtClean="0"/>
+              <a:t>mutex</a:t>
+            </a:r>
+            <a:r>
+              <a:rPr lang="en-US" dirty="0" smtClean="0"/>
+              <a:t>::</a:t>
+            </a:r>
+            <a:r>
+              <a:rPr lang="en-US" dirty="0" err="1" smtClean="0"/>
+              <a:t>scoped_lock</a:t>
+            </a:r>
+            <a:r>
+              <a:rPr lang="en-US" dirty="0" smtClean="0"/>
+              <a:t> lock( </a:t>
+            </a:r>
+            <a:r>
+              <a:rPr lang="en-US" dirty="0" err="1" smtClean="0"/>
+              <a:t>mutex</a:t>
+            </a:r>
+            <a:r>
+              <a:rPr lang="en-US" dirty="0" smtClean="0"/>
+              <a:t> );</a:t>
+            </a:r>
+          </a:p>
+          <a:p>
+            <a:pPr>
+              <a:buNone/>
+            </a:pPr>
+            <a:r>
+              <a:rPr lang="en-US" dirty="0" smtClean="0"/>
+              <a:t>	</a:t>
+            </a:r>
+            <a:r>
+              <a:rPr lang="en-US" dirty="0" smtClean="0"/>
+              <a:t>            if </a:t>
+            </a:r>
+            <a:r>
+              <a:rPr lang="en-US" dirty="0" smtClean="0"/>
+              <a:t>( </a:t>
+            </a:r>
+            <a:r>
+              <a:rPr lang="en-US" dirty="0" err="1" smtClean="0"/>
+              <a:t>working_threads_.find</a:t>
+            </a:r>
+            <a:r>
+              <a:rPr lang="en-US" dirty="0" smtClean="0"/>
+              <a:t>( index ) == </a:t>
+            </a:r>
+            <a:r>
+              <a:rPr lang="en-US" dirty="0" err="1" smtClean="0"/>
+              <a:t>working_threads_.end</a:t>
+            </a:r>
+            <a:r>
+              <a:rPr lang="en-US" dirty="0" smtClean="0"/>
+              <a:t>() )</a:t>
+            </a:r>
+          </a:p>
+          <a:p>
+            <a:pPr>
+              <a:buNone/>
+            </a:pPr>
+            <a:r>
+              <a:rPr lang="en-US" dirty="0" smtClean="0"/>
+              <a:t>		</a:t>
+            </a:r>
+            <a:r>
+              <a:rPr lang="en-US" dirty="0" smtClean="0"/>
+              <a:t>       break</a:t>
+            </a:r>
+            <a:r>
+              <a:rPr lang="en-US" dirty="0" smtClean="0"/>
+              <a:t>;</a:t>
+            </a:r>
+          </a:p>
+          <a:p>
+            <a:pPr>
+              <a:buNone/>
+            </a:pPr>
+            <a:r>
+              <a:rPr lang="en-US" dirty="0" smtClean="0"/>
+              <a:t>	</a:t>
+            </a:r>
+            <a:r>
+              <a:rPr lang="en-US" dirty="0" smtClean="0"/>
+              <a:t>}</a:t>
+            </a:r>
+            <a:endParaRPr lang="en-US" dirty="0" smtClean="0"/>
+          </a:p>
+          <a:p>
+            <a:pPr>
+              <a:buNone/>
+            </a:pPr>
+            <a:r>
+              <a:rPr lang="en-US" dirty="0" smtClean="0"/>
+              <a:t>         }</a:t>
+            </a:r>
+            <a:endParaRPr lang="en-US" dirty="0" smtClean="0"/>
+          </a:p>
+          <a:p>
+            <a:pPr>
+              <a:buNone/>
+            </a:pPr>
+            <a:r>
+              <a:rPr lang="en-US" dirty="0" smtClean="0"/>
+              <a:t>}</a:t>
+            </a:r>
+            <a:endParaRPr lang="en-US" dirty="0" smtClean="0"/>
+          </a:p>
+        </p:txBody>
+      </p:sp>
+    </p:spTree>
+  </p:cSld>
+  <p:clrMapOvr>
+    <a:masterClrMapping/>
+  </p:clrMapOvr>
+</p:sld>
+</file>
+
+<file path=ppt/slides/slide27.xml><?xml version="1.0" encoding="utf-8"?>
+<p:sld xmlns:a="http://schemas.openxmlformats.org/drawingml/2006/main" xmlns:r="http://schemas.openxmlformats.org/officeDocument/2006/relationships" xmlns:p="http://schemas.openxmlformats.org/presentationml/2006/main">
+  <p:cSld>
+    <p:spTree>
+      <p:nvGrpSpPr>
+        <p:cNvPr id="1" name=""/>
+        <p:cNvGrpSpPr/>
+        <p:nvPr/>
+      </p:nvGrpSpPr>
+      <p:grpSpPr>
+        <a:xfrm>
+          <a:off x="0" y="0"/>
+          <a:ext cx="0" cy="0"/>
+          <a:chOff x="0" y="0"/>
+          <a:chExt cx="0" cy="0"/>
+        </a:xfrm>
+      </p:grpSpPr>
+      <p:sp>
+        <p:nvSpPr>
+          <p:cNvPr id="2" name="Title 1"/>
+          <p:cNvSpPr>
+            <a:spLocks noGrp="1"/>
+          </p:cNvSpPr>
+          <p:nvPr>
+            <p:ph type="title"/>
+          </p:nvPr>
+        </p:nvSpPr>
+        <p:spPr/>
+        <p:txBody>
+          <a:bodyPr/>
+          <a:lstStyle/>
+          <a:p>
+            <a:r>
+              <a:rPr lang="en-US" dirty="0" smtClean="0"/>
+              <a:t>God Safe Thread Queue</a:t>
+            </a:r>
+            <a:endParaRPr lang="en-US" dirty="0"/>
+          </a:p>
+        </p:txBody>
+      </p:sp>
+      <p:sp>
+        <p:nvSpPr>
+          <p:cNvPr id="3" name="Content Placeholder 2"/>
+          <p:cNvSpPr>
+            <a:spLocks noGrp="1"/>
+          </p:cNvSpPr>
+          <p:nvPr>
+            <p:ph idx="1"/>
+          </p:nvPr>
+        </p:nvSpPr>
+        <p:spPr/>
+        <p:txBody>
+          <a:bodyPr/>
+          <a:lstStyle/>
+          <a:p>
+            <a:endParaRPr lang="en-US"/>
+          </a:p>
+        </p:txBody>
+      </p:sp>
+      <p:sp>
+        <p:nvSpPr>
+          <p:cNvPr id="5" name="Rounded Rectangle 4"/>
+          <p:cNvSpPr/>
+          <p:nvPr/>
+        </p:nvSpPr>
+        <p:spPr>
+          <a:xfrm>
+            <a:off x="304800" y="1752600"/>
+            <a:ext cx="8534400" cy="4267200"/>
+          </a:xfrm>
+          <a:prstGeom prst="roundRect">
+            <a:avLst/>
+          </a:prstGeom>
+        </p:spPr>
+        <p:style>
+          <a:lnRef idx="2">
+            <a:schemeClr val="accent1">
+              <a:shade val="50000"/>
+            </a:schemeClr>
+          </a:lnRef>
+          <a:fillRef idx="1">
+            <a:schemeClr val="accent1"/>
+          </a:fillRef>
+          <a:effectRef idx="0">
+            <a:schemeClr val="accent1"/>
+          </a:effectRef>
+          <a:fontRef idx="minor">
+            <a:schemeClr val="lt1"/>
+          </a:fontRef>
+        </p:style>
+        <p:txBody>
+          <a:bodyPr rtlCol="0" anchor="ctr"/>
+          <a:lstStyle/>
+          <a:p>
+            <a:pPr>
+              <a:buNone/>
+            </a:pPr>
+            <a:r>
+              <a:rPr lang="en-US" dirty="0" err="1" smtClean="0"/>
+              <a:t>system_utilities</a:t>
+            </a:r>
+            <a:r>
+              <a:rPr lang="en-US" dirty="0" smtClean="0"/>
+              <a:t>::common::</a:t>
+            </a:r>
+            <a:r>
+              <a:rPr lang="en-US" dirty="0" err="1" smtClean="0"/>
+              <a:t>ts_queue</a:t>
+            </a:r>
+            <a:r>
+              <a:rPr lang="en-US" dirty="0" smtClean="0"/>
+              <a:t>&lt; task &gt; </a:t>
+            </a:r>
+            <a:r>
+              <a:rPr lang="en-US" dirty="0" err="1" smtClean="0"/>
+              <a:t>task_queue</a:t>
+            </a:r>
+            <a:r>
+              <a:rPr lang="en-US" dirty="0" smtClean="0"/>
+              <a:t>;</a:t>
+            </a:r>
+          </a:p>
+          <a:p>
+            <a:pPr>
+              <a:buNone/>
+            </a:pPr>
+            <a:r>
+              <a:rPr lang="en-US" dirty="0" smtClean="0"/>
+              <a:t>boost</a:t>
+            </a:r>
+            <a:r>
+              <a:rPr lang="en-US" dirty="0" smtClean="0"/>
+              <a:t>::</a:t>
+            </a:r>
+            <a:r>
+              <a:rPr lang="en-US" dirty="0" err="1" smtClean="0"/>
+              <a:t>thread_group</a:t>
+            </a:r>
+            <a:r>
+              <a:rPr lang="en-US" dirty="0" smtClean="0"/>
+              <a:t> </a:t>
+            </a:r>
+            <a:r>
+              <a:rPr lang="en-US" dirty="0" err="1" smtClean="0"/>
+              <a:t>thread_group</a:t>
+            </a:r>
+            <a:r>
+              <a:rPr lang="en-US" dirty="0" smtClean="0"/>
+              <a:t>;</a:t>
+            </a:r>
+          </a:p>
+          <a:p>
+            <a:pPr>
+              <a:buNone/>
+            </a:pPr>
+            <a:endParaRPr lang="en-US" dirty="0" smtClean="0"/>
+          </a:p>
+          <a:p>
+            <a:pPr>
+              <a:buNone/>
+            </a:pPr>
+            <a:r>
+              <a:rPr lang="en-US" dirty="0" smtClean="0"/>
+              <a:t>for</a:t>
+            </a:r>
+            <a:r>
+              <a:rPr lang="en-US" dirty="0" smtClean="0"/>
+              <a:t>( </a:t>
+            </a:r>
+            <a:r>
+              <a:rPr lang="en-US" dirty="0" err="1" smtClean="0"/>
+              <a:t>size_t</a:t>
+            </a:r>
+            <a:r>
+              <a:rPr lang="en-US" dirty="0" smtClean="0"/>
+              <a:t> </a:t>
+            </a:r>
+            <a:r>
+              <a:rPr lang="en-US" dirty="0" err="1" smtClean="0"/>
+              <a:t>i</a:t>
+            </a:r>
+            <a:r>
+              <a:rPr lang="en-US" dirty="0" smtClean="0"/>
+              <a:t> = 0 ; </a:t>
+            </a:r>
+            <a:r>
+              <a:rPr lang="en-US" dirty="0" err="1" smtClean="0"/>
+              <a:t>i</a:t>
+            </a:r>
+            <a:r>
+              <a:rPr lang="en-US" dirty="0" smtClean="0"/>
+              <a:t> &lt; 4 ; ++</a:t>
+            </a:r>
+            <a:r>
+              <a:rPr lang="en-US" dirty="0" err="1" smtClean="0"/>
+              <a:t>i</a:t>
+            </a:r>
+            <a:r>
+              <a:rPr lang="en-US" dirty="0" smtClean="0"/>
+              <a:t> )</a:t>
+            </a:r>
+          </a:p>
+          <a:p>
+            <a:pPr>
+              <a:buNone/>
+            </a:pPr>
+            <a:r>
+              <a:rPr lang="en-US" dirty="0" smtClean="0"/>
+              <a:t>{</a:t>
+            </a:r>
+            <a:endParaRPr lang="en-US" dirty="0" smtClean="0"/>
+          </a:p>
+          <a:p>
+            <a:pPr>
+              <a:buNone/>
+            </a:pPr>
+            <a:r>
+              <a:rPr lang="ru-RU" dirty="0" smtClean="0"/>
+              <a:t>     </a:t>
+            </a:r>
+            <a:r>
+              <a:rPr lang="en-US" dirty="0" smtClean="0"/>
+              <a:t>boost</a:t>
+            </a:r>
+            <a:r>
+              <a:rPr lang="en-US" dirty="0" smtClean="0"/>
+              <a:t>::</a:t>
+            </a:r>
+            <a:r>
+              <a:rPr lang="en-US" dirty="0" err="1" smtClean="0"/>
+              <a:t>mutex</a:t>
+            </a:r>
+            <a:r>
+              <a:rPr lang="en-US" dirty="0" smtClean="0"/>
+              <a:t>::</a:t>
+            </a:r>
+            <a:r>
+              <a:rPr lang="en-US" dirty="0" err="1" smtClean="0"/>
+              <a:t>scoped_lock</a:t>
+            </a:r>
+            <a:r>
+              <a:rPr lang="en-US" dirty="0" smtClean="0"/>
+              <a:t> lock( </a:t>
+            </a:r>
+            <a:r>
+              <a:rPr lang="en-US" dirty="0" err="1" smtClean="0"/>
+              <a:t>mutex</a:t>
+            </a:r>
+            <a:r>
+              <a:rPr lang="en-US" dirty="0" smtClean="0"/>
+              <a:t> );</a:t>
+            </a:r>
+          </a:p>
+          <a:p>
+            <a:pPr>
+              <a:buNone/>
+            </a:pPr>
+            <a:r>
+              <a:rPr lang="ru-RU" dirty="0" smtClean="0"/>
+              <a:t>     </a:t>
+            </a:r>
+            <a:r>
+              <a:rPr lang="en-US" dirty="0" err="1" smtClean="0"/>
+              <a:t>working_threads</a:t>
+            </a:r>
+            <a:r>
+              <a:rPr lang="en-US" dirty="0" err="1" smtClean="0"/>
+              <a:t>_.insert</a:t>
+            </a:r>
+            <a:r>
+              <a:rPr lang="en-US" dirty="0" smtClean="0"/>
+              <a:t>( </a:t>
+            </a:r>
+            <a:r>
+              <a:rPr lang="en-US" dirty="0" err="1" smtClean="0"/>
+              <a:t>i</a:t>
+            </a:r>
+            <a:r>
+              <a:rPr lang="en-US" dirty="0" smtClean="0"/>
+              <a:t> );</a:t>
+            </a:r>
+          </a:p>
+          <a:p>
+            <a:pPr>
+              <a:buNone/>
+            </a:pPr>
+            <a:r>
+              <a:rPr lang="ru-RU" dirty="0" smtClean="0"/>
+              <a:t>     </a:t>
+            </a:r>
+            <a:r>
+              <a:rPr lang="en-US" dirty="0" err="1" smtClean="0"/>
+              <a:t>thread_group.create_thread</a:t>
+            </a:r>
+            <a:r>
+              <a:rPr lang="en-US" dirty="0" smtClean="0"/>
+              <a:t>( </a:t>
+            </a:r>
+            <a:endParaRPr lang="ru-RU" dirty="0" smtClean="0"/>
+          </a:p>
+          <a:p>
+            <a:pPr>
+              <a:buNone/>
+            </a:pPr>
+            <a:r>
+              <a:rPr lang="ru-RU" dirty="0" smtClean="0"/>
+              <a:t> </a:t>
+            </a:r>
+            <a:r>
+              <a:rPr lang="ru-RU" dirty="0" smtClean="0"/>
+              <a:t>                 </a:t>
+            </a:r>
+            <a:r>
+              <a:rPr lang="en-US" dirty="0" smtClean="0"/>
+              <a:t>boost</a:t>
+            </a:r>
+            <a:r>
+              <a:rPr lang="en-US" dirty="0" smtClean="0"/>
+              <a:t>::bind( &amp;processor, </a:t>
+            </a:r>
+            <a:r>
+              <a:rPr lang="en-US" dirty="0" err="1" smtClean="0"/>
+              <a:t>i</a:t>
+            </a:r>
+            <a:r>
+              <a:rPr lang="en-US" dirty="0" smtClean="0"/>
+              <a:t>, boost::ref( </a:t>
+            </a:r>
+            <a:r>
+              <a:rPr lang="en-US" dirty="0" err="1" smtClean="0"/>
+              <a:t>task_queue</a:t>
+            </a:r>
+            <a:r>
+              <a:rPr lang="en-US" dirty="0" smtClean="0"/>
+              <a:t> ) ) );</a:t>
+            </a:r>
+          </a:p>
+          <a:p>
+            <a:pPr>
+              <a:buNone/>
+            </a:pPr>
+            <a:r>
+              <a:rPr lang="en-US" dirty="0" smtClean="0"/>
+              <a:t>}</a:t>
+            </a:r>
+            <a:endParaRPr lang="en-US" dirty="0" smtClean="0"/>
+          </a:p>
+        </p:txBody>
+      </p:sp>
+    </p:spTree>
+  </p:cSld>
+  <p:clrMapOvr>
+    <a:masterClrMapping/>
+  </p:clrMapOvr>
+</p:sld>
+</file>
+
+<file path=ppt/slides/slide28.xml><?xml version="1.0" encoding="utf-8"?>
+<p:sld xmlns:a="http://schemas.openxmlformats.org/drawingml/2006/main" xmlns:r="http://schemas.openxmlformats.org/officeDocument/2006/relationships" xmlns:p="http://schemas.openxmlformats.org/presentationml/2006/main">
+  <p:cSld>
+    <p:spTree>
+      <p:nvGrpSpPr>
+        <p:cNvPr id="1" name=""/>
+        <p:cNvGrpSpPr/>
+        <p:nvPr/>
+      </p:nvGrpSpPr>
+      <p:grpSpPr>
+        <a:xfrm>
+          <a:off x="0" y="0"/>
+          <a:ext cx="0" cy="0"/>
+          <a:chOff x="0" y="0"/>
+          <a:chExt cx="0" cy="0"/>
+        </a:xfrm>
+      </p:grpSpPr>
+      <p:sp>
+        <p:nvSpPr>
+          <p:cNvPr id="2" name="Title 1"/>
+          <p:cNvSpPr>
+            <a:spLocks noGrp="1"/>
+          </p:cNvSpPr>
+          <p:nvPr>
+            <p:ph type="title"/>
+          </p:nvPr>
+        </p:nvSpPr>
+        <p:spPr/>
+        <p:txBody>
+          <a:bodyPr/>
+          <a:lstStyle/>
+          <a:p>
+            <a:r>
+              <a:rPr lang="en-US" dirty="0" smtClean="0"/>
+              <a:t>God Safe Thread Queue</a:t>
+            </a:r>
+            <a:endParaRPr lang="en-US" dirty="0"/>
+          </a:p>
+        </p:txBody>
+      </p:sp>
+      <p:sp>
+        <p:nvSpPr>
+          <p:cNvPr id="3" name="Content Placeholder 2"/>
+          <p:cNvSpPr>
+            <a:spLocks noGrp="1"/>
+          </p:cNvSpPr>
+          <p:nvPr>
+            <p:ph idx="1"/>
+          </p:nvPr>
+        </p:nvSpPr>
+        <p:spPr/>
+        <p:txBody>
+          <a:bodyPr/>
+          <a:lstStyle/>
+          <a:p>
+            <a:endParaRPr lang="en-US"/>
+          </a:p>
+        </p:txBody>
+      </p:sp>
+      <p:sp>
+        <p:nvSpPr>
+          <p:cNvPr id="4" name="Rounded Rectangle 3"/>
+          <p:cNvSpPr/>
+          <p:nvPr/>
+        </p:nvSpPr>
+        <p:spPr>
+          <a:xfrm>
+            <a:off x="304800" y="1752600"/>
+            <a:ext cx="8534400" cy="4267200"/>
+          </a:xfrm>
+          <a:prstGeom prst="roundRect">
+            <a:avLst/>
+          </a:prstGeom>
+        </p:spPr>
+        <p:style>
+          <a:lnRef idx="2">
+            <a:schemeClr val="accent1">
+              <a:shade val="50000"/>
+            </a:schemeClr>
+          </a:lnRef>
+          <a:fillRef idx="1">
+            <a:schemeClr val="accent1"/>
+          </a:fillRef>
+          <a:effectRef idx="0">
+            <a:schemeClr val="accent1"/>
+          </a:effectRef>
+          <a:fontRef idx="minor">
+            <a:schemeClr val="lt1"/>
+          </a:fontRef>
+        </p:style>
+        <p:txBody>
+          <a:bodyPr rtlCol="0" anchor="ctr"/>
+          <a:lstStyle/>
+          <a:p>
+            <a:pPr>
+              <a:buNone/>
+            </a:pPr>
+            <a:r>
+              <a:rPr lang="en-US" dirty="0" smtClean="0"/>
+              <a:t>{</a:t>
+            </a:r>
+            <a:endParaRPr lang="en-US" dirty="0" smtClean="0"/>
+          </a:p>
+          <a:p>
+            <a:pPr>
+              <a:buNone/>
+            </a:pPr>
+            <a:r>
+              <a:rPr lang="ru-RU" dirty="0" smtClean="0"/>
+              <a:t>	</a:t>
+            </a:r>
+            <a:r>
+              <a:rPr lang="en-US" dirty="0" smtClean="0"/>
+              <a:t>boost</a:t>
+            </a:r>
+            <a:r>
+              <a:rPr lang="en-US" dirty="0" smtClean="0"/>
+              <a:t>::</a:t>
+            </a:r>
+            <a:r>
+              <a:rPr lang="en-US" dirty="0" err="1" smtClean="0"/>
+              <a:t>mutex</a:t>
+            </a:r>
+            <a:r>
+              <a:rPr lang="en-US" dirty="0" smtClean="0"/>
+              <a:t>::</a:t>
+            </a:r>
+            <a:r>
+              <a:rPr lang="en-US" dirty="0" err="1" smtClean="0"/>
+              <a:t>scoped_lock</a:t>
+            </a:r>
+            <a:r>
+              <a:rPr lang="en-US" dirty="0" smtClean="0"/>
+              <a:t> lock( </a:t>
+            </a:r>
+            <a:r>
+              <a:rPr lang="en-US" dirty="0" err="1" smtClean="0"/>
+              <a:t>mutex</a:t>
+            </a:r>
+            <a:r>
+              <a:rPr lang="en-US" dirty="0" smtClean="0"/>
+              <a:t> );</a:t>
+            </a:r>
+          </a:p>
+          <a:p>
+            <a:pPr>
+              <a:buNone/>
+            </a:pPr>
+            <a:r>
+              <a:rPr lang="en-US" dirty="0" smtClean="0"/>
+              <a:t>	</a:t>
+            </a:r>
+            <a:r>
+              <a:rPr lang="en-US" dirty="0" err="1" smtClean="0"/>
+              <a:t>working_threads</a:t>
+            </a:r>
+            <a:r>
+              <a:rPr lang="en-US" dirty="0" err="1" smtClean="0"/>
+              <a:t>_.erase</a:t>
+            </a:r>
+            <a:r>
+              <a:rPr lang="en-US" dirty="0" smtClean="0"/>
+              <a:t>( </a:t>
+            </a:r>
+            <a:r>
+              <a:rPr lang="en-US" dirty="0" err="1" smtClean="0"/>
+              <a:t>working_threads_.find</a:t>
+            </a:r>
+            <a:r>
+              <a:rPr lang="en-US" dirty="0" smtClean="0"/>
+              <a:t>( 2 ) );</a:t>
+            </a:r>
+          </a:p>
+          <a:p>
+            <a:pPr>
+              <a:buNone/>
+            </a:pPr>
+            <a:r>
+              <a:rPr lang="en-US" dirty="0" smtClean="0"/>
+              <a:t>	</a:t>
+            </a:r>
+            <a:r>
+              <a:rPr lang="en-US" dirty="0" err="1" smtClean="0"/>
+              <a:t>working_threads</a:t>
+            </a:r>
+            <a:r>
+              <a:rPr lang="en-US" dirty="0" err="1" smtClean="0"/>
+              <a:t>_.erase</a:t>
+            </a:r>
+            <a:r>
+              <a:rPr lang="en-US" dirty="0" smtClean="0"/>
+              <a:t>( </a:t>
+            </a:r>
+            <a:r>
+              <a:rPr lang="en-US" dirty="0" err="1" smtClean="0"/>
+              <a:t>working_threads_.find</a:t>
+            </a:r>
+            <a:r>
+              <a:rPr lang="en-US" dirty="0" smtClean="0"/>
+              <a:t>( 0 ) );</a:t>
+            </a:r>
+          </a:p>
+          <a:p>
+            <a:pPr>
+              <a:buNone/>
+            </a:pPr>
+            <a:r>
+              <a:rPr lang="en-US" dirty="0" smtClean="0"/>
+              <a:t>}</a:t>
+            </a:r>
+          </a:p>
+        </p:txBody>
+      </p:sp>
+    </p:spTree>
+  </p:cSld>
+  <p:clrMapOvr>
+    <a:masterClrMapping/>
+  </p:clrMapOvr>
+</p:sld>
+</file>
+
+<file path=ppt/slides/slide29.xml><?xml version="1.0" encoding="utf-8"?>
+<p:sld xmlns:a="http://schemas.openxmlformats.org/drawingml/2006/main" xmlns:r="http://schemas.openxmlformats.org/officeDocument/2006/relationships" xmlns:p="http://schemas.openxmlformats.org/presentationml/2006/main">
+  <p:cSld>
+    <p:spTree>
+      <p:nvGrpSpPr>
+        <p:cNvPr id="1" name=""/>
+        <p:cNvGrpSpPr/>
+        <p:nvPr/>
+      </p:nvGrpSpPr>
+      <p:grpSpPr>
+        <a:xfrm>
+          <a:off x="0" y="0"/>
+          <a:ext cx="0" cy="0"/>
+          <a:chOff x="0" y="0"/>
+          <a:chExt cx="0" cy="0"/>
+        </a:xfrm>
+      </p:grpSpPr>
+      <p:sp>
+        <p:nvSpPr>
+          <p:cNvPr id="2" name="Title 1"/>
+          <p:cNvSpPr>
+            <a:spLocks noGrp="1"/>
+          </p:cNvSpPr>
+          <p:nvPr>
+            <p:ph type="title"/>
+          </p:nvPr>
+        </p:nvSpPr>
+        <p:spPr/>
+        <p:txBody>
+          <a:bodyPr/>
+          <a:lstStyle/>
+          <a:p>
+            <a:r>
+              <a:rPr lang="en-US" dirty="0" smtClean="0"/>
+              <a:t>God Safe Thread Queue</a:t>
+            </a:r>
+            <a:endParaRPr lang="en-US" dirty="0"/>
+          </a:p>
+        </p:txBody>
+      </p:sp>
+      <p:sp>
+        <p:nvSpPr>
+          <p:cNvPr id="3" name="Content Placeholder 2"/>
+          <p:cNvSpPr>
+            <a:spLocks noGrp="1"/>
+          </p:cNvSpPr>
+          <p:nvPr>
+            <p:ph idx="1"/>
+          </p:nvPr>
+        </p:nvSpPr>
+        <p:spPr/>
+        <p:txBody>
+          <a:bodyPr/>
+          <a:lstStyle/>
+          <a:p>
+            <a:endParaRPr lang="en-US"/>
+          </a:p>
+        </p:txBody>
+      </p:sp>
+      <p:sp>
+        <p:nvSpPr>
+          <p:cNvPr id="4" name="Rounded Rectangle 3"/>
+          <p:cNvSpPr/>
+          <p:nvPr/>
+        </p:nvSpPr>
+        <p:spPr>
+          <a:xfrm>
+            <a:off x="304800" y="1524000"/>
+            <a:ext cx="8534400" cy="5105400"/>
+          </a:xfrm>
+          <a:prstGeom prst="roundRect">
+            <a:avLst/>
+          </a:prstGeom>
+        </p:spPr>
+        <p:style>
+          <a:lnRef idx="2">
+            <a:schemeClr val="accent1">
+              <a:shade val="50000"/>
+            </a:schemeClr>
+          </a:lnRef>
+          <a:fillRef idx="1">
+            <a:schemeClr val="accent1"/>
+          </a:fillRef>
+          <a:effectRef idx="0">
+            <a:schemeClr val="accent1"/>
+          </a:effectRef>
+          <a:fontRef idx="minor">
+            <a:schemeClr val="lt1"/>
+          </a:fontRef>
+        </p:style>
+        <p:txBody>
+          <a:bodyPr rtlCol="0" anchor="ctr"/>
+          <a:lstStyle/>
+          <a:p>
+            <a:pPr>
+              <a:buNone/>
+            </a:pPr>
+            <a:r>
+              <a:rPr lang="en-US" dirty="0" smtClean="0"/>
+              <a:t>for</a:t>
+            </a:r>
+            <a:r>
+              <a:rPr lang="en-US" dirty="0" smtClean="0"/>
+              <a:t>( </a:t>
+            </a:r>
+            <a:r>
+              <a:rPr lang="en-US" dirty="0" err="1" smtClean="0"/>
+              <a:t>size_t</a:t>
+            </a:r>
+            <a:r>
+              <a:rPr lang="en-US" dirty="0" smtClean="0"/>
+              <a:t> </a:t>
+            </a:r>
+            <a:r>
+              <a:rPr lang="en-US" dirty="0" err="1" smtClean="0"/>
+              <a:t>i</a:t>
+            </a:r>
+            <a:r>
+              <a:rPr lang="en-US" dirty="0" smtClean="0"/>
+              <a:t> = 0 ; </a:t>
+            </a:r>
+            <a:r>
+              <a:rPr lang="en-US" dirty="0" err="1" smtClean="0"/>
+              <a:t>i</a:t>
+            </a:r>
+            <a:r>
+              <a:rPr lang="en-US" dirty="0" smtClean="0"/>
+              <a:t> &lt; </a:t>
+            </a:r>
+            <a:r>
+              <a:rPr lang="ru-RU" dirty="0" smtClean="0"/>
+              <a:t>100500</a:t>
+            </a:r>
+            <a:r>
+              <a:rPr lang="en-US" dirty="0" smtClean="0"/>
+              <a:t> </a:t>
+            </a:r>
+            <a:r>
+              <a:rPr lang="en-US" dirty="0" smtClean="0"/>
+              <a:t>; ++</a:t>
+            </a:r>
+            <a:r>
+              <a:rPr lang="en-US" dirty="0" err="1" smtClean="0"/>
+              <a:t>i</a:t>
+            </a:r>
+            <a:r>
+              <a:rPr lang="en-US" dirty="0" smtClean="0"/>
+              <a:t> )</a:t>
+            </a:r>
+          </a:p>
+          <a:p>
+            <a:pPr>
+              <a:buNone/>
+            </a:pPr>
+            <a:r>
+              <a:rPr lang="en-US" dirty="0" smtClean="0"/>
+              <a:t>{</a:t>
+            </a:r>
+            <a:endParaRPr lang="en-US" dirty="0" smtClean="0"/>
+          </a:p>
+          <a:p>
+            <a:pPr>
+              <a:buNone/>
+            </a:pPr>
+            <a:r>
+              <a:rPr lang="en-US" dirty="0" smtClean="0"/>
+              <a:t>	task* </a:t>
+            </a:r>
+            <a:r>
+              <a:rPr lang="en-US" dirty="0" err="1" smtClean="0"/>
+              <a:t>task_ptr</a:t>
+            </a:r>
+            <a:r>
+              <a:rPr lang="en-US" dirty="0" smtClean="0"/>
+              <a:t> = new task;</a:t>
+            </a:r>
+          </a:p>
+          <a:p>
+            <a:pPr>
+              <a:buNone/>
+            </a:pPr>
+            <a:r>
+              <a:rPr lang="en-US" dirty="0" smtClean="0"/>
+              <a:t>	if ( !</a:t>
+            </a:r>
+            <a:r>
+              <a:rPr lang="en-US" dirty="0" err="1" smtClean="0"/>
+              <a:t>task_queue.push</a:t>
+            </a:r>
+            <a:r>
+              <a:rPr lang="en-US" dirty="0" smtClean="0"/>
+              <a:t>( </a:t>
+            </a:r>
+            <a:r>
+              <a:rPr lang="en-US" dirty="0" err="1" smtClean="0"/>
+              <a:t>task_ptr</a:t>
+            </a:r>
+            <a:r>
+              <a:rPr lang="en-US" dirty="0" smtClean="0"/>
+              <a:t> ) )</a:t>
+            </a:r>
+          </a:p>
+          <a:p>
+            <a:pPr>
+              <a:buNone/>
+            </a:pPr>
+            <a:r>
+              <a:rPr lang="en-US" dirty="0" smtClean="0"/>
+              <a:t>	{</a:t>
+            </a:r>
+          </a:p>
+          <a:p>
+            <a:pPr>
+              <a:buNone/>
+            </a:pPr>
+            <a:r>
+              <a:rPr lang="en-US" dirty="0" smtClean="0"/>
+              <a:t>		delete </a:t>
+            </a:r>
+            <a:r>
+              <a:rPr lang="en-US" dirty="0" err="1" smtClean="0"/>
+              <a:t>task_ptr</a:t>
+            </a:r>
+            <a:r>
+              <a:rPr lang="en-US" dirty="0" smtClean="0"/>
+              <a:t>;</a:t>
+            </a:r>
+          </a:p>
+          <a:p>
+            <a:pPr>
+              <a:buNone/>
+            </a:pPr>
+            <a:r>
+              <a:rPr lang="en-US" dirty="0" smtClean="0"/>
+              <a:t>		break;</a:t>
+            </a:r>
+          </a:p>
+          <a:p>
+            <a:pPr>
+              <a:buNone/>
+            </a:pPr>
+            <a:r>
+              <a:rPr lang="en-US" dirty="0" smtClean="0"/>
+              <a:t>	}</a:t>
+            </a:r>
+          </a:p>
+          <a:p>
+            <a:pPr>
+              <a:buNone/>
+            </a:pPr>
+            <a:r>
+              <a:rPr lang="en-US" dirty="0" smtClean="0"/>
+              <a:t>}</a:t>
+            </a:r>
+            <a:endParaRPr lang="en-US" dirty="0" smtClean="0"/>
+          </a:p>
+          <a:p>
+            <a:pPr>
+              <a:buNone/>
+            </a:pPr>
+            <a:endParaRPr lang="en-US" dirty="0" smtClean="0"/>
+          </a:p>
+          <a:p>
+            <a:pPr>
+              <a:buNone/>
+            </a:pPr>
+            <a:r>
+              <a:rPr lang="en-US" dirty="0" err="1" smtClean="0"/>
+              <a:t>task_queue.wait</a:t>
+            </a:r>
+            <a:r>
+              <a:rPr lang="en-US" dirty="0" smtClean="0"/>
+              <a:t>();</a:t>
+            </a:r>
+          </a:p>
+          <a:p>
+            <a:pPr>
+              <a:buNone/>
+            </a:pPr>
+            <a:r>
+              <a:rPr lang="en-US" dirty="0" err="1" smtClean="0"/>
+              <a:t>task_queue.stop</a:t>
+            </a:r>
+            <a:r>
+              <a:rPr lang="en-US" dirty="0" smtClean="0"/>
+              <a:t>();</a:t>
+            </a:r>
+            <a:endParaRPr lang="en-US" dirty="0" smtClean="0"/>
+          </a:p>
+        </p:txBody>
+      </p:sp>
+    </p:spTree>
+  </p:cSld>
+  <p:clrMapOvr>
+    <a:masterClrMapping/>
+  </p:clrMapOvr>
+</p:sld>
+</file>
+
+<file path=ppt/slides/slide3.xml><?xml version="1.0" encoding="utf-8"?>
+<p:sld xmlns:a="http://schemas.openxmlformats.org/drawingml/2006/main" xmlns:r="http://schemas.openxmlformats.org/officeDocument/2006/relationships" xmlns:p="http://schemas.openxmlformats.org/presentationml/2006/main">
+  <p:cSld>
+    <p:spTree>
+      <p:nvGrpSpPr>
+        <p:cNvPr id="1" name=""/>
+        <p:cNvGrpSpPr/>
+        <p:nvPr/>
+      </p:nvGrpSpPr>
+      <p:grpSpPr>
+        <a:xfrm>
+          <a:off x="0" y="0"/>
+          <a:ext cx="0" cy="0"/>
+          <a:chOff x="0" y="0"/>
+          <a:chExt cx="0" cy="0"/>
+        </a:xfrm>
+      </p:grpSpPr>
+      <p:sp>
+        <p:nvSpPr>
+          <p:cNvPr id="2" name="Title 1"/>
+          <p:cNvSpPr>
+            <a:spLocks noGrp="1"/>
+          </p:cNvSpPr>
+          <p:nvPr>
+            <p:ph type="title"/>
+          </p:nvPr>
+        </p:nvSpPr>
+        <p:spPr/>
+        <p:txBody>
+          <a:bodyPr/>
+          <a:lstStyle/>
+          <a:p>
+            <a:r>
+              <a:rPr lang="en-US" dirty="0" smtClean="0"/>
+              <a:t>Visual Studio Std Output</a:t>
+            </a:r>
+            <a:endParaRPr lang="en-US" dirty="0"/>
+          </a:p>
+        </p:txBody>
+      </p:sp>
+      <p:sp>
+        <p:nvSpPr>
+          <p:cNvPr id="3" name="Content Placeholder 2"/>
+          <p:cNvSpPr>
+            <a:spLocks noGrp="1"/>
+          </p:cNvSpPr>
+          <p:nvPr>
+            <p:ph idx="1"/>
+          </p:nvPr>
+        </p:nvSpPr>
+        <p:spPr/>
+        <p:txBody>
+          <a:bodyPr/>
+          <a:lstStyle/>
+          <a:p>
+            <a:pPr>
+              <a:buNone/>
+            </a:pPr>
+            <a:r>
+              <a:rPr lang="en-US" dirty="0" smtClean="0"/>
+              <a:t>{79} normal block at 0x00000000000D2860, 14 bytes long.</a:t>
+            </a:r>
+          </a:p>
+          <a:p>
+            <a:pPr>
+              <a:buNone/>
+            </a:pPr>
+            <a:r>
+              <a:rPr lang="en-US" dirty="0" smtClean="0"/>
+              <a:t> Data: &lt;              &gt; CD </a:t>
+            </a:r>
+            <a:r>
+              <a:rPr lang="en-US" dirty="0" err="1" smtClean="0"/>
+              <a:t>CD</a:t>
+            </a:r>
+            <a:r>
+              <a:rPr lang="en-US" dirty="0" smtClean="0"/>
+              <a:t> </a:t>
+            </a:r>
+            <a:r>
+              <a:rPr lang="en-US" dirty="0" err="1" smtClean="0"/>
+              <a:t>CD</a:t>
+            </a:r>
+            <a:r>
+              <a:rPr lang="en-US" dirty="0" smtClean="0"/>
+              <a:t> </a:t>
+            </a:r>
+            <a:r>
+              <a:rPr lang="en-US" dirty="0" err="1" smtClean="0"/>
+              <a:t>CD</a:t>
+            </a:r>
+            <a:r>
+              <a:rPr lang="en-US" dirty="0" smtClean="0"/>
+              <a:t> </a:t>
+            </a:r>
+            <a:r>
+              <a:rPr lang="en-US" dirty="0" err="1" smtClean="0"/>
+              <a:t>CD</a:t>
+            </a:r>
+            <a:r>
+              <a:rPr lang="en-US" dirty="0" smtClean="0"/>
+              <a:t> </a:t>
+            </a:r>
+            <a:r>
+              <a:rPr lang="en-US" dirty="0" err="1" smtClean="0"/>
+              <a:t>CD</a:t>
+            </a:r>
+            <a:r>
+              <a:rPr lang="en-US" dirty="0" smtClean="0"/>
+              <a:t> </a:t>
+            </a:r>
+            <a:r>
+              <a:rPr lang="en-US" dirty="0" err="1" smtClean="0"/>
+              <a:t>CD</a:t>
+            </a:r>
+            <a:r>
+              <a:rPr lang="en-US" dirty="0" smtClean="0"/>
+              <a:t> </a:t>
+            </a:r>
+            <a:r>
+              <a:rPr lang="en-US" dirty="0" err="1" smtClean="0"/>
+              <a:t>CD</a:t>
+            </a:r>
+            <a:r>
+              <a:rPr lang="en-US" dirty="0" smtClean="0"/>
+              <a:t> </a:t>
+            </a:r>
+            <a:r>
+              <a:rPr lang="en-US" dirty="0" err="1" smtClean="0"/>
+              <a:t>CD</a:t>
+            </a:r>
+            <a:r>
+              <a:rPr lang="en-US" dirty="0" smtClean="0"/>
+              <a:t> </a:t>
+            </a:r>
+            <a:r>
+              <a:rPr lang="en-US" dirty="0" err="1" smtClean="0"/>
+              <a:t>CD</a:t>
+            </a:r>
+            <a:r>
+              <a:rPr lang="en-US" dirty="0" smtClean="0"/>
+              <a:t> </a:t>
+            </a:r>
+            <a:r>
+              <a:rPr lang="en-US" dirty="0" err="1" smtClean="0"/>
+              <a:t>CD</a:t>
+            </a:r>
+            <a:r>
+              <a:rPr lang="en-US" dirty="0" smtClean="0"/>
+              <a:t> </a:t>
+            </a:r>
+            <a:r>
+              <a:rPr lang="en-US" dirty="0" err="1" smtClean="0"/>
+              <a:t>CD</a:t>
+            </a:r>
+            <a:r>
+              <a:rPr lang="en-US" dirty="0" smtClean="0"/>
+              <a:t> </a:t>
+            </a:r>
+            <a:r>
+              <a:rPr lang="en-US" dirty="0" err="1" smtClean="0"/>
+              <a:t>CD</a:t>
+            </a:r>
+            <a:r>
+              <a:rPr lang="en-US" dirty="0" smtClean="0"/>
+              <a:t> </a:t>
+            </a:r>
+            <a:r>
+              <a:rPr lang="en-US" dirty="0" err="1" smtClean="0"/>
+              <a:t>CD</a:t>
+            </a:r>
+            <a:r>
+              <a:rPr lang="en-US" dirty="0" smtClean="0"/>
+              <a:t> </a:t>
+            </a:r>
+          </a:p>
+          <a:p>
+            <a:endParaRPr lang="en-US" dirty="0"/>
+          </a:p>
+        </p:txBody>
+      </p:sp>
+      <p:sp>
+        <p:nvSpPr>
+          <p:cNvPr id="4" name="Прямоугольник 5"/>
+          <p:cNvSpPr/>
+          <p:nvPr/>
+        </p:nvSpPr>
+        <p:spPr>
+          <a:xfrm>
+            <a:off x="1676400" y="6096000"/>
+            <a:ext cx="7162800" cy="369332"/>
+          </a:xfrm>
+          <a:prstGeom prst="rect">
+            <a:avLst/>
+          </a:prstGeom>
+        </p:spPr>
+        <p:txBody>
+          <a:bodyPr wrap="square">
+            <a:spAutoFit/>
+          </a:bodyPr>
+          <a:lstStyle/>
+          <a:p>
+            <a:pPr algn="r"/>
+            <a:r>
+              <a:rPr lang="en-US" smtClean="0">
+                <a:hlinkClick r:id="rId2"/>
+              </a:rPr>
+              <a:t>http://habrahabr.ru/post/82514/</a:t>
+            </a:r>
+            <a:endParaRPr lang="en-US" dirty="0" smtClean="0"/>
+          </a:p>
+        </p:txBody>
+      </p:sp>
+      <p:cxnSp>
+        <p:nvCxnSpPr>
+          <p:cNvPr id="5" name="Прямая соединительная линия 6"/>
+          <p:cNvCxnSpPr/>
+          <p:nvPr/>
+        </p:nvCxnSpPr>
+        <p:spPr>
+          <a:xfrm>
+            <a:off x="3581400" y="6019800"/>
+            <a:ext cx="5181600" cy="0"/>
+          </a:xfrm>
+          <a:prstGeom prst="line">
+            <a:avLst/>
+          </a:prstGeom>
+        </p:spPr>
+        <p:style>
+          <a:lnRef idx="1">
+            <a:schemeClr val="accent1"/>
+          </a:lnRef>
+          <a:fillRef idx="0">
+            <a:schemeClr val="accent1"/>
+          </a:fillRef>
+          <a:effectRef idx="0">
+            <a:schemeClr val="accent1"/>
+          </a:effectRef>
+          <a:fontRef idx="minor">
+            <a:schemeClr val="tx1"/>
+          </a:fontRef>
+        </p:style>
+      </p:cxnSp>
+    </p:spTree>
+  </p:cSld>
+  <p:clrMapOvr>
+    <a:masterClrMapping/>
+  </p:clrMapOvr>
+</p:sld>
+</file>
+
+<file path=ppt/slides/slide30.xml><?xml version="1.0" encoding="utf-8"?>
+<p:sld xmlns:a="http://schemas.openxmlformats.org/drawingml/2006/main" xmlns:r="http://schemas.openxmlformats.org/officeDocument/2006/relationships" xmlns:p="http://schemas.openxmlformats.org/presentationml/2006/main">
+  <p:cSld>
+    <p:spTree>
+      <p:nvGrpSpPr>
+        <p:cNvPr id="1" name=""/>
+        <p:cNvGrpSpPr/>
+        <p:nvPr/>
+      </p:nvGrpSpPr>
+      <p:grpSpPr>
+        <a:xfrm>
+          <a:off x="0" y="0"/>
+          <a:ext cx="0" cy="0"/>
+          <a:chOff x="0" y="0"/>
+          <a:chExt cx="0" cy="0"/>
+        </a:xfrm>
+      </p:grpSpPr>
+      <p:sp>
+        <p:nvSpPr>
+          <p:cNvPr id="2" name="Title 1"/>
+          <p:cNvSpPr>
+            <a:spLocks noGrp="1"/>
+          </p:cNvSpPr>
+          <p:nvPr>
+            <p:ph type="title"/>
+          </p:nvPr>
+        </p:nvSpPr>
+        <p:spPr/>
+        <p:txBody>
+          <a:bodyPr/>
+          <a:lstStyle/>
+          <a:p>
+            <a:endParaRPr lang="en-US"/>
+          </a:p>
+        </p:txBody>
+      </p:sp>
+      <p:sp>
+        <p:nvSpPr>
+          <p:cNvPr id="3" name="Content Placeholder 2"/>
+          <p:cNvSpPr>
+            <a:spLocks noGrp="1"/>
+          </p:cNvSpPr>
+          <p:nvPr>
+            <p:ph idx="1"/>
+          </p:nvPr>
+        </p:nvSpPr>
+        <p:spPr/>
+        <p:txBody>
+          <a:bodyPr/>
+          <a:lstStyle/>
+          <a:p>
+            <a:endParaRPr lang="en-US"/>
+          </a:p>
+        </p:txBody>
+      </p:sp>
+      <p:sp>
+        <p:nvSpPr>
+          <p:cNvPr id="5" name="Title 1"/>
+          <p:cNvSpPr txBox="1">
+            <a:spLocks/>
+          </p:cNvSpPr>
+          <p:nvPr/>
+        </p:nvSpPr>
+        <p:spPr>
+          <a:xfrm>
+            <a:off x="457200" y="274638"/>
+            <a:ext cx="8229600" cy="6126162"/>
+          </a:xfrm>
+          <a:prstGeom prst="rect">
+            <a:avLst/>
+          </a:prstGeom>
+        </p:spPr>
+        <p:txBody>
+          <a:bodyPr vert="horz" lIns="91440" tIns="45720" rIns="91440" bIns="45720" rtlCol="0" anchor="ctr">
+            <a:normAutofit/>
+          </a:bodyPr>
+          <a:lstStyle/>
+          <a:p>
+            <a:pPr marL="0" marR="0" lvl="0" indent="0" algn="ctr" defTabSz="914400" rtl="0" eaLnBrk="1" fontAlgn="auto" latinLnBrk="0" hangingPunct="1">
+              <a:lnSpc>
+                <a:spcPct val="100000"/>
+              </a:lnSpc>
+              <a:spcBef>
+                <a:spcPct val="0"/>
+              </a:spcBef>
+              <a:spcAft>
+                <a:spcPts val="0"/>
+              </a:spcAft>
+              <a:buClrTx/>
+              <a:buSzTx/>
+              <a:buFontTx/>
+              <a:buNone/>
+              <a:tabLst/>
+              <a:defRPr/>
+            </a:pPr>
+            <a:r>
+              <a:rPr kumimoji="0" lang="en-US" sz="9600" b="0" i="0" u="none" strike="noStrike" kern="1200" cap="none" spc="0" normalizeH="0" baseline="0" noProof="0" dirty="0" smtClean="0">
+                <a:ln>
+                  <a:noFill/>
+                </a:ln>
+                <a:solidFill>
+                  <a:schemeClr val="tx1"/>
+                </a:solidFill>
+                <a:effectLst/>
+                <a:uLnTx/>
+                <a:uFillTx/>
+                <a:latin typeface="+mj-lt"/>
+                <a:ea typeface="+mj-ea"/>
+                <a:cs typeface="+mj-cs"/>
+              </a:rPr>
+              <a:t>?</a:t>
+            </a:r>
+            <a:endParaRPr kumimoji="0" lang="en-US" sz="9600" b="0" i="0" u="none" strike="noStrike" kern="1200" cap="none" spc="0" normalizeH="0" baseline="0" noProof="0" dirty="0">
+              <a:ln>
+                <a:noFill/>
+              </a:ln>
+              <a:solidFill>
+                <a:schemeClr val="tx1"/>
+              </a:solidFill>
+              <a:effectLst/>
+              <a:uLnTx/>
+              <a:uFillTx/>
+              <a:latin typeface="+mj-lt"/>
+              <a:ea typeface="+mj-ea"/>
+              <a:cs typeface="+mj-cs"/>
+            </a:endParaRPr>
+          </a:p>
+        </p:txBody>
+      </p:sp>
     </p:spTree>
   </p:cSld>
   <p:clrMapOvr>
@@ -4802,6 +11433,584 @@
               <a:t>MSVC*</a:t>
             </a:r>
             <a:endParaRPr lang="en-US" dirty="0"/>
+          </a:p>
+        </p:txBody>
+      </p:sp>
+    </p:spTree>
+  </p:cSld>
+  <p:clrMapOvr>
+    <a:masterClrMapping/>
+  </p:clrMapOvr>
+</p:sld>
+</file>
+
+<file path=ppt/slides/slide7.xml><?xml version="1.0" encoding="utf-8"?>
+<p:sld xmlns:a="http://schemas.openxmlformats.org/drawingml/2006/main" xmlns:r="http://schemas.openxmlformats.org/officeDocument/2006/relationships" xmlns:p="http://schemas.openxmlformats.org/presentationml/2006/main">
+  <p:cSld>
+    <p:spTree>
+      <p:nvGrpSpPr>
+        <p:cNvPr id="1" name=""/>
+        <p:cNvGrpSpPr/>
+        <p:nvPr/>
+      </p:nvGrpSpPr>
+      <p:grpSpPr>
+        <a:xfrm>
+          <a:off x="0" y="0"/>
+          <a:ext cx="0" cy="0"/>
+          <a:chOff x="0" y="0"/>
+          <a:chExt cx="0" cy="0"/>
+        </a:xfrm>
+      </p:grpSpPr>
+      <p:sp>
+        <p:nvSpPr>
+          <p:cNvPr id="2" name="Title 1"/>
+          <p:cNvSpPr>
+            <a:spLocks noGrp="1"/>
+          </p:cNvSpPr>
+          <p:nvPr>
+            <p:ph type="title"/>
+          </p:nvPr>
+        </p:nvSpPr>
+        <p:spPr/>
+        <p:txBody>
+          <a:bodyPr/>
+          <a:lstStyle/>
+          <a:p>
+            <a:r>
+              <a:rPr lang="en-US" dirty="0" err="1" smtClean="0"/>
+              <a:t>Valgrind</a:t>
+            </a:r>
+            <a:endParaRPr lang="en-US" dirty="0"/>
+          </a:p>
+        </p:txBody>
+      </p:sp>
+      <p:sp>
+        <p:nvSpPr>
+          <p:cNvPr id="5" name="Content Placeholder 4"/>
+          <p:cNvSpPr>
+            <a:spLocks noGrp="1"/>
+          </p:cNvSpPr>
+          <p:nvPr>
+            <p:ph idx="1"/>
+          </p:nvPr>
+        </p:nvSpPr>
+        <p:spPr/>
+        <p:txBody>
+          <a:bodyPr/>
+          <a:lstStyle/>
+          <a:p>
+            <a:endParaRPr lang="en-US"/>
+          </a:p>
+        </p:txBody>
+      </p:sp>
+      <p:pic>
+        <p:nvPicPr>
+          <p:cNvPr id="1027" name="Picture 3"/>
+          <p:cNvPicPr>
+            <a:picLocks noChangeAspect="1" noChangeArrowheads="1"/>
+          </p:cNvPicPr>
+          <p:nvPr/>
+        </p:nvPicPr>
+        <p:blipFill>
+          <a:blip r:embed="rId2" cstate="print"/>
+          <a:srcRect/>
+          <a:stretch>
+            <a:fillRect/>
+          </a:stretch>
+        </p:blipFill>
+        <p:spPr bwMode="auto">
+          <a:xfrm>
+            <a:off x="1711659" y="2433637"/>
+            <a:ext cx="5832141" cy="2214563"/>
+          </a:xfrm>
+          <a:prstGeom prst="rect">
+            <a:avLst/>
+          </a:prstGeom>
+          <a:noFill/>
+          <a:ln w="9525">
+            <a:noFill/>
+            <a:miter lim="800000"/>
+            <a:headEnd/>
+            <a:tailEnd/>
+          </a:ln>
+        </p:spPr>
+      </p:pic>
+      <p:sp>
+        <p:nvSpPr>
+          <p:cNvPr id="7" name="Прямоугольник 5"/>
+          <p:cNvSpPr/>
+          <p:nvPr/>
+        </p:nvSpPr>
+        <p:spPr>
+          <a:xfrm>
+            <a:off x="1676400" y="6096000"/>
+            <a:ext cx="7162800" cy="369332"/>
+          </a:xfrm>
+          <a:prstGeom prst="rect">
+            <a:avLst/>
+          </a:prstGeom>
+        </p:spPr>
+        <p:txBody>
+          <a:bodyPr wrap="square">
+            <a:spAutoFit/>
+          </a:bodyPr>
+          <a:lstStyle/>
+          <a:p>
+            <a:pPr algn="r"/>
+            <a:r>
+              <a:rPr lang="en-US" dirty="0" smtClean="0">
+                <a:hlinkClick r:id="rId3"/>
+              </a:rPr>
+              <a:t>http</a:t>
+            </a:r>
+            <a:r>
+              <a:rPr lang="en-US" dirty="0" smtClean="0">
+                <a:hlinkClick r:id="rId3"/>
+              </a:rPr>
+              <a:t>://valgrind.org</a:t>
+            </a:r>
+            <a:r>
+              <a:rPr lang="en-US" dirty="0" smtClean="0">
+                <a:hlinkClick r:id="rId3"/>
+              </a:rPr>
+              <a:t>/</a:t>
+            </a:r>
+            <a:endParaRPr lang="en-US" dirty="0" smtClean="0"/>
+          </a:p>
+        </p:txBody>
+      </p:sp>
+      <p:cxnSp>
+        <p:nvCxnSpPr>
+          <p:cNvPr id="8" name="Прямая соединительная линия 6"/>
+          <p:cNvCxnSpPr/>
+          <p:nvPr/>
+        </p:nvCxnSpPr>
+        <p:spPr>
+          <a:xfrm>
+            <a:off x="3581400" y="6019800"/>
+            <a:ext cx="5181600" cy="0"/>
+          </a:xfrm>
+          <a:prstGeom prst="line">
+            <a:avLst/>
+          </a:prstGeom>
+        </p:spPr>
+        <p:style>
+          <a:lnRef idx="1">
+            <a:schemeClr val="accent1"/>
+          </a:lnRef>
+          <a:fillRef idx="0">
+            <a:schemeClr val="accent1"/>
+          </a:fillRef>
+          <a:effectRef idx="0">
+            <a:schemeClr val="accent1"/>
+          </a:effectRef>
+          <a:fontRef idx="minor">
+            <a:schemeClr val="tx1"/>
+          </a:fontRef>
+        </p:style>
+      </p:cxnSp>
+    </p:spTree>
+  </p:cSld>
+  <p:clrMapOvr>
+    <a:masterClrMapping/>
+  </p:clrMapOvr>
+</p:sld>
+</file>
+
+<file path=ppt/slides/slide8.xml><?xml version="1.0" encoding="utf-8"?>
+<p:sld xmlns:a="http://schemas.openxmlformats.org/drawingml/2006/main" xmlns:r="http://schemas.openxmlformats.org/officeDocument/2006/relationships" xmlns:p="http://schemas.openxmlformats.org/presentationml/2006/main">
+  <p:cSld>
+    <p:spTree>
+      <p:nvGrpSpPr>
+        <p:cNvPr id="1" name=""/>
+        <p:cNvGrpSpPr/>
+        <p:nvPr/>
+      </p:nvGrpSpPr>
+      <p:grpSpPr>
+        <a:xfrm>
+          <a:off x="0" y="0"/>
+          <a:ext cx="0" cy="0"/>
+          <a:chOff x="0" y="0"/>
+          <a:chExt cx="0" cy="0"/>
+        </a:xfrm>
+      </p:grpSpPr>
+      <p:sp>
+        <p:nvSpPr>
+          <p:cNvPr id="2" name="Title 1"/>
+          <p:cNvSpPr>
+            <a:spLocks noGrp="1"/>
+          </p:cNvSpPr>
+          <p:nvPr>
+            <p:ph type="title"/>
+          </p:nvPr>
+        </p:nvSpPr>
+        <p:spPr/>
+        <p:txBody>
+          <a:bodyPr/>
+          <a:lstStyle/>
+          <a:p>
+            <a:r>
+              <a:rPr lang="en-US" dirty="0" err="1" smtClean="0"/>
+              <a:t>Valgrind</a:t>
+            </a:r>
+            <a:endParaRPr lang="en-US" dirty="0"/>
+          </a:p>
+        </p:txBody>
+      </p:sp>
+      <p:sp>
+        <p:nvSpPr>
+          <p:cNvPr id="3" name="Content Placeholder 2"/>
+          <p:cNvSpPr>
+            <a:spLocks noGrp="1"/>
+          </p:cNvSpPr>
+          <p:nvPr>
+            <p:ph idx="1"/>
+          </p:nvPr>
+        </p:nvSpPr>
+        <p:spPr/>
+        <p:txBody>
+          <a:bodyPr/>
+          <a:lstStyle/>
+          <a:p>
+            <a:r>
+              <a:rPr lang="en-US" dirty="0" err="1" smtClean="0"/>
+              <a:t>Memcheck</a:t>
+            </a:r>
+            <a:r>
+              <a:rPr lang="en-US" dirty="0" smtClean="0"/>
+              <a:t> – </a:t>
+            </a:r>
+            <a:r>
+              <a:rPr lang="ru-RU" dirty="0" smtClean="0"/>
+              <a:t>обнаружение утечек памяти</a:t>
+            </a:r>
+            <a:endParaRPr lang="en-US" dirty="0" smtClean="0"/>
+          </a:p>
+          <a:p>
+            <a:r>
+              <a:rPr lang="en-US" dirty="0" err="1" smtClean="0"/>
+              <a:t>Cachegrind</a:t>
+            </a:r>
+            <a:r>
+              <a:rPr lang="ru-RU" dirty="0" smtClean="0"/>
+              <a:t> – анализ выполнения кода</a:t>
+            </a:r>
+          </a:p>
+          <a:p>
+            <a:r>
+              <a:rPr lang="en-US" dirty="0" smtClean="0"/>
+              <a:t>Massif – </a:t>
+            </a:r>
+            <a:r>
+              <a:rPr lang="ru-RU" dirty="0" smtClean="0"/>
+              <a:t>анализ выделения памяти различными частями программы</a:t>
+            </a:r>
+          </a:p>
+          <a:p>
+            <a:r>
+              <a:rPr lang="en-US" dirty="0" err="1" smtClean="0"/>
+              <a:t>Helgrind</a:t>
+            </a:r>
+            <a:r>
+              <a:rPr lang="en-US" dirty="0" smtClean="0"/>
+              <a:t> – </a:t>
+            </a:r>
+            <a:r>
+              <a:rPr lang="ru-RU" dirty="0" smtClean="0"/>
+              <a:t>анализ многопоточного кода</a:t>
+            </a:r>
+          </a:p>
+          <a:p>
+            <a:endParaRPr lang="ru-RU" dirty="0" smtClean="0"/>
+          </a:p>
+          <a:p>
+            <a:r>
+              <a:rPr lang="ru-RU" dirty="0" smtClean="0"/>
+              <a:t>Есть ещё</a:t>
+            </a:r>
+            <a:endParaRPr lang="en-US" dirty="0"/>
+          </a:p>
+        </p:txBody>
+      </p:sp>
+      <p:sp>
+        <p:nvSpPr>
+          <p:cNvPr id="4" name="Прямоугольник 5"/>
+          <p:cNvSpPr/>
+          <p:nvPr/>
+        </p:nvSpPr>
+        <p:spPr>
+          <a:xfrm>
+            <a:off x="1676400" y="6096000"/>
+            <a:ext cx="7162800" cy="369332"/>
+          </a:xfrm>
+          <a:prstGeom prst="rect">
+            <a:avLst/>
+          </a:prstGeom>
+        </p:spPr>
+        <p:txBody>
+          <a:bodyPr wrap="square">
+            <a:spAutoFit/>
+          </a:bodyPr>
+          <a:lstStyle/>
+          <a:p>
+            <a:pPr algn="r"/>
+            <a:r>
+              <a:rPr lang="en-US" dirty="0" smtClean="0">
+                <a:hlinkClick r:id="rId2"/>
+              </a:rPr>
+              <a:t>http://</a:t>
+            </a:r>
+            <a:r>
+              <a:rPr lang="en-US" dirty="0" smtClean="0">
+                <a:hlinkClick r:id="rId2"/>
+              </a:rPr>
+              <a:t>alexott.net/ru/linux/valgrind/Valgrind.html</a:t>
+            </a:r>
+            <a:endParaRPr lang="en-US" dirty="0" smtClean="0"/>
+          </a:p>
+        </p:txBody>
+      </p:sp>
+      <p:cxnSp>
+        <p:nvCxnSpPr>
+          <p:cNvPr id="5" name="Прямая соединительная линия 6"/>
+          <p:cNvCxnSpPr/>
+          <p:nvPr/>
+        </p:nvCxnSpPr>
+        <p:spPr>
+          <a:xfrm>
+            <a:off x="3581400" y="6019800"/>
+            <a:ext cx="5181600" cy="0"/>
+          </a:xfrm>
+          <a:prstGeom prst="line">
+            <a:avLst/>
+          </a:prstGeom>
+        </p:spPr>
+        <p:style>
+          <a:lnRef idx="1">
+            <a:schemeClr val="accent1"/>
+          </a:lnRef>
+          <a:fillRef idx="0">
+            <a:schemeClr val="accent1"/>
+          </a:fillRef>
+          <a:effectRef idx="0">
+            <a:schemeClr val="accent1"/>
+          </a:effectRef>
+          <a:fontRef idx="minor">
+            <a:schemeClr val="tx1"/>
+          </a:fontRef>
+        </p:style>
+      </p:cxnSp>
+    </p:spTree>
+  </p:cSld>
+  <p:clrMapOvr>
+    <a:masterClrMapping/>
+  </p:clrMapOvr>
+</p:sld>
+</file>
+
+<file path=ppt/slides/slide9.xml><?xml version="1.0" encoding="utf-8"?>
+<p:sld xmlns:a="http://schemas.openxmlformats.org/drawingml/2006/main" xmlns:r="http://schemas.openxmlformats.org/officeDocument/2006/relationships" xmlns:p="http://schemas.openxmlformats.org/presentationml/2006/main">
+  <p:cSld>
+    <p:spTree>
+      <p:nvGrpSpPr>
+        <p:cNvPr id="1" name=""/>
+        <p:cNvGrpSpPr/>
+        <p:nvPr/>
+      </p:nvGrpSpPr>
+      <p:grpSpPr>
+        <a:xfrm>
+          <a:off x="0" y="0"/>
+          <a:ext cx="0" cy="0"/>
+          <a:chOff x="0" y="0"/>
+          <a:chExt cx="0" cy="0"/>
+        </a:xfrm>
+      </p:grpSpPr>
+      <p:sp>
+        <p:nvSpPr>
+          <p:cNvPr id="2" name="Title 1"/>
+          <p:cNvSpPr>
+            <a:spLocks noGrp="1"/>
+          </p:cNvSpPr>
+          <p:nvPr>
+            <p:ph type="title"/>
+          </p:nvPr>
+        </p:nvSpPr>
+        <p:spPr/>
+        <p:txBody>
+          <a:bodyPr/>
+          <a:lstStyle/>
+          <a:p>
+            <a:r>
+              <a:rPr lang="en-US" dirty="0" smtClean="0"/>
+              <a:t>Usage</a:t>
+            </a:r>
+            <a:endParaRPr lang="en-US" dirty="0"/>
+          </a:p>
+        </p:txBody>
+      </p:sp>
+      <p:sp>
+        <p:nvSpPr>
+          <p:cNvPr id="3" name="Content Placeholder 2"/>
+          <p:cNvSpPr>
+            <a:spLocks noGrp="1"/>
+          </p:cNvSpPr>
+          <p:nvPr>
+            <p:ph idx="1"/>
+          </p:nvPr>
+        </p:nvSpPr>
+        <p:spPr/>
+        <p:txBody>
+          <a:bodyPr>
+            <a:normAutofit/>
+          </a:bodyPr>
+          <a:lstStyle/>
+          <a:p>
+            <a:pPr>
+              <a:buNone/>
+            </a:pPr>
+            <a:r>
+              <a:rPr lang="en-US" sz="2000" dirty="0" smtClean="0">
+                <a:latin typeface="Consolas" pitchFamily="49" charset="0"/>
+                <a:cs typeface="Consolas" pitchFamily="49" charset="0"/>
+              </a:rPr>
+              <a:t>$ </a:t>
+            </a:r>
+            <a:r>
+              <a:rPr lang="en-US" sz="2000" dirty="0" err="1" smtClean="0">
+                <a:latin typeface="Consolas" pitchFamily="49" charset="0"/>
+                <a:cs typeface="Consolas" pitchFamily="49" charset="0"/>
+              </a:rPr>
+              <a:t>valgrind</a:t>
+            </a:r>
+            <a:r>
+              <a:rPr lang="en-US" sz="2000" dirty="0" smtClean="0">
+                <a:latin typeface="Consolas" pitchFamily="49" charset="0"/>
+                <a:cs typeface="Consolas" pitchFamily="49" charset="0"/>
+              </a:rPr>
+              <a:t> </a:t>
+            </a:r>
+            <a:r>
+              <a:rPr lang="en-US" sz="2000" dirty="0" smtClean="0">
+                <a:latin typeface="Consolas" pitchFamily="49" charset="0"/>
+                <a:cs typeface="Consolas" pitchFamily="49" charset="0"/>
+              </a:rPr>
+              <a:t>./</a:t>
+            </a:r>
+            <a:r>
+              <a:rPr lang="en-US" sz="2000" dirty="0" smtClean="0">
+                <a:latin typeface="Consolas" pitchFamily="49" charset="0"/>
+                <a:cs typeface="Consolas" pitchFamily="49" charset="0"/>
+              </a:rPr>
+              <a:t>bin_32/Debug/</a:t>
+            </a:r>
+            <a:r>
+              <a:rPr lang="en-US" sz="2000" dirty="0" err="1" smtClean="0">
+                <a:latin typeface="Consolas" pitchFamily="49" charset="0"/>
+                <a:cs typeface="Consolas" pitchFamily="49" charset="0"/>
+              </a:rPr>
+              <a:t>valgrinde</a:t>
+            </a:r>
+            <a:endParaRPr lang="en-US" sz="2000" dirty="0" smtClean="0">
+              <a:latin typeface="Consolas" pitchFamily="49" charset="0"/>
+              <a:cs typeface="Consolas" pitchFamily="49" charset="0"/>
+            </a:endParaRPr>
+          </a:p>
+          <a:p>
+            <a:pPr>
+              <a:buNone/>
+            </a:pPr>
+            <a:endParaRPr lang="en-US" sz="2000" dirty="0" smtClean="0">
+              <a:latin typeface="Consolas" pitchFamily="49" charset="0"/>
+              <a:cs typeface="Consolas" pitchFamily="49" charset="0"/>
+            </a:endParaRPr>
+          </a:p>
+          <a:p>
+            <a:pPr>
+              <a:buNone/>
+            </a:pPr>
+            <a:r>
+              <a:rPr lang="en-US" sz="2000" dirty="0" smtClean="0">
+                <a:latin typeface="Consolas" pitchFamily="49" charset="0"/>
+                <a:cs typeface="Consolas" pitchFamily="49" charset="0"/>
+              </a:rPr>
+              <a:t>==</a:t>
+            </a:r>
+            <a:r>
+              <a:rPr lang="en-US" sz="2000" dirty="0" smtClean="0">
+                <a:latin typeface="Consolas" pitchFamily="49" charset="0"/>
+                <a:cs typeface="Consolas" pitchFamily="49" charset="0"/>
+              </a:rPr>
+              <a:t>26372== LEAK SUMMARY:</a:t>
+            </a:r>
+          </a:p>
+          <a:p>
+            <a:pPr>
+              <a:buNone/>
+            </a:pPr>
+            <a:r>
+              <a:rPr lang="en-US" sz="2000" dirty="0" smtClean="0">
+                <a:latin typeface="Consolas" pitchFamily="49" charset="0"/>
+                <a:cs typeface="Consolas" pitchFamily="49" charset="0"/>
+              </a:rPr>
+              <a:t>==26372==    definitely lost: 70 bytes in 5 blocks</a:t>
+            </a:r>
+          </a:p>
+          <a:p>
+            <a:pPr>
+              <a:buNone/>
+            </a:pPr>
+            <a:r>
+              <a:rPr lang="en-US" sz="2000" dirty="0" smtClean="0">
+                <a:latin typeface="Consolas" pitchFamily="49" charset="0"/>
+                <a:cs typeface="Consolas" pitchFamily="49" charset="0"/>
+              </a:rPr>
+              <a:t>==26372==    indirectly lost: 0 bytes in 0 blocks</a:t>
+            </a:r>
+          </a:p>
+          <a:p>
+            <a:pPr>
+              <a:buNone/>
+            </a:pPr>
+            <a:r>
+              <a:rPr lang="en-US" sz="2000" dirty="0" smtClean="0">
+                <a:latin typeface="Consolas" pitchFamily="49" charset="0"/>
+                <a:cs typeface="Consolas" pitchFamily="49" charset="0"/>
+              </a:rPr>
+              <a:t>==26372==      possibly lost: 0 bytes in 0 blocks</a:t>
+            </a:r>
+          </a:p>
+          <a:p>
+            <a:pPr>
+              <a:buNone/>
+            </a:pPr>
+            <a:r>
+              <a:rPr lang="en-US" sz="2000" dirty="0" smtClean="0">
+                <a:latin typeface="Consolas" pitchFamily="49" charset="0"/>
+                <a:cs typeface="Consolas" pitchFamily="49" charset="0"/>
+              </a:rPr>
+              <a:t>==26372==    still reachable: 0 bytes in 0 blocks</a:t>
+            </a:r>
+          </a:p>
+          <a:p>
+            <a:pPr>
+              <a:buNone/>
+            </a:pPr>
+            <a:r>
+              <a:rPr lang="en-US" sz="2000" dirty="0" smtClean="0">
+                <a:latin typeface="Consolas" pitchFamily="49" charset="0"/>
+                <a:cs typeface="Consolas" pitchFamily="49" charset="0"/>
+              </a:rPr>
+              <a:t>==26372==         suppressed: 0 bytes in 0 blocks</a:t>
+            </a:r>
+          </a:p>
+          <a:p>
+            <a:pPr>
+              <a:buNone/>
+            </a:pPr>
+            <a:endParaRPr lang="en-US" sz="2000" dirty="0">
+              <a:latin typeface="Consolas" pitchFamily="49" charset="0"/>
+              <a:cs typeface="Consolas" pitchFamily="49" charset="0"/>
+            </a:endParaRPr>
           </a:p>
         </p:txBody>
       </p:sp>

--- a/lections/cpp_craft_lec_7_pre.pptx
+++ b/lections/cpp_craft_lec_7_pre.pptx
@@ -1033,10 +1033,24 @@
     <dgm:pt modelId="{DA504411-9599-474D-8F98-CB160A4B3A8E}" type="pres">
       <dgm:prSet presAssocID="{9087FC1C-BB16-4F26-8CE5-8CA132C96235}" presName="sibTrans" presStyleLbl="sibTrans2D1" presStyleIdx="0" presStyleCnt="2"/>
       <dgm:spPr/>
+      <dgm:t>
+        <a:bodyPr/>
+        <a:lstStyle/>
+        <a:p>
+          <a:endParaRPr lang="en-US"/>
+        </a:p>
+      </dgm:t>
     </dgm:pt>
     <dgm:pt modelId="{B1FD2CC7-3CE8-44B8-BA0D-B8FE8C45F11A}" type="pres">
       <dgm:prSet presAssocID="{9087FC1C-BB16-4F26-8CE5-8CA132C96235}" presName="connectorText" presStyleLbl="sibTrans2D1" presStyleIdx="0" presStyleCnt="2"/>
       <dgm:spPr/>
+      <dgm:t>
+        <a:bodyPr/>
+        <a:lstStyle/>
+        <a:p>
+          <a:endParaRPr lang="en-US"/>
+        </a:p>
+      </dgm:t>
     </dgm:pt>
     <dgm:pt modelId="{42C663FA-7FD7-4D4F-9E02-08EC6D155169}" type="pres">
       <dgm:prSet presAssocID="{5F3138D7-7F85-4D6A-B320-E3EBE82BFAC7}" presName="node" presStyleLbl="node1" presStyleIdx="1" presStyleCnt="3">
@@ -1045,14 +1059,35 @@
         </dgm:presLayoutVars>
       </dgm:prSet>
       <dgm:spPr/>
+      <dgm:t>
+        <a:bodyPr/>
+        <a:lstStyle/>
+        <a:p>
+          <a:endParaRPr lang="en-US"/>
+        </a:p>
+      </dgm:t>
     </dgm:pt>
     <dgm:pt modelId="{BBEBD797-B207-4F9D-8967-905511009618}" type="pres">
       <dgm:prSet presAssocID="{9CC1FAC1-E4E3-4B56-9FA6-3E86E71E6C32}" presName="sibTrans" presStyleLbl="sibTrans2D1" presStyleIdx="1" presStyleCnt="2"/>
       <dgm:spPr/>
+      <dgm:t>
+        <a:bodyPr/>
+        <a:lstStyle/>
+        <a:p>
+          <a:endParaRPr lang="en-US"/>
+        </a:p>
+      </dgm:t>
     </dgm:pt>
     <dgm:pt modelId="{4F556CF0-EFC0-449D-8B0E-92DE6AE66994}" type="pres">
       <dgm:prSet presAssocID="{9CC1FAC1-E4E3-4B56-9FA6-3E86E71E6C32}" presName="connectorText" presStyleLbl="sibTrans2D1" presStyleIdx="1" presStyleCnt="2"/>
       <dgm:spPr/>
+      <dgm:t>
+        <a:bodyPr/>
+        <a:lstStyle/>
+        <a:p>
+          <a:endParaRPr lang="en-US"/>
+        </a:p>
+      </dgm:t>
     </dgm:pt>
     <dgm:pt modelId="{B344D312-9AFE-47F6-80A6-9363426B471F}" type="pres">
       <dgm:prSet presAssocID="{BAAA0CFD-6E35-4AA1-9193-B9FB1C3DF752}" presName="node" presStyleLbl="node1" presStyleIdx="2" presStyleCnt="3" custScaleX="217000">
@@ -2753,7 +2788,7 @@
             <a:fld id="{9D2A6E17-AB36-4E53-A896-72D500841CBD}" type="datetimeFigureOut">
               <a:rPr lang="en-US" smtClean="0"/>
               <a:pPr/>
-              <a:t>11/15/2013</a:t>
+              <a:t>11/19/2013</a:t>
             </a:fld>
             <a:endParaRPr lang="en-US"/>
           </a:p>
@@ -2915,7 +2950,7 @@
             <a:fld id="{51355148-98C8-44B7-B615-545A12FD2603}" type="datetimeFigureOut">
               <a:rPr lang="en-US" smtClean="0"/>
               <a:pPr/>
-              <a:t>11/15/2013</a:t>
+              <a:t>11/19/2013</a:t>
             </a:fld>
             <a:endParaRPr lang="en-US"/>
           </a:p>
@@ -3084,7 +3119,7 @@
     </p:spTree>
     <p:extLst>
       <p:ext uri="{BB962C8B-B14F-4D97-AF65-F5344CB8AC3E}">
-        <p14:creationId xmlns:p14="http://schemas.microsoft.com/office/powerpoint/2010/main" xmlns="" val="402960394"/>
+        <p14:creationId xmlns="" xmlns:p14="http://schemas.microsoft.com/office/powerpoint/2010/main" val="402960394"/>
       </p:ext>
     </p:extLst>
   </p:cSld>
@@ -3262,7 +3297,7 @@
     </p:spTree>
     <p:extLst>
       <p:ext uri="{BB962C8B-B14F-4D97-AF65-F5344CB8AC3E}">
-        <p14:creationId xmlns:p14="http://schemas.microsoft.com/office/powerpoint/2010/main" xmlns="" val="1596205665"/>
+        <p14:creationId xmlns="" xmlns:p14="http://schemas.microsoft.com/office/powerpoint/2010/main" val="1596205665"/>
       </p:ext>
     </p:extLst>
   </p:cSld>
@@ -3454,7 +3489,7 @@
             <a:fld id="{617A4F30-FB30-424F-9F07-D851740F429F}" type="datetimeFigureOut">
               <a:rPr lang="en-US" smtClean="0"/>
               <a:pPr/>
-              <a:t>11/15/2013</a:t>
+              <a:t>11/19/2013</a:t>
             </a:fld>
             <a:endParaRPr lang="en-US"/>
           </a:p>
@@ -3621,7 +3656,7 @@
             <a:fld id="{617A4F30-FB30-424F-9F07-D851740F429F}" type="datetimeFigureOut">
               <a:rPr lang="en-US" smtClean="0"/>
               <a:pPr/>
-              <a:t>11/15/2013</a:t>
+              <a:t>11/19/2013</a:t>
             </a:fld>
             <a:endParaRPr lang="en-US"/>
           </a:p>
@@ -3798,7 +3833,7 @@
             <a:fld id="{617A4F30-FB30-424F-9F07-D851740F429F}" type="datetimeFigureOut">
               <a:rPr lang="en-US" smtClean="0"/>
               <a:pPr/>
-              <a:t>11/15/2013</a:t>
+              <a:t>11/19/2013</a:t>
             </a:fld>
             <a:endParaRPr lang="en-US"/>
           </a:p>
@@ -3965,7 +4000,7 @@
             <a:fld id="{617A4F30-FB30-424F-9F07-D851740F429F}" type="datetimeFigureOut">
               <a:rPr lang="en-US" smtClean="0"/>
               <a:pPr/>
-              <a:t>11/15/2013</a:t>
+              <a:t>11/19/2013</a:t>
             </a:fld>
             <a:endParaRPr lang="en-US"/>
           </a:p>
@@ -4208,7 +4243,7 @@
             <a:fld id="{617A4F30-FB30-424F-9F07-D851740F429F}" type="datetimeFigureOut">
               <a:rPr lang="en-US" smtClean="0"/>
               <a:pPr/>
-              <a:t>11/15/2013</a:t>
+              <a:t>11/19/2013</a:t>
             </a:fld>
             <a:endParaRPr lang="en-US"/>
           </a:p>
@@ -4493,7 +4528,7 @@
             <a:fld id="{617A4F30-FB30-424F-9F07-D851740F429F}" type="datetimeFigureOut">
               <a:rPr lang="en-US" smtClean="0"/>
               <a:pPr/>
-              <a:t>11/15/2013</a:t>
+              <a:t>11/19/2013</a:t>
             </a:fld>
             <a:endParaRPr lang="en-US"/>
           </a:p>
@@ -4912,7 +4947,7 @@
             <a:fld id="{617A4F30-FB30-424F-9F07-D851740F429F}" type="datetimeFigureOut">
               <a:rPr lang="en-US" smtClean="0"/>
               <a:pPr/>
-              <a:t>11/15/2013</a:t>
+              <a:t>11/19/2013</a:t>
             </a:fld>
             <a:endParaRPr lang="en-US"/>
           </a:p>
@@ -5027,7 +5062,7 @@
             <a:fld id="{617A4F30-FB30-424F-9F07-D851740F429F}" type="datetimeFigureOut">
               <a:rPr lang="en-US" smtClean="0"/>
               <a:pPr/>
-              <a:t>11/15/2013</a:t>
+              <a:t>11/19/2013</a:t>
             </a:fld>
             <a:endParaRPr lang="en-US"/>
           </a:p>
@@ -5119,7 +5154,7 @@
             <a:fld id="{617A4F30-FB30-424F-9F07-D851740F429F}" type="datetimeFigureOut">
               <a:rPr lang="en-US" smtClean="0"/>
               <a:pPr/>
-              <a:t>11/15/2013</a:t>
+              <a:t>11/19/2013</a:t>
             </a:fld>
             <a:endParaRPr lang="en-US"/>
           </a:p>
@@ -5393,7 +5428,7 @@
             <a:fld id="{617A4F30-FB30-424F-9F07-D851740F429F}" type="datetimeFigureOut">
               <a:rPr lang="en-US" smtClean="0"/>
               <a:pPr/>
-              <a:t>11/15/2013</a:t>
+              <a:t>11/19/2013</a:t>
             </a:fld>
             <a:endParaRPr lang="en-US"/>
           </a:p>
@@ -5643,7 +5678,7 @@
             <a:fld id="{617A4F30-FB30-424F-9F07-D851740F429F}" type="datetimeFigureOut">
               <a:rPr lang="en-US" smtClean="0"/>
               <a:pPr/>
-              <a:t>11/15/2013</a:t>
+              <a:t>11/19/2013</a:t>
             </a:fld>
             <a:endParaRPr lang="en-US"/>
           </a:p>
@@ -5853,7 +5888,7 @@
             <a:fld id="{617A4F30-FB30-424F-9F07-D851740F429F}" type="datetimeFigureOut">
               <a:rPr lang="en-US" smtClean="0"/>
               <a:pPr/>
-              <a:t>11/15/2013</a:t>
+              <a:t>11/19/2013</a:t>
             </a:fld>
             <a:endParaRPr lang="en-US"/>
           </a:p>
@@ -6279,7 +6314,6 @@
               <a:rPr lang="ru-RU" dirty="0" smtClean="0"/>
               <a:t>Подсистемы серверных приложений</a:t>
             </a:r>
-            <a:endParaRPr lang="ru-RU" dirty="0" smtClean="0"/>
           </a:p>
           <a:p>
             <a:r>
@@ -6406,11 +6440,7 @@
             </a:r>
             <a:r>
               <a:rPr lang="en-US" sz="1600" dirty="0" smtClean="0"/>
-              <a:t> </a:t>
-            </a:r>
-            <a:r>
-              <a:rPr lang="en-US" sz="1600" dirty="0" smtClean="0"/>
-              <a:t>--tool=</a:t>
+              <a:t> --tool=</a:t>
             </a:r>
             <a:r>
               <a:rPr lang="en-US" sz="1600" dirty="0" err="1" smtClean="0"/>
@@ -6418,11 +6448,7 @@
             </a:r>
             <a:r>
               <a:rPr lang="en-US" sz="1600" dirty="0" smtClean="0"/>
-              <a:t> --leak-check=full ./</a:t>
-            </a:r>
-            <a:r>
-              <a:rPr lang="en-US" sz="1600" dirty="0" smtClean="0"/>
-              <a:t>bin_32/Debug/</a:t>
+              <a:t> --leak-check=full ./bin_32/Debug/</a:t>
             </a:r>
             <a:r>
               <a:rPr lang="en-US" sz="1600" dirty="0" err="1" smtClean="0"/>
@@ -6445,14 +6471,7 @@
                 <a:latin typeface="Consolas" pitchFamily="49" charset="0"/>
                 <a:cs typeface="Consolas" pitchFamily="49" charset="0"/>
               </a:rPr>
-              <a:t>==</a:t>
-            </a:r>
-            <a:r>
-              <a:rPr lang="en-US" sz="1400" dirty="0" smtClean="0">
-                <a:latin typeface="Consolas" pitchFamily="49" charset="0"/>
-                <a:cs typeface="Consolas" pitchFamily="49" charset="0"/>
-              </a:rPr>
-              <a:t>26393== 14 bytes in 1 blocks are definitely lost in loss record 1 of 5</a:t>
+              <a:t>==26393== 14 bytes in 1 blocks are definitely lost in loss record 1 of 5</a:t>
             </a:r>
           </a:p>
           <a:p>
@@ -6846,13 +6865,7 @@
               <a:rPr lang="en-US" dirty="0" smtClean="0">
                 <a:hlinkClick r:id="rId2"/>
               </a:rPr>
-              <a:t>https://</a:t>
-            </a:r>
-            <a:r>
-              <a:rPr lang="en-US" dirty="0" smtClean="0">
-                <a:hlinkClick r:id="rId2"/>
-              </a:rPr>
-              <a:t>github.com/config4star/config4cpp</a:t>
+              <a:t>https://github.com/config4star/config4cpp</a:t>
             </a:r>
             <a:endParaRPr lang="en-US" dirty="0" smtClean="0"/>
           </a:p>
@@ -7083,11 +7096,7 @@
             </a:r>
             <a:r>
               <a:rPr lang="en-US" dirty="0" smtClean="0"/>
-              <a:t>timeout </a:t>
-            </a:r>
-            <a:r>
-              <a:rPr lang="en-US" dirty="0" smtClean="0"/>
-              <a:t>= "5 seconds"; </a:t>
+              <a:t>timeout = "5 seconds"; </a:t>
             </a:r>
             <a:endParaRPr lang="ru-RU" dirty="0" smtClean="0"/>
           </a:p>
@@ -7125,19 +7134,47 @@
             </a:pPr>
             <a:r>
               <a:rPr lang="ru-RU" dirty="0" smtClean="0"/>
-              <a:t>	</a:t>
-            </a:r>
+              <a:t>		</a:t>
+            </a:r>
+            <a:r>
+              <a:rPr lang="en-US" dirty="0" smtClean="0"/>
+              <a:t>level = "2"; </a:t>
+            </a:r>
+            <a:endParaRPr lang="ru-RU" dirty="0" smtClean="0"/>
+          </a:p>
+          <a:p>
+            <a:pPr>
+              <a:buNone/>
+            </a:pPr>
+            <a:r>
+              <a:rPr lang="ru-RU" dirty="0" smtClean="0"/>
+              <a:t>		</a:t>
+            </a:r>
+            <a:r>
+              <a:rPr lang="en-US" dirty="0" smtClean="0"/>
+              <a:t>dir = "/</a:t>
+            </a:r>
+            <a:r>
+              <a:rPr lang="en-US" dirty="0" err="1" smtClean="0"/>
+              <a:t>tmp</a:t>
+            </a:r>
+            <a:r>
+              <a:rPr lang="en-US" dirty="0" smtClean="0"/>
+              <a:t>"; </a:t>
+            </a:r>
+            <a:endParaRPr lang="ru-RU" dirty="0" smtClean="0"/>
+          </a:p>
+          <a:p>
+            <a:pPr>
+              <a:buNone/>
+            </a:pPr>
             <a:r>
               <a:rPr lang="ru-RU" dirty="0" smtClean="0"/>
               <a:t>	</a:t>
             </a:r>
             <a:r>
               <a:rPr lang="en-US" dirty="0" smtClean="0"/>
-              <a:t>level </a:t>
-            </a:r>
-            <a:r>
-              <a:rPr lang="en-US" dirty="0" smtClean="0"/>
-              <a:t>= "2"; </a:t>
+              <a:t>} </a:t>
             </a:r>
             <a:endParaRPr lang="ru-RU" dirty="0" smtClean="0"/>
           </a:p>
@@ -7150,24 +7187,30 @@
               <a:t>	</a:t>
             </a:r>
             <a:r>
+              <a:rPr lang="en-US" dirty="0" err="1" smtClean="0"/>
+              <a:t>colour</a:t>
+            </a:r>
+            <a:r>
+              <a:rPr lang="en-US" dirty="0" smtClean="0"/>
+              <a:t> = "green"; </a:t>
+            </a:r>
+            <a:endParaRPr lang="ru-RU" dirty="0" smtClean="0"/>
+          </a:p>
+          <a:p>
+            <a:pPr>
+              <a:buNone/>
+            </a:pPr>
+            <a:r>
               <a:rPr lang="ru-RU" dirty="0" smtClean="0"/>
               <a:t>	</a:t>
             </a:r>
             <a:r>
-              <a:rPr lang="en-US" dirty="0" smtClean="0"/>
-              <a:t>dir </a:t>
-            </a:r>
-            <a:r>
-              <a:rPr lang="en-US" dirty="0" smtClean="0"/>
-              <a:t>= "/</a:t>
-            </a:r>
-            <a:r>
               <a:rPr lang="en-US" dirty="0" err="1" smtClean="0"/>
-              <a:t>tmp</a:t>
-            </a:r>
-            <a:r>
-              <a:rPr lang="en-US" dirty="0" smtClean="0"/>
-              <a:t>"; </a:t>
+              <a:t>int_list</a:t>
+            </a:r>
+            <a:r>
+              <a:rPr lang="en-US" dirty="0" smtClean="0"/>
+              <a:t> = ["1", "2", "3"]; </a:t>
             </a:r>
             <a:endParaRPr lang="ru-RU" dirty="0" smtClean="0"/>
           </a:p>
@@ -7181,69 +7224,7 @@
             </a:r>
             <a:r>
               <a:rPr lang="en-US" dirty="0" smtClean="0"/>
-              <a:t>} </a:t>
-            </a:r>
-            <a:endParaRPr lang="ru-RU" dirty="0" smtClean="0"/>
-          </a:p>
-          <a:p>
-            <a:pPr>
-              <a:buNone/>
-            </a:pPr>
-            <a:r>
-              <a:rPr lang="ru-RU" dirty="0" smtClean="0"/>
-              <a:t>	</a:t>
-            </a:r>
-            <a:r>
-              <a:rPr lang="en-US" dirty="0" err="1" smtClean="0"/>
-              <a:t>colour</a:t>
-            </a:r>
-            <a:r>
-              <a:rPr lang="en-US" dirty="0" smtClean="0"/>
-              <a:t> </a:t>
-            </a:r>
-            <a:r>
-              <a:rPr lang="en-US" dirty="0" smtClean="0"/>
-              <a:t>= "green"; </a:t>
-            </a:r>
-            <a:endParaRPr lang="ru-RU" dirty="0" smtClean="0"/>
-          </a:p>
-          <a:p>
-            <a:pPr>
-              <a:buNone/>
-            </a:pPr>
-            <a:r>
-              <a:rPr lang="ru-RU" dirty="0" smtClean="0"/>
-              <a:t>	</a:t>
-            </a:r>
-            <a:r>
-              <a:rPr lang="en-US" dirty="0" err="1" smtClean="0"/>
-              <a:t>int_list</a:t>
-            </a:r>
-            <a:r>
-              <a:rPr lang="en-US" dirty="0" smtClean="0"/>
-              <a:t> </a:t>
-            </a:r>
-            <a:r>
-              <a:rPr lang="en-US" dirty="0" smtClean="0"/>
-              <a:t>= ["1", "2", "3"]; </a:t>
-            </a:r>
-            <a:endParaRPr lang="ru-RU" dirty="0" smtClean="0"/>
-          </a:p>
-          <a:p>
-            <a:pPr>
-              <a:buNone/>
-            </a:pPr>
-            <a:r>
-              <a:rPr lang="ru-RU" dirty="0" smtClean="0"/>
-              <a:t>	</a:t>
-            </a:r>
-            <a:r>
-              <a:rPr lang="en-US" dirty="0" smtClean="0"/>
-              <a:t>temperature </a:t>
-            </a:r>
-            <a:r>
-              <a:rPr lang="en-US" dirty="0" smtClean="0"/>
-              <a:t>= "29 C"; </a:t>
+              <a:t>temperature = "29 C"; </a:t>
             </a:r>
             <a:endParaRPr lang="ru-RU" dirty="0" smtClean="0"/>
           </a:p>
@@ -7381,14 +7362,7 @@
                 <a:latin typeface="Consolas" pitchFamily="49" charset="0"/>
                 <a:cs typeface="Consolas" pitchFamily="49" charset="0"/>
               </a:rPr>
-              <a:t>CtaTradeLine.t1.log_file = _</a:t>
-            </a:r>
-            <a:r>
-              <a:rPr lang="en-US" sz="2000" dirty="0" smtClean="0">
-                <a:latin typeface="Consolas" pitchFamily="49" charset="0"/>
-                <a:cs typeface="Consolas" pitchFamily="49" charset="0"/>
-              </a:rPr>
-              <a:t>cta_in_t01.log</a:t>
+              <a:t>CtaTradeLine.t1.log_file = _cta_in_t01.log</a:t>
             </a:r>
           </a:p>
           <a:p>
@@ -7832,14 +7806,7 @@
                 <a:latin typeface="Consolas" pitchFamily="49" charset="0"/>
                 <a:cs typeface="Consolas" pitchFamily="49" charset="0"/>
               </a:rPr>
-              <a:t>[</a:t>
-            </a:r>
-            <a:r>
-              <a:rPr lang="en-US" sz="2000" dirty="0" smtClean="0">
-                <a:latin typeface="Consolas" pitchFamily="49" charset="0"/>
-                <a:cs typeface="Consolas" pitchFamily="49" charset="0"/>
-              </a:rPr>
-              <a:t>2013-Apr-17 14:18:59.228022:NOTE   ]: used default: </a:t>
+              <a:t>[2013-Apr-17 14:18:59.228022:NOTE   ]: used default: </a:t>
             </a:r>
             <a:r>
               <a:rPr lang="en-US" sz="2000" dirty="0" err="1" smtClean="0">
@@ -8188,21 +8155,7 @@
                 <a:latin typeface="Consolas" pitchFamily="49" charset="0"/>
                 <a:cs typeface="Consolas" pitchFamily="49" charset="0"/>
               </a:rPr>
-              <a:t>#</a:t>
-            </a:r>
-            <a:r>
-              <a:rPr lang="en-US" sz="2000" dirty="0" smtClean="0">
-                <a:latin typeface="Consolas" pitchFamily="49" charset="0"/>
-                <a:cs typeface="Consolas" pitchFamily="49" charset="0"/>
-              </a:rPr>
-              <a:t>include </a:t>
-            </a:r>
-            <a:r>
-              <a:rPr lang="en-US" sz="2000" dirty="0" smtClean="0">
-                <a:latin typeface="Consolas" pitchFamily="49" charset="0"/>
-                <a:cs typeface="Consolas" pitchFamily="49" charset="0"/>
-              </a:rPr>
-              <a:t>&lt;</a:t>
+              <a:t>#include &lt;</a:t>
             </a:r>
             <a:r>
               <a:rPr lang="en-US" sz="2000" dirty="0" err="1" smtClean="0">
@@ -9076,11 +9029,7 @@
           <a:p>
             <a:r>
               <a:rPr lang="ru-RU" dirty="0" smtClean="0"/>
-              <a:t>Изменение </a:t>
-            </a:r>
-            <a:r>
-              <a:rPr lang="ru-RU" dirty="0" smtClean="0"/>
-              <a:t>алгоритмов обработки и преобразования</a:t>
+              <a:t>Изменение алгоритмов обработки и преобразования</a:t>
             </a:r>
             <a:endParaRPr lang="en-US" dirty="0" smtClean="0"/>
           </a:p>
@@ -9448,38 +9397,25 @@
             </a:pPr>
             <a:r>
               <a:rPr lang="en-US" dirty="0" smtClean="0"/>
-              <a:t>        while </a:t>
-            </a:r>
-            <a:r>
-              <a:rPr lang="en-US" dirty="0" smtClean="0"/>
-              <a:t>(true)</a:t>
-            </a:r>
-          </a:p>
-          <a:p>
-            <a:pPr>
-              <a:buNone/>
-            </a:pPr>
-            <a:r>
-              <a:rPr lang="en-US" dirty="0" smtClean="0"/>
-              <a:t>     </a:t>
-            </a:r>
-            <a:r>
-              <a:rPr lang="en-US" dirty="0" smtClean="0"/>
-              <a:t>   {</a:t>
-            </a:r>
-            <a:endParaRPr lang="en-US" dirty="0" smtClean="0"/>
-          </a:p>
-          <a:p>
-            <a:pPr>
-              <a:buNone/>
-            </a:pPr>
-            <a:r>
-              <a:rPr lang="en-US" dirty="0" smtClean="0"/>
-              <a:t>                 boost</a:t>
-            </a:r>
-            <a:r>
-              <a:rPr lang="en-US" dirty="0" smtClean="0"/>
-              <a:t>::</a:t>
+              <a:t>        while (true)</a:t>
+            </a:r>
+          </a:p>
+          <a:p>
+            <a:pPr>
+              <a:buNone/>
+            </a:pPr>
+            <a:r>
+              <a:rPr lang="en-US" dirty="0" smtClean="0"/>
+              <a:t>        {</a:t>
+            </a:r>
+          </a:p>
+          <a:p>
+            <a:pPr>
+              <a:buNone/>
+            </a:pPr>
+            <a:r>
+              <a:rPr lang="en-US" dirty="0" smtClean="0"/>
+              <a:t>                 boost::</a:t>
             </a:r>
             <a:r>
               <a:rPr lang="en-US" dirty="0" err="1" smtClean="0"/>
@@ -9512,15 +9448,7 @@
             </a:pPr>
             <a:r>
               <a:rPr lang="en-US" dirty="0" smtClean="0"/>
-              <a:t>	</a:t>
-            </a:r>
-            <a:r>
-              <a:rPr lang="en-US" dirty="0" smtClean="0"/>
-              <a:t>if </a:t>
-            </a:r>
-            <a:r>
-              <a:rPr lang="en-US" dirty="0" smtClean="0"/>
-              <a:t>( !</a:t>
+              <a:t>	if ( !</a:t>
             </a:r>
             <a:r>
               <a:rPr lang="en-US" dirty="0" err="1" smtClean="0"/>
@@ -9537,28 +9465,16 @@
             </a:pPr>
             <a:r>
               <a:rPr lang="en-US" dirty="0" smtClean="0"/>
-              <a:t>	</a:t>
-            </a:r>
-            <a:r>
-              <a:rPr lang="en-US" dirty="0" smtClean="0"/>
-              <a:t>            break</a:t>
-            </a:r>
-            <a:r>
-              <a:rPr lang="en-US" dirty="0" smtClean="0"/>
-              <a:t>;</a:t>
-            </a:r>
-          </a:p>
-          <a:p>
-            <a:pPr>
-              <a:buNone/>
-            </a:pPr>
-            <a:r>
-              <a:rPr lang="en-US" dirty="0" smtClean="0"/>
-              <a:t>	</a:t>
-            </a:r>
-            <a:r>
-              <a:rPr lang="en-US" dirty="0" smtClean="0"/>
-              <a:t>(*</a:t>
+              <a:t>	            break;</a:t>
+            </a:r>
+          </a:p>
+          <a:p>
+            <a:pPr>
+              <a:buNone/>
+            </a:pPr>
+            <a:r>
+              <a:rPr lang="en-US" dirty="0" smtClean="0"/>
+              <a:t>	(*</a:t>
             </a:r>
             <a:r>
               <a:rPr lang="en-US" dirty="0" err="1" smtClean="0"/>
@@ -9575,29 +9491,16 @@
             </a:pPr>
             <a:r>
               <a:rPr lang="en-US" dirty="0" smtClean="0"/>
-              <a:t>	</a:t>
-            </a:r>
-            <a:r>
-              <a:rPr lang="en-US" dirty="0" smtClean="0"/>
-              <a:t>{</a:t>
-            </a:r>
-            <a:endParaRPr lang="en-US" dirty="0" smtClean="0"/>
-          </a:p>
-          <a:p>
-            <a:pPr>
-              <a:buNone/>
-            </a:pPr>
-            <a:r>
-              <a:rPr lang="en-US" dirty="0" smtClean="0"/>
-              <a:t>	 </a:t>
-            </a:r>
-            <a:r>
-              <a:rPr lang="en-US" dirty="0" smtClean="0"/>
-              <a:t>           boost</a:t>
-            </a:r>
-            <a:r>
-              <a:rPr lang="en-US" dirty="0" smtClean="0"/>
-              <a:t>::</a:t>
+              <a:t>	{</a:t>
+            </a:r>
+          </a:p>
+          <a:p>
+            <a:pPr>
+              <a:buNone/>
+            </a:pPr>
+            <a:r>
+              <a:rPr lang="en-US" dirty="0" smtClean="0"/>
+              <a:t>	            boost::</a:t>
             </a:r>
             <a:r>
               <a:rPr lang="en-US" dirty="0" err="1" smtClean="0"/>
@@ -9630,15 +9533,7 @@
             </a:pPr>
             <a:r>
               <a:rPr lang="en-US" dirty="0" smtClean="0"/>
-              <a:t>	</a:t>
-            </a:r>
-            <a:r>
-              <a:rPr lang="en-US" dirty="0" smtClean="0"/>
-              <a:t>            if </a:t>
-            </a:r>
-            <a:r>
-              <a:rPr lang="en-US" dirty="0" smtClean="0"/>
-              <a:t>( </a:t>
+              <a:t>	            if ( </a:t>
             </a:r>
             <a:r>
               <a:rPr lang="en-US" dirty="0" err="1" smtClean="0"/>
@@ -9663,53 +9558,70 @@
             </a:pPr>
             <a:r>
               <a:rPr lang="en-US" dirty="0" smtClean="0"/>
-              <a:t>		</a:t>
-            </a:r>
-            <a:r>
-              <a:rPr lang="en-US" dirty="0" smtClean="0"/>
-              <a:t>       break</a:t>
-            </a:r>
-            <a:r>
-              <a:rPr lang="en-US" dirty="0" smtClean="0"/>
-              <a:t>;</a:t>
-            </a:r>
-          </a:p>
-          <a:p>
-            <a:pPr>
-              <a:buNone/>
-            </a:pPr>
-            <a:r>
-              <a:rPr lang="en-US" dirty="0" smtClean="0"/>
-              <a:t>	</a:t>
-            </a:r>
+              <a:t>		       break;</a:t>
+            </a:r>
+          </a:p>
+          <a:p>
+            <a:pPr>
+              <a:buNone/>
+            </a:pPr>
+            <a:r>
+              <a:rPr lang="en-US" dirty="0" smtClean="0"/>
+              <a:t>	}</a:t>
+            </a:r>
+          </a:p>
+          <a:p>
+            <a:pPr>
+              <a:buNone/>
+            </a:pPr>
+            <a:r>
+              <a:rPr lang="en-US" dirty="0" smtClean="0"/>
+              <a:t>         }</a:t>
+            </a:r>
+          </a:p>
+          <a:p>
+            <a:pPr>
+              <a:buNone/>
+            </a:pPr>
             <a:r>
               <a:rPr lang="en-US" dirty="0" smtClean="0"/>
               <a:t>}</a:t>
             </a:r>
-            <a:endParaRPr lang="en-US" dirty="0" smtClean="0"/>
-          </a:p>
-          <a:p>
-            <a:pPr>
-              <a:buNone/>
-            </a:pPr>
-            <a:r>
-              <a:rPr lang="en-US" dirty="0" smtClean="0"/>
-              <a:t>         }</a:t>
-            </a:r>
-            <a:endParaRPr lang="en-US" dirty="0" smtClean="0"/>
-          </a:p>
-          <a:p>
-            <a:pPr>
-              <a:buNone/>
-            </a:pPr>
-            <a:r>
-              <a:rPr lang="en-US" dirty="0" smtClean="0"/>
-              <a:t>}</a:t>
-            </a:r>
-            <a:endParaRPr lang="en-US" dirty="0" smtClean="0"/>
-          </a:p>
-        </p:txBody>
-      </p:sp>
+          </a:p>
+        </p:txBody>
+      </p:sp>
+      <p:pic>
+        <p:nvPicPr>
+          <p:cNvPr id="1026" name="Picture 2"/>
+          <p:cNvPicPr>
+            <a:picLocks noChangeAspect="1" noChangeArrowheads="1"/>
+          </p:cNvPicPr>
+          <p:nvPr/>
+        </p:nvPicPr>
+        <p:blipFill>
+          <a:blip r:embed="rId2" cstate="print"/>
+          <a:srcRect/>
+          <a:stretch>
+            <a:fillRect/>
+          </a:stretch>
+        </p:blipFill>
+        <p:spPr bwMode="auto">
+          <a:xfrm>
+            <a:off x="6934200" y="1447800"/>
+            <a:ext cx="2019300" cy="2630076"/>
+          </a:xfrm>
+          <a:prstGeom prst="rect">
+            <a:avLst/>
+          </a:prstGeom>
+          <a:noFill/>
+          <a:ln w="9525">
+            <a:noFill/>
+            <a:miter lim="800000"/>
+            <a:headEnd/>
+            <a:tailEnd/>
+          </a:ln>
+        </p:spPr>
+      </p:pic>
     </p:spTree>
   </p:cSld>
   <p:clrMapOvr>
@@ -9846,11 +9758,7 @@
             </a:pPr>
             <a:r>
               <a:rPr lang="en-US" dirty="0" smtClean="0"/>
-              <a:t>boost</a:t>
-            </a:r>
-            <a:r>
-              <a:rPr lang="en-US" dirty="0" smtClean="0"/>
-              <a:t>::</a:t>
+              <a:t>boost::</a:t>
             </a:r>
             <a:r>
               <a:rPr lang="en-US" dirty="0" err="1" smtClean="0"/>
@@ -9881,11 +9789,7 @@
             </a:pPr>
             <a:r>
               <a:rPr lang="en-US" dirty="0" smtClean="0"/>
-              <a:t>for</a:t>
-            </a:r>
-            <a:r>
-              <a:rPr lang="en-US" dirty="0" smtClean="0"/>
-              <a:t>( </a:t>
+              <a:t>for( </a:t>
             </a:r>
             <a:r>
               <a:rPr lang="en-US" dirty="0" err="1" smtClean="0"/>
@@ -9928,7 +9832,6 @@
               <a:rPr lang="en-US" dirty="0" smtClean="0"/>
               <a:t>{</a:t>
             </a:r>
-            <a:endParaRPr lang="en-US" dirty="0" smtClean="0"/>
           </a:p>
           <a:p>
             <a:pPr>
@@ -9940,11 +9843,7 @@
             </a:r>
             <a:r>
               <a:rPr lang="en-US" dirty="0" smtClean="0"/>
-              <a:t>boost</a:t>
-            </a:r>
-            <a:r>
-              <a:rPr lang="en-US" dirty="0" smtClean="0"/>
-              <a:t>::</a:t>
+              <a:t>boost::</a:t>
             </a:r>
             <a:r>
               <a:rPr lang="en-US" dirty="0" err="1" smtClean="0"/>
@@ -9981,11 +9880,7 @@
             </a:r>
             <a:r>
               <a:rPr lang="en-US" dirty="0" err="1" smtClean="0"/>
-              <a:t>working_threads</a:t>
-            </a:r>
-            <a:r>
-              <a:rPr lang="en-US" dirty="0" err="1" smtClean="0"/>
-              <a:t>_.insert</a:t>
+              <a:t>working_threads_.insert</a:t>
             </a:r>
             <a:r>
               <a:rPr lang="en-US" dirty="0" smtClean="0"/>
@@ -10024,19 +9919,11 @@
             </a:pPr>
             <a:r>
               <a:rPr lang="ru-RU" dirty="0" smtClean="0"/>
-              <a:t> </a:t>
-            </a:r>
-            <a:r>
-              <a:rPr lang="ru-RU" dirty="0" smtClean="0"/>
-              <a:t>                 </a:t>
-            </a:r>
-            <a:r>
-              <a:rPr lang="en-US" dirty="0" smtClean="0"/>
-              <a:t>boost</a:t>
-            </a:r>
-            <a:r>
-              <a:rPr lang="en-US" dirty="0" smtClean="0"/>
-              <a:t>::bind( &amp;processor, </a:t>
+              <a:t>                  </a:t>
+            </a:r>
+            <a:r>
+              <a:rPr lang="en-US" dirty="0" smtClean="0"/>
+              <a:t>boost::bind( &amp;processor, </a:t>
             </a:r>
             <a:r>
               <a:rPr lang="en-US" dirty="0" err="1" smtClean="0"/>
@@ -10063,7 +9950,6 @@
               <a:rPr lang="en-US" dirty="0" smtClean="0"/>
               <a:t>}</a:t>
             </a:r>
-            <a:endParaRPr lang="en-US" dirty="0" smtClean="0"/>
           </a:p>
         </p:txBody>
       </p:sp>
@@ -10176,7 +10062,6 @@
               <a:rPr lang="en-US" dirty="0" smtClean="0"/>
               <a:t>{</a:t>
             </a:r>
-            <a:endParaRPr lang="en-US" dirty="0" smtClean="0"/>
           </a:p>
           <a:p>
             <a:pPr>
@@ -10188,11 +10073,7 @@
             </a:r>
             <a:r>
               <a:rPr lang="en-US" dirty="0" smtClean="0"/>
-              <a:t>boost</a:t>
-            </a:r>
-            <a:r>
-              <a:rPr lang="en-US" dirty="0" smtClean="0"/>
-              <a:t>::</a:t>
+              <a:t>boost::</a:t>
             </a:r>
             <a:r>
               <a:rPr lang="en-US" dirty="0" err="1" smtClean="0"/>
@@ -10229,11 +10110,7 @@
             </a:r>
             <a:r>
               <a:rPr lang="en-US" dirty="0" err="1" smtClean="0"/>
-              <a:t>working_threads</a:t>
-            </a:r>
-            <a:r>
-              <a:rPr lang="en-US" dirty="0" err="1" smtClean="0"/>
-              <a:t>_.erase</a:t>
+              <a:t>working_threads_.erase</a:t>
             </a:r>
             <a:r>
               <a:rPr lang="en-US" dirty="0" smtClean="0"/>
@@ -10258,11 +10135,7 @@
             </a:r>
             <a:r>
               <a:rPr lang="en-US" dirty="0" err="1" smtClean="0"/>
-              <a:t>working_threads</a:t>
-            </a:r>
-            <a:r>
-              <a:rPr lang="en-US" dirty="0" err="1" smtClean="0"/>
-              <a:t>_.erase</a:t>
+              <a:t>working_threads_.erase</a:t>
             </a:r>
             <a:r>
               <a:rPr lang="en-US" dirty="0" smtClean="0"/>
@@ -10395,11 +10268,7 @@
             </a:pPr>
             <a:r>
               <a:rPr lang="en-US" dirty="0" smtClean="0"/>
-              <a:t>for</a:t>
-            </a:r>
-            <a:r>
-              <a:rPr lang="en-US" dirty="0" smtClean="0"/>
-              <a:t>( </a:t>
+              <a:t>for( </a:t>
             </a:r>
             <a:r>
               <a:rPr lang="en-US" dirty="0" err="1" smtClean="0"/>
@@ -10431,11 +10300,7 @@
             </a:r>
             <a:r>
               <a:rPr lang="en-US" dirty="0" smtClean="0"/>
-              <a:t> </a:t>
-            </a:r>
-            <a:r>
-              <a:rPr lang="en-US" dirty="0" smtClean="0"/>
-              <a:t>; ++</a:t>
+              <a:t> ; ++</a:t>
             </a:r>
             <a:r>
               <a:rPr lang="en-US" dirty="0" err="1" smtClean="0"/>
@@ -10454,7 +10319,6 @@
               <a:rPr lang="en-US" dirty="0" smtClean="0"/>
               <a:t>{</a:t>
             </a:r>
-            <a:endParaRPr lang="en-US" dirty="0" smtClean="0"/>
           </a:p>
           <a:p>
             <a:pPr>
@@ -10550,7 +10414,6 @@
               <a:rPr lang="en-US" dirty="0" smtClean="0"/>
               <a:t>}</a:t>
             </a:r>
-            <a:endParaRPr lang="en-US" dirty="0" smtClean="0"/>
           </a:p>
           <a:p>
             <a:pPr>
@@ -10583,7 +10446,6 @@
               <a:rPr lang="en-US" dirty="0" smtClean="0"/>
               <a:t>();</a:t>
             </a:r>
-            <a:endParaRPr lang="en-US" dirty="0" smtClean="0"/>
           </a:p>
         </p:txBody>
       </p:sp>
@@ -11259,15 +11121,19 @@
             </a:pPr>
             <a:r>
               <a:rPr lang="en-US" dirty="0" smtClean="0"/>
-              <a:t>#include "</a:t>
+              <a:t>#include </a:t>
+            </a:r>
+            <a:r>
+              <a:rPr lang="ru-RU" dirty="0" smtClean="0"/>
+              <a:t>«</a:t>
             </a:r>
             <a:r>
               <a:rPr lang="en-US" dirty="0" err="1" smtClean="0"/>
               <a:t>vld.h</a:t>
             </a:r>
             <a:r>
-              <a:rPr lang="en-US" dirty="0" smtClean="0"/>
-              <a:t>«</a:t>
+              <a:rPr lang="ru-RU" dirty="0" smtClean="0"/>
+              <a:t>»</a:t>
             </a:r>
             <a:endParaRPr lang="ru-RU" dirty="0" smtClean="0"/>
           </a:p>
@@ -11561,19 +11427,7 @@
               <a:rPr lang="en-US" dirty="0" smtClean="0">
                 <a:hlinkClick r:id="rId3"/>
               </a:rPr>
-              <a:t>http</a:t>
-            </a:r>
-            <a:r>
-              <a:rPr lang="en-US" dirty="0" smtClean="0">
-                <a:hlinkClick r:id="rId3"/>
-              </a:rPr>
-              <a:t>://valgrind.org</a:t>
-            </a:r>
-            <a:r>
-              <a:rPr lang="en-US" dirty="0" smtClean="0">
-                <a:hlinkClick r:id="rId3"/>
-              </a:rPr>
-              <a:t>/</a:t>
+              <a:t>http://valgrind.org/</a:t>
             </a:r>
             <a:endParaRPr lang="en-US" dirty="0" smtClean="0"/>
           </a:p>
@@ -11758,13 +11612,7 @@
               <a:rPr lang="en-US" dirty="0" smtClean="0">
                 <a:hlinkClick r:id="rId2"/>
               </a:rPr>
-              <a:t>http://</a:t>
-            </a:r>
-            <a:r>
-              <a:rPr lang="en-US" dirty="0" smtClean="0">
-                <a:hlinkClick r:id="rId2"/>
-              </a:rPr>
-              <a:t>alexott.net/ru/linux/valgrind/Valgrind.html</a:t>
+              <a:t>http://alexott.net/ru/linux/valgrind/Valgrind.html</a:t>
             </a:r>
             <a:endParaRPr lang="en-US" dirty="0" smtClean="0"/>
           </a:p>
@@ -11887,21 +11735,7 @@
                 <a:latin typeface="Consolas" pitchFamily="49" charset="0"/>
                 <a:cs typeface="Consolas" pitchFamily="49" charset="0"/>
               </a:rPr>
-              <a:t> </a:t>
-            </a:r>
-            <a:r>
-              <a:rPr lang="en-US" sz="2000" dirty="0" smtClean="0">
-                <a:latin typeface="Consolas" pitchFamily="49" charset="0"/>
-                <a:cs typeface="Consolas" pitchFamily="49" charset="0"/>
-              </a:rPr>
-              <a:t>./</a:t>
-            </a:r>
-            <a:r>
-              <a:rPr lang="en-US" sz="2000" dirty="0" smtClean="0">
-                <a:latin typeface="Consolas" pitchFamily="49" charset="0"/>
-                <a:cs typeface="Consolas" pitchFamily="49" charset="0"/>
-              </a:rPr>
-              <a:t>bin_32/Debug/</a:t>
+              <a:t> ./bin_32/Debug/</a:t>
             </a:r>
             <a:r>
               <a:rPr lang="en-US" sz="2000" dirty="0" err="1" smtClean="0">
@@ -11933,14 +11767,7 @@
                 <a:latin typeface="Consolas" pitchFamily="49" charset="0"/>
                 <a:cs typeface="Consolas" pitchFamily="49" charset="0"/>
               </a:rPr>
-              <a:t>==</a:t>
-            </a:r>
-            <a:r>
-              <a:rPr lang="en-US" sz="2000" dirty="0" smtClean="0">
-                <a:latin typeface="Consolas" pitchFamily="49" charset="0"/>
-                <a:cs typeface="Consolas" pitchFamily="49" charset="0"/>
-              </a:rPr>
-              <a:t>26372== LEAK SUMMARY:</a:t>
+              <a:t>==26372== LEAK SUMMARY:</a:t>
             </a:r>
           </a:p>
           <a:p>
